--- a/figs/PlotsSummary.pptx
+++ b/figs/PlotsSummary.pptx
@@ -5,22 +5,25 @@
     <p:sldMasterId id="2147483648" r:id="rId1"/>
   </p:sldMasterIdLst>
   <p:notesMasterIdLst>
-    <p:notesMasterId r:id="rId15"/>
+    <p:notesMasterId r:id="rId18"/>
   </p:notesMasterIdLst>
   <p:sldIdLst>
     <p:sldId id="259" r:id="rId2"/>
     <p:sldId id="260" r:id="rId3"/>
     <p:sldId id="265" r:id="rId4"/>
-    <p:sldId id="267" r:id="rId5"/>
-    <p:sldId id="256" r:id="rId6"/>
-    <p:sldId id="263" r:id="rId7"/>
-    <p:sldId id="266" r:id="rId8"/>
-    <p:sldId id="257" r:id="rId9"/>
-    <p:sldId id="258" r:id="rId10"/>
-    <p:sldId id="261" r:id="rId11"/>
-    <p:sldId id="268" r:id="rId12"/>
-    <p:sldId id="262" r:id="rId13"/>
-    <p:sldId id="264" r:id="rId14"/>
+    <p:sldId id="269" r:id="rId5"/>
+    <p:sldId id="267" r:id="rId6"/>
+    <p:sldId id="256" r:id="rId7"/>
+    <p:sldId id="263" r:id="rId8"/>
+    <p:sldId id="266" r:id="rId9"/>
+    <p:sldId id="271" r:id="rId10"/>
+    <p:sldId id="257" r:id="rId11"/>
+    <p:sldId id="258" r:id="rId12"/>
+    <p:sldId id="261" r:id="rId13"/>
+    <p:sldId id="268" r:id="rId14"/>
+    <p:sldId id="262" r:id="rId15"/>
+    <p:sldId id="264" r:id="rId16"/>
+    <p:sldId id="270" r:id="rId17"/>
   </p:sldIdLst>
   <p:sldSz cx="9144000" cy="6858000" type="screen4x3"/>
   <p:notesSz cx="6858000" cy="9144000"/>
@@ -204,7 +207,7 @@
           <a:p>
             <a:fld id="{6F0E7BF9-6E9D-264C-830A-688C30E84BBB}" type="datetimeFigureOut">
               <a:rPr lang="en-US" smtClean="0"/>
-              <a:t>15/02/17</a:t>
+              <a:t>9/03/17</a:t>
             </a:fld>
             <a:endParaRPr lang="en-US"/>
           </a:p>
@@ -542,7 +545,7 @@
           <a:p>
             <a:fld id="{4D83D572-121A-AF45-BF8E-74B7AFD7632A}" type="slidenum">
               <a:rPr lang="en-US" smtClean="0"/>
-              <a:t>9</a:t>
+              <a:t>11</a:t>
             </a:fld>
             <a:endParaRPr lang="en-US"/>
           </a:p>
@@ -742,7 +745,7 @@
           <a:p>
             <a:fld id="{16770D3E-4084-5B4D-93C2-D9EBD03FAF6A}" type="datetimeFigureOut">
               <a:rPr lang="en-US" smtClean="0"/>
-              <a:t>15/02/17</a:t>
+              <a:t>9/03/17</a:t>
             </a:fld>
             <a:endParaRPr lang="en-US"/>
           </a:p>
@@ -912,7 +915,7 @@
           <a:p>
             <a:fld id="{16770D3E-4084-5B4D-93C2-D9EBD03FAF6A}" type="datetimeFigureOut">
               <a:rPr lang="en-US" smtClean="0"/>
-              <a:t>15/02/17</a:t>
+              <a:t>9/03/17</a:t>
             </a:fld>
             <a:endParaRPr lang="en-US"/>
           </a:p>
@@ -1092,7 +1095,7 @@
           <a:p>
             <a:fld id="{16770D3E-4084-5B4D-93C2-D9EBD03FAF6A}" type="datetimeFigureOut">
               <a:rPr lang="en-US" smtClean="0"/>
-              <a:t>15/02/17</a:t>
+              <a:t>9/03/17</a:t>
             </a:fld>
             <a:endParaRPr lang="en-US"/>
           </a:p>
@@ -1262,7 +1265,7 @@
           <a:p>
             <a:fld id="{16770D3E-4084-5B4D-93C2-D9EBD03FAF6A}" type="datetimeFigureOut">
               <a:rPr lang="en-US" smtClean="0"/>
-              <a:t>15/02/17</a:t>
+              <a:t>9/03/17</a:t>
             </a:fld>
             <a:endParaRPr lang="en-US"/>
           </a:p>
@@ -1508,7 +1511,7 @@
           <a:p>
             <a:fld id="{16770D3E-4084-5B4D-93C2-D9EBD03FAF6A}" type="datetimeFigureOut">
               <a:rPr lang="en-US" smtClean="0"/>
-              <a:t>15/02/17</a:t>
+              <a:t>9/03/17</a:t>
             </a:fld>
             <a:endParaRPr lang="en-US"/>
           </a:p>
@@ -1796,7 +1799,7 @@
           <a:p>
             <a:fld id="{16770D3E-4084-5B4D-93C2-D9EBD03FAF6A}" type="datetimeFigureOut">
               <a:rPr lang="en-US" smtClean="0"/>
-              <a:t>15/02/17</a:t>
+              <a:t>9/03/17</a:t>
             </a:fld>
             <a:endParaRPr lang="en-US"/>
           </a:p>
@@ -2218,7 +2221,7 @@
           <a:p>
             <a:fld id="{16770D3E-4084-5B4D-93C2-D9EBD03FAF6A}" type="datetimeFigureOut">
               <a:rPr lang="en-US" smtClean="0"/>
-              <a:t>15/02/17</a:t>
+              <a:t>9/03/17</a:t>
             </a:fld>
             <a:endParaRPr lang="en-US"/>
           </a:p>
@@ -2336,7 +2339,7 @@
           <a:p>
             <a:fld id="{16770D3E-4084-5B4D-93C2-D9EBD03FAF6A}" type="datetimeFigureOut">
               <a:rPr lang="en-US" smtClean="0"/>
-              <a:t>15/02/17</a:t>
+              <a:t>9/03/17</a:t>
             </a:fld>
             <a:endParaRPr lang="en-US"/>
           </a:p>
@@ -2431,7 +2434,7 @@
           <a:p>
             <a:fld id="{16770D3E-4084-5B4D-93C2-D9EBD03FAF6A}" type="datetimeFigureOut">
               <a:rPr lang="en-US" smtClean="0"/>
-              <a:t>15/02/17</a:t>
+              <a:t>9/03/17</a:t>
             </a:fld>
             <a:endParaRPr lang="en-US"/>
           </a:p>
@@ -2708,7 +2711,7 @@
           <a:p>
             <a:fld id="{16770D3E-4084-5B4D-93C2-D9EBD03FAF6A}" type="datetimeFigureOut">
               <a:rPr lang="en-US" smtClean="0"/>
-              <a:t>15/02/17</a:t>
+              <a:t>9/03/17</a:t>
             </a:fld>
             <a:endParaRPr lang="en-US"/>
           </a:p>
@@ -2961,7 +2964,7 @@
           <a:p>
             <a:fld id="{16770D3E-4084-5B4D-93C2-D9EBD03FAF6A}" type="datetimeFigureOut">
               <a:rPr lang="en-US" smtClean="0"/>
-              <a:t>15/02/17</a:t>
+              <a:t>9/03/17</a:t>
             </a:fld>
             <a:endParaRPr lang="en-US"/>
           </a:p>
@@ -3174,7 +3177,7 @@
           <a:p>
             <a:fld id="{16770D3E-4084-5B4D-93C2-D9EBD03FAF6A}" type="datetimeFigureOut">
               <a:rPr lang="en-US" smtClean="0"/>
-              <a:t>15/02/17</a:t>
+              <a:t>9/03/17</a:t>
             </a:fld>
             <a:endParaRPr lang="en-US"/>
           </a:p>
@@ -3890,3602 +3893,6 @@
           <a:chExt cx="0" cy="0"/>
         </a:xfrm>
       </p:grpSpPr>
-      <p:grpSp>
-        <p:nvGrpSpPr>
-          <p:cNvPr id="8" name="Group 7"/>
-          <p:cNvGrpSpPr/>
-          <p:nvPr/>
-        </p:nvGrpSpPr>
-        <p:grpSpPr>
-          <a:xfrm>
-            <a:off x="0" y="723902"/>
-            <a:ext cx="9144000" cy="5402687"/>
-            <a:chOff x="0" y="723900"/>
-            <a:chExt cx="9144000" cy="5402687"/>
-          </a:xfrm>
-        </p:grpSpPr>
-        <p:pic>
-          <p:nvPicPr>
-            <p:cNvPr id="6" name="Picture 5" descr="RichFeederPeripheral_k.png"/>
-            <p:cNvPicPr>
-              <a:picLocks noChangeAspect="1"/>
-            </p:cNvPicPr>
-            <p:nvPr/>
-          </p:nvPicPr>
-          <p:blipFill>
-            <a:blip r:embed="rId2">
-              <a:extLst>
-                <a:ext uri="{28A0092B-C50C-407E-A947-70E740481C1C}">
-                  <a14:useLocalDpi xmlns:a14="http://schemas.microsoft.com/office/drawing/2010/main" val="0"/>
-                </a:ext>
-              </a:extLst>
-            </a:blip>
-            <a:stretch>
-              <a:fillRect/>
-            </a:stretch>
-          </p:blipFill>
-          <p:spPr>
-            <a:xfrm>
-              <a:off x="0" y="723900"/>
-              <a:ext cx="9144000" cy="5402687"/>
-            </a:xfrm>
-            <a:prstGeom prst="rect">
-              <a:avLst/>
-            </a:prstGeom>
-          </p:spPr>
-        </p:pic>
-        <p:sp>
-          <p:nvSpPr>
-            <p:cNvPr id="7" name="TextBox 6"/>
-            <p:cNvSpPr txBox="1"/>
-            <p:nvPr/>
-          </p:nvSpPr>
-          <p:spPr>
-            <a:xfrm>
-              <a:off x="6601299" y="2276942"/>
-              <a:ext cx="1599832" cy="1200328"/>
-            </a:xfrm>
-            <a:prstGeom prst="rect">
-              <a:avLst/>
-            </a:prstGeom>
-            <a:noFill/>
-          </p:spPr>
-          <p:txBody>
-            <a:bodyPr wrap="square" rtlCol="0">
-              <a:spAutoFit/>
-            </a:bodyPr>
-            <a:lstStyle/>
-            <a:p>
-              <a:r>
-                <a:rPr lang="en-US" sz="2400" dirty="0" smtClean="0">
-                  <a:solidFill>
-                    <a:srgbClr val="FF0000"/>
-                  </a:solidFill>
-                </a:rPr>
-                <a:t>Rich</a:t>
-              </a:r>
-            </a:p>
-            <a:p>
-              <a:r>
-                <a:rPr lang="en-US" sz="2400" dirty="0" smtClean="0">
-                  <a:solidFill>
-                    <a:srgbClr val="FFCB49"/>
-                  </a:solidFill>
-                </a:rPr>
-                <a:t>Feeder</a:t>
-              </a:r>
-            </a:p>
-            <a:p>
-              <a:r>
-                <a:rPr lang="en-US" sz="2400" dirty="0" smtClean="0">
-                  <a:solidFill>
-                    <a:srgbClr val="A8E882"/>
-                  </a:solidFill>
-                </a:rPr>
-                <a:t>Peripheral</a:t>
-              </a:r>
-              <a:endParaRPr lang="en-US" sz="2400" dirty="0">
-                <a:solidFill>
-                  <a:srgbClr val="A8E882"/>
-                </a:solidFill>
-              </a:endParaRPr>
-            </a:p>
-          </p:txBody>
-        </p:sp>
-      </p:grpSp>
-    </p:spTree>
-    <p:extLst>
-      <p:ext uri="{BB962C8B-B14F-4D97-AF65-F5344CB8AC3E}">
-        <p14:creationId xmlns:p14="http://schemas.microsoft.com/office/powerpoint/2010/main" val="812078241"/>
-      </p:ext>
-    </p:extLst>
-  </p:cSld>
-  <p:clrMapOvr>
-    <a:masterClrMapping/>
-  </p:clrMapOvr>
-</p:sld>
-</file>
-
-<file path=ppt/slides/slide11.xml><?xml version="1.0" encoding="utf-8"?>
-<p:sld xmlns:a="http://schemas.openxmlformats.org/drawingml/2006/main" xmlns:r="http://schemas.openxmlformats.org/officeDocument/2006/relationships" xmlns:p="http://schemas.openxmlformats.org/presentationml/2006/main">
-  <p:cSld>
-    <p:spTree>
-      <p:nvGrpSpPr>
-        <p:cNvPr id="1" name=""/>
-        <p:cNvGrpSpPr/>
-        <p:nvPr/>
-      </p:nvGrpSpPr>
-      <p:grpSpPr>
-        <a:xfrm>
-          <a:off x="0" y="0"/>
-          <a:ext cx="0" cy="0"/>
-          <a:chOff x="0" y="0"/>
-          <a:chExt cx="0" cy="0"/>
-        </a:xfrm>
-      </p:grpSpPr>
-      <p:grpSp>
-        <p:nvGrpSpPr>
-          <p:cNvPr id="8" name="Group 7"/>
-          <p:cNvGrpSpPr/>
-          <p:nvPr/>
-        </p:nvGrpSpPr>
-        <p:grpSpPr>
-          <a:xfrm>
-            <a:off x="2794000" y="1752600"/>
-            <a:ext cx="3556000" cy="2482850"/>
-            <a:chOff x="2794000" y="1752600"/>
-            <a:chExt cx="3556000" cy="2482850"/>
-          </a:xfrm>
-        </p:grpSpPr>
-        <p:sp>
-          <p:nvSpPr>
-            <p:cNvPr id="5" name="Rectangle 4"/>
-            <p:cNvSpPr/>
-            <p:nvPr/>
-          </p:nvSpPr>
-          <p:spPr>
-            <a:xfrm>
-              <a:off x="2794000" y="1752600"/>
-              <a:ext cx="3556000" cy="2482850"/>
-            </a:xfrm>
-            <a:prstGeom prst="rect">
-              <a:avLst/>
-            </a:prstGeom>
-            <a:ln>
-              <a:solidFill>
-                <a:srgbClr val="FFFFFF"/>
-              </a:solidFill>
-            </a:ln>
-          </p:spPr>
-          <p:style>
-            <a:lnRef idx="2">
-              <a:schemeClr val="accent1"/>
-            </a:lnRef>
-            <a:fillRef idx="1">
-              <a:schemeClr val="lt1"/>
-            </a:fillRef>
-            <a:effectRef idx="0">
-              <a:schemeClr val="accent1"/>
-            </a:effectRef>
-            <a:fontRef idx="minor">
-              <a:schemeClr val="dk1"/>
-            </a:fontRef>
-          </p:style>
-          <p:txBody>
-            <a:bodyPr rtlCol="0" anchor="ctr"/>
-            <a:lstStyle/>
-            <a:p>
-              <a:pPr algn="ctr"/>
-              <a:endParaRPr lang="en-US"/>
-            </a:p>
-          </p:txBody>
-        </p:sp>
-        <p:pic>
-          <p:nvPicPr>
-            <p:cNvPr id="6" name="Picture 5"/>
-            <p:cNvPicPr>
-              <a:picLocks noChangeAspect="1"/>
-            </p:cNvPicPr>
-            <p:nvPr/>
-          </p:nvPicPr>
-          <p:blipFill>
-            <a:blip r:embed="rId2"/>
-            <a:stretch>
-              <a:fillRect/>
-            </a:stretch>
-          </p:blipFill>
-          <p:spPr>
-            <a:xfrm>
-              <a:off x="2997200" y="1822450"/>
-              <a:ext cx="3136900" cy="2286535"/>
-            </a:xfrm>
-            <a:prstGeom prst="rect">
-              <a:avLst/>
-            </a:prstGeom>
-          </p:spPr>
-        </p:pic>
-        <p:sp>
-          <p:nvSpPr>
-            <p:cNvPr id="7" name="TextBox 6"/>
-            <p:cNvSpPr txBox="1"/>
-            <p:nvPr/>
-          </p:nvSpPr>
-          <p:spPr>
-            <a:xfrm>
-              <a:off x="4559300" y="2525931"/>
-              <a:ext cx="1574800" cy="646331"/>
-            </a:xfrm>
-            <a:prstGeom prst="rect">
-              <a:avLst/>
-            </a:prstGeom>
-            <a:noFill/>
-          </p:spPr>
-          <p:txBody>
-            <a:bodyPr wrap="square" rtlCol="0">
-              <a:spAutoFit/>
-            </a:bodyPr>
-            <a:lstStyle/>
-            <a:p>
-              <a:pPr algn="r"/>
-              <a:r>
-                <a:rPr lang="en-US" sz="1200" b="1" dirty="0" smtClean="0">
-                  <a:solidFill>
-                    <a:srgbClr val="FF0000"/>
-                  </a:solidFill>
-                </a:rPr>
-                <a:t>Rich</a:t>
-              </a:r>
-            </a:p>
-            <a:p>
-              <a:pPr algn="r"/>
-              <a:r>
-                <a:rPr lang="en-US" sz="1200" b="1" dirty="0" smtClean="0">
-                  <a:solidFill>
-                    <a:srgbClr val="FFCB49"/>
-                  </a:solidFill>
-                </a:rPr>
-                <a:t>Feeder</a:t>
-              </a:r>
-            </a:p>
-            <a:p>
-              <a:pPr algn="r"/>
-              <a:r>
-                <a:rPr lang="en-US" sz="1200" b="1" dirty="0" smtClean="0">
-                  <a:solidFill>
-                    <a:srgbClr val="A8E882"/>
-                  </a:solidFill>
-                </a:rPr>
-                <a:t>Peripheral</a:t>
-              </a:r>
-              <a:endParaRPr lang="en-US" sz="1200" b="1" dirty="0">
-                <a:solidFill>
-                  <a:srgbClr val="A8E882"/>
-                </a:solidFill>
-              </a:endParaRPr>
-            </a:p>
-          </p:txBody>
-        </p:sp>
-      </p:grpSp>
-    </p:spTree>
-    <p:extLst>
-      <p:ext uri="{BB962C8B-B14F-4D97-AF65-F5344CB8AC3E}">
-        <p14:creationId xmlns:p14="http://schemas.microsoft.com/office/powerpoint/2010/main" val="728557690"/>
-      </p:ext>
-    </p:extLst>
-  </p:cSld>
-  <p:clrMapOvr>
-    <a:masterClrMapping/>
-  </p:clrMapOvr>
-</p:sld>
-</file>
-
-<file path=ppt/slides/slide12.xml><?xml version="1.0" encoding="utf-8"?>
-<p:sld xmlns:a="http://schemas.openxmlformats.org/drawingml/2006/main" xmlns:r="http://schemas.openxmlformats.org/officeDocument/2006/relationships" xmlns:p="http://schemas.openxmlformats.org/presentationml/2006/main">
-  <p:cSld>
-    <p:spTree>
-      <p:nvGrpSpPr>
-        <p:cNvPr id="1" name=""/>
-        <p:cNvGrpSpPr/>
-        <p:nvPr/>
-      </p:nvGrpSpPr>
-      <p:grpSpPr>
-        <a:xfrm>
-          <a:off x="0" y="0"/>
-          <a:ext cx="0" cy="0"/>
-          <a:chOff x="0" y="0"/>
-          <a:chExt cx="0" cy="0"/>
-        </a:xfrm>
-      </p:grpSpPr>
-      <p:pic>
-        <p:nvPicPr>
-          <p:cNvPr id="4" name="Picture 3"/>
-          <p:cNvPicPr>
-            <a:picLocks noChangeAspect="1"/>
-          </p:cNvPicPr>
-          <p:nvPr/>
-        </p:nvPicPr>
-        <p:blipFill rotWithShape="1">
-          <a:blip r:embed="rId2"/>
-          <a:srcRect l="616" r="582" b="616"/>
-          <a:stretch/>
-        </p:blipFill>
-        <p:spPr>
-          <a:xfrm>
-            <a:off x="984526" y="0"/>
-            <a:ext cx="7171307" cy="6815766"/>
-          </a:xfrm>
-          <a:prstGeom prst="rect">
-            <a:avLst/>
-          </a:prstGeom>
-        </p:spPr>
-      </p:pic>
-    </p:spTree>
-    <p:extLst>
-      <p:ext uri="{BB962C8B-B14F-4D97-AF65-F5344CB8AC3E}">
-        <p14:creationId xmlns:p14="http://schemas.microsoft.com/office/powerpoint/2010/main" val="2449910279"/>
-      </p:ext>
-    </p:extLst>
-  </p:cSld>
-  <p:clrMapOvr>
-    <a:masterClrMapping/>
-  </p:clrMapOvr>
-</p:sld>
-</file>
-
-<file path=ppt/slides/slide13.xml><?xml version="1.0" encoding="utf-8"?>
-<p:sld xmlns:a="http://schemas.openxmlformats.org/drawingml/2006/main" xmlns:r="http://schemas.openxmlformats.org/officeDocument/2006/relationships" xmlns:p="http://schemas.openxmlformats.org/presentationml/2006/main">
-  <p:cSld>
-    <p:spTree>
-      <p:nvGrpSpPr>
-        <p:cNvPr id="1" name=""/>
-        <p:cNvGrpSpPr/>
-        <p:nvPr/>
-      </p:nvGrpSpPr>
-      <p:grpSpPr>
-        <a:xfrm>
-          <a:off x="0" y="0"/>
-          <a:ext cx="0" cy="0"/>
-          <a:chOff x="0" y="0"/>
-          <a:chExt cx="0" cy="0"/>
-        </a:xfrm>
-      </p:grpSpPr>
-      <p:grpSp>
-        <p:nvGrpSpPr>
-          <p:cNvPr id="6" name="Group 5"/>
-          <p:cNvGrpSpPr/>
-          <p:nvPr/>
-        </p:nvGrpSpPr>
-        <p:grpSpPr>
-          <a:xfrm>
-            <a:off x="1771650" y="1467802"/>
-            <a:ext cx="6606913" cy="3922395"/>
-            <a:chOff x="1771650" y="1467802"/>
-            <a:chExt cx="6606913" cy="3922395"/>
-          </a:xfrm>
-        </p:grpSpPr>
-        <p:pic>
-          <p:nvPicPr>
-            <p:cNvPr id="4" name="Picture 3"/>
-            <p:cNvPicPr/>
-            <p:nvPr/>
-          </p:nvPicPr>
-          <p:blipFill rotWithShape="1">
-            <a:blip r:embed="rId2">
-              <a:extLst>
-                <a:ext uri="{28A0092B-C50C-407E-A947-70E740481C1C}">
-                  <a14:useLocalDpi xmlns:a14="http://schemas.microsoft.com/office/drawing/2010/main" val="0"/>
-                </a:ext>
-              </a:extLst>
-            </a:blip>
-            <a:srcRect l="7551" t="6161" r="8594"/>
-            <a:stretch/>
-          </p:blipFill>
-          <p:spPr bwMode="auto">
-            <a:xfrm>
-              <a:off x="1771650" y="1467802"/>
-              <a:ext cx="5600700" cy="3922395"/>
-            </a:xfrm>
-            <a:prstGeom prst="rect">
-              <a:avLst/>
-            </a:prstGeom>
-            <a:ln>
-              <a:noFill/>
-            </a:ln>
-            <a:extLst>
-              <a:ext uri="{53640926-AAD7-44d8-BBD7-CCE9431645EC}">
-                <a14:shadowObscured xmlns:a14="http://schemas.microsoft.com/office/drawing/2010/main"/>
-              </a:ext>
-            </a:extLst>
-          </p:spPr>
-        </p:pic>
-        <p:sp>
-          <p:nvSpPr>
-            <p:cNvPr id="5" name="TextBox 4"/>
-            <p:cNvSpPr txBox="1"/>
-            <p:nvPr/>
-          </p:nvSpPr>
-          <p:spPr>
-            <a:xfrm>
-              <a:off x="6778731" y="2351910"/>
-              <a:ext cx="1599832" cy="1200328"/>
-            </a:xfrm>
-            <a:prstGeom prst="rect">
-              <a:avLst/>
-            </a:prstGeom>
-            <a:noFill/>
-          </p:spPr>
-          <p:txBody>
-            <a:bodyPr wrap="square" rtlCol="0">
-              <a:spAutoFit/>
-            </a:bodyPr>
-            <a:lstStyle/>
-            <a:p>
-              <a:r>
-                <a:rPr lang="en-US" sz="2400" dirty="0" smtClean="0">
-                  <a:solidFill>
-                    <a:srgbClr val="FF0000"/>
-                  </a:solidFill>
-                </a:rPr>
-                <a:t>Rich</a:t>
-              </a:r>
-            </a:p>
-            <a:p>
-              <a:r>
-                <a:rPr lang="en-US" sz="2400" dirty="0" smtClean="0">
-                  <a:solidFill>
-                    <a:srgbClr val="FFCB49"/>
-                  </a:solidFill>
-                </a:rPr>
-                <a:t>Feeder</a:t>
-              </a:r>
-            </a:p>
-            <a:p>
-              <a:r>
-                <a:rPr lang="en-US" sz="2400" dirty="0" smtClean="0">
-                  <a:solidFill>
-                    <a:srgbClr val="A8E882"/>
-                  </a:solidFill>
-                </a:rPr>
-                <a:t>Peripheral</a:t>
-              </a:r>
-              <a:endParaRPr lang="en-US" sz="2400" dirty="0">
-                <a:solidFill>
-                  <a:srgbClr val="A8E882"/>
-                </a:solidFill>
-              </a:endParaRPr>
-            </a:p>
-          </p:txBody>
-        </p:sp>
-      </p:grpSp>
-    </p:spTree>
-    <p:extLst>
-      <p:ext uri="{BB962C8B-B14F-4D97-AF65-F5344CB8AC3E}">
-        <p14:creationId xmlns:p14="http://schemas.microsoft.com/office/powerpoint/2010/main" val="319448184"/>
-      </p:ext>
-    </p:extLst>
-  </p:cSld>
-  <p:clrMapOvr>
-    <a:masterClrMapping/>
-  </p:clrMapOvr>
-</p:sld>
-</file>
-
-<file path=ppt/slides/slide2.xml><?xml version="1.0" encoding="utf-8"?>
-<p:sld xmlns:a="http://schemas.openxmlformats.org/drawingml/2006/main" xmlns:r="http://schemas.openxmlformats.org/officeDocument/2006/relationships" xmlns:p="http://schemas.openxmlformats.org/presentationml/2006/main">
-  <p:cSld>
-    <p:spTree>
-      <p:nvGrpSpPr>
-        <p:cNvPr id="1" name=""/>
-        <p:cNvGrpSpPr/>
-        <p:nvPr/>
-      </p:nvGrpSpPr>
-      <p:grpSpPr>
-        <a:xfrm>
-          <a:off x="0" y="0"/>
-          <a:ext cx="0" cy="0"/>
-          <a:chOff x="0" y="0"/>
-          <a:chExt cx="0" cy="0"/>
-        </a:xfrm>
-      </p:grpSpPr>
-      <p:grpSp>
-        <p:nvGrpSpPr>
-          <p:cNvPr id="16" name="Group 15"/>
-          <p:cNvGrpSpPr/>
-          <p:nvPr/>
-        </p:nvGrpSpPr>
-        <p:grpSpPr>
-          <a:xfrm>
-            <a:off x="526556" y="903911"/>
-            <a:ext cx="7825174" cy="5222676"/>
-            <a:chOff x="526556" y="903911"/>
-            <a:chExt cx="7825174" cy="5222676"/>
-          </a:xfrm>
-        </p:grpSpPr>
-        <p:grpSp>
-          <p:nvGrpSpPr>
-            <p:cNvPr id="6" name="Group 5"/>
-            <p:cNvGrpSpPr/>
-            <p:nvPr/>
-          </p:nvGrpSpPr>
-          <p:grpSpPr>
-            <a:xfrm>
-              <a:off x="526556" y="1018331"/>
-              <a:ext cx="7825174" cy="5108256"/>
-              <a:chOff x="526556" y="1018331"/>
-              <a:chExt cx="7825174" cy="5108256"/>
-            </a:xfrm>
-          </p:grpSpPr>
-          <p:pic>
-            <p:nvPicPr>
-              <p:cNvPr id="4" name="Picture 3" descr="coexpressionCategory.png"/>
-              <p:cNvPicPr>
-                <a:picLocks noChangeAspect="1"/>
-              </p:cNvPicPr>
-              <p:nvPr/>
-            </p:nvPicPr>
-            <p:blipFill rotWithShape="1">
-              <a:blip r:embed="rId2">
-                <a:extLst>
-                  <a:ext uri="{28A0092B-C50C-407E-A947-70E740481C1C}">
-                    <a14:useLocalDpi xmlns:a14="http://schemas.microsoft.com/office/drawing/2010/main" val="0"/>
-                  </a:ext>
-                </a:extLst>
-              </a:blip>
-              <a:srcRect l="5758" t="5450" r="8664"/>
-              <a:stretch/>
-            </p:blipFill>
-            <p:spPr>
-              <a:xfrm>
-                <a:off x="526556" y="1018331"/>
-                <a:ext cx="7825174" cy="5108256"/>
-              </a:xfrm>
-              <a:prstGeom prst="rect">
-                <a:avLst/>
-              </a:prstGeom>
-            </p:spPr>
-          </p:pic>
-          <p:sp>
-            <p:nvSpPr>
-              <p:cNvPr id="5" name="Rectangle 4"/>
-              <p:cNvSpPr/>
-              <p:nvPr/>
-            </p:nvSpPr>
-            <p:spPr>
-              <a:xfrm rot="16200000">
-                <a:off x="475407" y="2222718"/>
-                <a:ext cx="471629" cy="369332"/>
-              </a:xfrm>
-              <a:prstGeom prst="rect">
-                <a:avLst/>
-              </a:prstGeom>
-            </p:spPr>
-            <p:txBody>
-              <a:bodyPr wrap="none">
-                <a:spAutoFit/>
-              </a:bodyPr>
-              <a:lstStyle/>
-              <a:p>
-                <a:r>
-                  <a:rPr lang="en-AU" dirty="0" smtClean="0">
-                    <a:latin typeface="Times New Roman"/>
-                    <a:cs typeface="Times New Roman"/>
-                  </a:rPr>
-                  <a:t>(</a:t>
-                </a:r>
-                <a:r>
-                  <a:rPr lang="el-GR" dirty="0" smtClean="0">
-                    <a:latin typeface="Times New Roman"/>
-                    <a:cs typeface="Times New Roman"/>
-                  </a:rPr>
-                  <a:t>φ</a:t>
-                </a:r>
-                <a:r>
-                  <a:rPr lang="en-AU" dirty="0" smtClean="0">
-                    <a:latin typeface="Times New Roman"/>
-                    <a:cs typeface="Times New Roman"/>
-                  </a:rPr>
-                  <a:t>)</a:t>
-                </a:r>
-                <a:endParaRPr lang="en-US" dirty="0">
-                  <a:latin typeface="Times New Roman"/>
-                  <a:cs typeface="Times New Roman"/>
-                </a:endParaRPr>
-              </a:p>
-            </p:txBody>
-          </p:sp>
-        </p:grpSp>
-        <p:cxnSp>
-          <p:nvCxnSpPr>
-            <p:cNvPr id="7" name="Straight Connector 6"/>
-            <p:cNvCxnSpPr/>
-            <p:nvPr/>
-          </p:nvCxnSpPr>
-          <p:spPr>
-            <a:xfrm>
-              <a:off x="2333908" y="1664900"/>
-              <a:ext cx="2306035" cy="0"/>
-            </a:xfrm>
-            <a:prstGeom prst="line">
-              <a:avLst/>
-            </a:prstGeom>
-          </p:spPr>
-          <p:style>
-            <a:lnRef idx="2">
-              <a:schemeClr val="dk1"/>
-            </a:lnRef>
-            <a:fillRef idx="0">
-              <a:schemeClr val="dk1"/>
-            </a:fillRef>
-            <a:effectRef idx="1">
-              <a:schemeClr val="dk1"/>
-            </a:effectRef>
-            <a:fontRef idx="minor">
-              <a:schemeClr val="tx1"/>
-            </a:fontRef>
-          </p:style>
-        </p:cxnSp>
-        <p:sp>
-          <p:nvSpPr>
-            <p:cNvPr id="8" name="TextBox 7"/>
-            <p:cNvSpPr txBox="1"/>
-            <p:nvPr/>
-          </p:nvSpPr>
-          <p:spPr>
-            <a:xfrm>
-              <a:off x="2873076" y="1407301"/>
-              <a:ext cx="1082348" cy="584776"/>
-            </a:xfrm>
-            <a:prstGeom prst="rect">
-              <a:avLst/>
-            </a:prstGeom>
-            <a:solidFill>
-              <a:schemeClr val="bg1"/>
-            </a:solidFill>
-          </p:spPr>
-          <p:txBody>
-            <a:bodyPr wrap="none" rtlCol="0">
-              <a:spAutoFit/>
-            </a:bodyPr>
-            <a:lstStyle/>
-            <a:p>
-              <a:pPr algn="ctr"/>
-              <a:r>
-                <a:rPr lang="en-US" sz="1600" dirty="0" smtClean="0">
-                  <a:latin typeface="Times New Roman"/>
-                  <a:cs typeface="Times New Roman"/>
-                </a:rPr>
-                <a:t>** p &lt; 10</a:t>
-              </a:r>
-              <a:r>
-                <a:rPr lang="en-US" sz="1600" baseline="30000" dirty="0" smtClean="0">
-                  <a:latin typeface="Times New Roman"/>
-                  <a:cs typeface="Times New Roman"/>
-                </a:rPr>
-                <a:t>-4</a:t>
-              </a:r>
-            </a:p>
-            <a:p>
-              <a:pPr algn="ctr"/>
-              <a:r>
-                <a:rPr lang="en-US" sz="1600" dirty="0">
-                  <a:latin typeface="Times New Roman"/>
-                  <a:cs typeface="Times New Roman"/>
-                </a:rPr>
-                <a:t>t</a:t>
-              </a:r>
-              <a:r>
-                <a:rPr lang="en-US" sz="1600" dirty="0" smtClean="0">
-                  <a:latin typeface="Times New Roman"/>
-                  <a:cs typeface="Times New Roman"/>
-                </a:rPr>
-                <a:t>=-4.13</a:t>
-              </a:r>
-              <a:endParaRPr lang="en-US" sz="1600" dirty="0">
-                <a:latin typeface="Times New Roman"/>
-                <a:cs typeface="Times New Roman"/>
-              </a:endParaRPr>
-            </a:p>
-          </p:txBody>
-        </p:sp>
-        <p:cxnSp>
-          <p:nvCxnSpPr>
-            <p:cNvPr id="13" name="Straight Connector 12"/>
-            <p:cNvCxnSpPr/>
-            <p:nvPr/>
-          </p:nvCxnSpPr>
-          <p:spPr>
-            <a:xfrm>
-              <a:off x="2333908" y="1209960"/>
-              <a:ext cx="4793664" cy="0"/>
-            </a:xfrm>
-            <a:prstGeom prst="line">
-              <a:avLst/>
-            </a:prstGeom>
-          </p:spPr>
-          <p:style>
-            <a:lnRef idx="2">
-              <a:schemeClr val="dk1"/>
-            </a:lnRef>
-            <a:fillRef idx="0">
-              <a:schemeClr val="dk1"/>
-            </a:fillRef>
-            <a:effectRef idx="1">
-              <a:schemeClr val="dk1"/>
-            </a:effectRef>
-            <a:fontRef idx="minor">
-              <a:schemeClr val="tx1"/>
-            </a:fontRef>
-          </p:style>
-        </p:cxnSp>
-        <p:sp>
-          <p:nvSpPr>
-            <p:cNvPr id="14" name="TextBox 13"/>
-            <p:cNvSpPr txBox="1"/>
-            <p:nvPr/>
-          </p:nvSpPr>
-          <p:spPr>
-            <a:xfrm>
-              <a:off x="4303170" y="903911"/>
-              <a:ext cx="1082348" cy="584776"/>
-            </a:xfrm>
-            <a:prstGeom prst="rect">
-              <a:avLst/>
-            </a:prstGeom>
-            <a:solidFill>
-              <a:schemeClr val="bg1"/>
-            </a:solidFill>
-          </p:spPr>
-          <p:txBody>
-            <a:bodyPr wrap="none" rtlCol="0">
-              <a:spAutoFit/>
-            </a:bodyPr>
-            <a:lstStyle/>
-            <a:p>
-              <a:pPr algn="ctr"/>
-              <a:r>
-                <a:rPr lang="en-US" sz="1600" dirty="0" smtClean="0">
-                  <a:latin typeface="Times New Roman"/>
-                  <a:cs typeface="Times New Roman"/>
-                </a:rPr>
-                <a:t>** p &lt; 10</a:t>
-              </a:r>
-              <a:r>
-                <a:rPr lang="en-US" sz="1600" baseline="30000" dirty="0" smtClean="0">
-                  <a:latin typeface="Times New Roman"/>
-                  <a:cs typeface="Times New Roman"/>
-                </a:rPr>
-                <a:t>-6</a:t>
-              </a:r>
-            </a:p>
-            <a:p>
-              <a:pPr algn="ctr"/>
-              <a:r>
-                <a:rPr lang="en-US" sz="1600" dirty="0">
-                  <a:latin typeface="Times New Roman"/>
-                  <a:cs typeface="Times New Roman"/>
-                </a:rPr>
-                <a:t>t</a:t>
-              </a:r>
-              <a:r>
-                <a:rPr lang="en-US" sz="1600" dirty="0" smtClean="0">
-                  <a:latin typeface="Times New Roman"/>
-                  <a:cs typeface="Times New Roman"/>
-                </a:rPr>
-                <a:t>=-5.34</a:t>
-              </a:r>
-              <a:endParaRPr lang="en-US" sz="1600" dirty="0">
-                <a:latin typeface="Times New Roman"/>
-                <a:cs typeface="Times New Roman"/>
-              </a:endParaRPr>
-            </a:p>
-          </p:txBody>
-        </p:sp>
-      </p:grpSp>
-    </p:spTree>
-    <p:extLst>
-      <p:ext uri="{BB962C8B-B14F-4D97-AF65-F5344CB8AC3E}">
-        <p14:creationId xmlns:p14="http://schemas.microsoft.com/office/powerpoint/2010/main" val="3755518549"/>
-      </p:ext>
-    </p:extLst>
-  </p:cSld>
-  <p:clrMapOvr>
-    <a:masterClrMapping/>
-  </p:clrMapOvr>
-</p:sld>
-</file>
-
-<file path=ppt/slides/slide3.xml><?xml version="1.0" encoding="utf-8"?>
-<p:sld xmlns:a="http://schemas.openxmlformats.org/drawingml/2006/main" xmlns:r="http://schemas.openxmlformats.org/officeDocument/2006/relationships" xmlns:p="http://schemas.openxmlformats.org/presentationml/2006/main">
-  <p:cSld>
-    <p:spTree>
-      <p:nvGrpSpPr>
-        <p:cNvPr id="1" name=""/>
-        <p:cNvGrpSpPr/>
-        <p:nvPr/>
-      </p:nvGrpSpPr>
-      <p:grpSpPr>
-        <a:xfrm>
-          <a:off x="0" y="0"/>
-          <a:ext cx="0" cy="0"/>
-          <a:chOff x="0" y="0"/>
-          <a:chExt cx="0" cy="0"/>
-        </a:xfrm>
-      </p:grpSpPr>
-      <p:sp>
-        <p:nvSpPr>
-          <p:cNvPr id="2" name="Rectangle 1"/>
-          <p:cNvSpPr/>
-          <p:nvPr/>
-        </p:nvSpPr>
-        <p:spPr>
-          <a:xfrm>
-            <a:off x="869950" y="88900"/>
-            <a:ext cx="7569200" cy="6699250"/>
-          </a:xfrm>
-          <a:prstGeom prst="rect">
-            <a:avLst/>
-          </a:prstGeom>
-          <a:solidFill>
-            <a:srgbClr val="FFFFFF"/>
-          </a:solidFill>
-          <a:ln>
-            <a:solidFill>
-              <a:srgbClr val="FFFFFF"/>
-            </a:solidFill>
-          </a:ln>
-        </p:spPr>
-        <p:style>
-          <a:lnRef idx="2">
-            <a:schemeClr val="accent1"/>
-          </a:lnRef>
-          <a:fillRef idx="1">
-            <a:schemeClr val="lt1"/>
-          </a:fillRef>
-          <a:effectRef idx="0">
-            <a:schemeClr val="accent1"/>
-          </a:effectRef>
-          <a:fontRef idx="minor">
-            <a:schemeClr val="dk1"/>
-          </a:fontRef>
-        </p:style>
-        <p:txBody>
-          <a:bodyPr rtlCol="0" anchor="ctr"/>
-          <a:lstStyle/>
-          <a:p>
-            <a:pPr algn="ctr"/>
-            <a:endParaRPr lang="en-US"/>
-          </a:p>
-        </p:txBody>
-      </p:sp>
-      <p:grpSp>
-        <p:nvGrpSpPr>
-          <p:cNvPr id="15" name="Group 14"/>
-          <p:cNvGrpSpPr/>
-          <p:nvPr/>
-        </p:nvGrpSpPr>
-        <p:grpSpPr>
-          <a:xfrm>
-            <a:off x="1006347" y="234950"/>
-            <a:ext cx="7294255" cy="6423735"/>
-            <a:chOff x="655945" y="202347"/>
-            <a:chExt cx="7294255" cy="6423735"/>
-          </a:xfrm>
-        </p:grpSpPr>
-        <p:grpSp>
-          <p:nvGrpSpPr>
-            <p:cNvPr id="16" name="Group 15"/>
-            <p:cNvGrpSpPr/>
-            <p:nvPr/>
-          </p:nvGrpSpPr>
-          <p:grpSpPr>
-            <a:xfrm>
-              <a:off x="655945" y="202347"/>
-              <a:ext cx="7294255" cy="6423735"/>
-              <a:chOff x="655945" y="202347"/>
-              <a:chExt cx="7294255" cy="6423735"/>
-            </a:xfrm>
-          </p:grpSpPr>
-          <p:grpSp>
-            <p:nvGrpSpPr>
-              <p:cNvPr id="26" name="Group 25"/>
-              <p:cNvGrpSpPr/>
-              <p:nvPr/>
-            </p:nvGrpSpPr>
-            <p:grpSpPr>
-              <a:xfrm>
-                <a:off x="655945" y="557664"/>
-                <a:ext cx="7294255" cy="6068418"/>
-                <a:chOff x="655945" y="138564"/>
-                <a:chExt cx="7294255" cy="6068418"/>
-              </a:xfrm>
-            </p:grpSpPr>
-            <p:pic>
-              <p:nvPicPr>
-                <p:cNvPr id="32" name="Picture 31"/>
-                <p:cNvPicPr>
-                  <a:picLocks noChangeAspect="1"/>
-                </p:cNvPicPr>
-                <p:nvPr/>
-              </p:nvPicPr>
-              <p:blipFill>
-                <a:blip r:embed="rId2"/>
-                <a:stretch>
-                  <a:fillRect/>
-                </a:stretch>
-              </p:blipFill>
-              <p:spPr>
-                <a:xfrm>
-                  <a:off x="655945" y="3390900"/>
-                  <a:ext cx="2950855" cy="2816082"/>
-                </a:xfrm>
-                <a:prstGeom prst="rect">
-                  <a:avLst/>
-                </a:prstGeom>
-              </p:spPr>
-            </p:pic>
-            <p:pic>
-              <p:nvPicPr>
-                <p:cNvPr id="34" name="Picture 33"/>
-                <p:cNvPicPr>
-                  <a:picLocks noChangeAspect="1"/>
-                </p:cNvPicPr>
-                <p:nvPr/>
-              </p:nvPicPr>
-              <p:blipFill>
-                <a:blip r:embed="rId3"/>
-                <a:stretch>
-                  <a:fillRect/>
-                </a:stretch>
-              </p:blipFill>
-              <p:spPr>
-                <a:xfrm>
-                  <a:off x="737582" y="138564"/>
-                  <a:ext cx="7212618" cy="2919298"/>
-                </a:xfrm>
-                <a:prstGeom prst="rect">
-                  <a:avLst/>
-                </a:prstGeom>
-              </p:spPr>
-            </p:pic>
-            <p:pic>
-              <p:nvPicPr>
-                <p:cNvPr id="35" name="Picture 34"/>
-                <p:cNvPicPr>
-                  <a:picLocks noChangeAspect="1"/>
-                </p:cNvPicPr>
-                <p:nvPr/>
-              </p:nvPicPr>
-              <p:blipFill>
-                <a:blip r:embed="rId4"/>
-                <a:stretch>
-                  <a:fillRect/>
-                </a:stretch>
-              </p:blipFill>
-              <p:spPr>
-                <a:xfrm>
-                  <a:off x="4662508" y="3359150"/>
-                  <a:ext cx="3287692" cy="2825659"/>
-                </a:xfrm>
-                <a:prstGeom prst="rect">
-                  <a:avLst/>
-                </a:prstGeom>
-              </p:spPr>
-            </p:pic>
-          </p:grpSp>
-          <p:sp>
-            <p:nvSpPr>
-              <p:cNvPr id="27" name="TextBox 26"/>
-              <p:cNvSpPr txBox="1"/>
-              <p:nvPr/>
-            </p:nvSpPr>
-            <p:spPr>
-              <a:xfrm>
-                <a:off x="901700" y="202347"/>
-                <a:ext cx="1988946" cy="369332"/>
-              </a:xfrm>
-              <a:prstGeom prst="rect">
-                <a:avLst/>
-              </a:prstGeom>
-              <a:noFill/>
-            </p:spPr>
-            <p:txBody>
-              <a:bodyPr wrap="none" rtlCol="0">
-                <a:spAutoFit/>
-              </a:bodyPr>
-              <a:lstStyle/>
-              <a:p>
-                <a:r>
-                  <a:rPr lang="en-US" dirty="0" smtClean="0"/>
-                  <a:t>A: Gene expression</a:t>
-                </a:r>
-              </a:p>
-            </p:txBody>
-          </p:sp>
-          <p:sp>
-            <p:nvSpPr>
-              <p:cNvPr id="28" name="TextBox 27"/>
-              <p:cNvSpPr txBox="1"/>
-              <p:nvPr/>
-            </p:nvSpPr>
-            <p:spPr>
-              <a:xfrm>
-                <a:off x="901700" y="3470791"/>
-                <a:ext cx="1595309" cy="369332"/>
-              </a:xfrm>
-              <a:prstGeom prst="rect">
-                <a:avLst/>
-              </a:prstGeom>
-              <a:noFill/>
-            </p:spPr>
-            <p:txBody>
-              <a:bodyPr wrap="none" rtlCol="0">
-                <a:spAutoFit/>
-              </a:bodyPr>
-              <a:lstStyle/>
-              <a:p>
-                <a:r>
-                  <a:rPr lang="en-US" dirty="0"/>
-                  <a:t>B</a:t>
-                </a:r>
-                <a:r>
-                  <a:rPr lang="en-US" dirty="0" smtClean="0"/>
-                  <a:t>: Connectivity</a:t>
-                </a:r>
-              </a:p>
-            </p:txBody>
-          </p:sp>
-          <p:sp>
-            <p:nvSpPr>
-              <p:cNvPr id="31" name="TextBox 30"/>
-              <p:cNvSpPr txBox="1"/>
-              <p:nvPr/>
-            </p:nvSpPr>
-            <p:spPr>
-              <a:xfrm>
-                <a:off x="4824925" y="3476962"/>
-                <a:ext cx="2197800" cy="369332"/>
-              </a:xfrm>
-              <a:prstGeom prst="rect">
-                <a:avLst/>
-              </a:prstGeom>
-              <a:noFill/>
-            </p:spPr>
-            <p:txBody>
-              <a:bodyPr wrap="none" rtlCol="0">
-                <a:spAutoFit/>
-              </a:bodyPr>
-              <a:lstStyle/>
-              <a:p>
-                <a:r>
-                  <a:rPr lang="en-US" dirty="0" smtClean="0"/>
-                  <a:t>C: Gene </a:t>
-                </a:r>
-                <a:r>
-                  <a:rPr lang="en-US" dirty="0" err="1" smtClean="0"/>
-                  <a:t>coexpression</a:t>
-                </a:r>
-                <a:endParaRPr lang="en-US" dirty="0" smtClean="0"/>
-              </a:p>
-            </p:txBody>
-          </p:sp>
-        </p:grpSp>
-        <p:cxnSp>
-          <p:nvCxnSpPr>
-            <p:cNvPr id="23" name="Elbow Connector 22"/>
-            <p:cNvCxnSpPr/>
-            <p:nvPr/>
-          </p:nvCxnSpPr>
-          <p:spPr>
-            <a:xfrm>
-              <a:off x="4111393" y="3528104"/>
-              <a:ext cx="711959" cy="692198"/>
-            </a:xfrm>
-            <a:prstGeom prst="bentConnector3">
-              <a:avLst/>
-            </a:prstGeom>
-            <a:ln>
-              <a:solidFill>
-                <a:srgbClr val="FF6666"/>
-              </a:solidFill>
-              <a:tailEnd type="arrow"/>
-            </a:ln>
-          </p:spPr>
-          <p:style>
-            <a:lnRef idx="2">
-              <a:schemeClr val="accent2"/>
-            </a:lnRef>
-            <a:fillRef idx="0">
-              <a:schemeClr val="accent2"/>
-            </a:fillRef>
-            <a:effectRef idx="1">
-              <a:schemeClr val="accent2"/>
-            </a:effectRef>
-            <a:fontRef idx="minor">
-              <a:schemeClr val="tx1"/>
-            </a:fontRef>
-          </p:style>
-        </p:cxnSp>
-        <p:sp>
-          <p:nvSpPr>
-            <p:cNvPr id="24" name="Rectangle 23"/>
-            <p:cNvSpPr/>
-            <p:nvPr/>
-          </p:nvSpPr>
-          <p:spPr>
-            <a:xfrm>
-              <a:off x="3963870" y="3315957"/>
-              <a:ext cx="872308" cy="212147"/>
-            </a:xfrm>
-            <a:prstGeom prst="rect">
-              <a:avLst/>
-            </a:prstGeom>
-            <a:noFill/>
-            <a:ln>
-              <a:solidFill>
-                <a:srgbClr val="FF6666"/>
-              </a:solidFill>
-            </a:ln>
-          </p:spPr>
-          <p:style>
-            <a:lnRef idx="2">
-              <a:schemeClr val="accent1"/>
-            </a:lnRef>
-            <a:fillRef idx="1">
-              <a:schemeClr val="lt1"/>
-            </a:fillRef>
-            <a:effectRef idx="0">
-              <a:schemeClr val="accent1"/>
-            </a:effectRef>
-            <a:fontRef idx="minor">
-              <a:schemeClr val="dk1"/>
-            </a:fontRef>
-          </p:style>
-          <p:txBody>
-            <a:bodyPr rtlCol="0" anchor="ctr"/>
-            <a:lstStyle/>
-            <a:p>
-              <a:pPr algn="ctr"/>
-              <a:endParaRPr lang="en-US"/>
-            </a:p>
-          </p:txBody>
-        </p:sp>
-        <p:cxnSp>
-          <p:nvCxnSpPr>
-            <p:cNvPr id="25" name="Straight Arrow Connector 24"/>
-            <p:cNvCxnSpPr/>
-            <p:nvPr/>
-          </p:nvCxnSpPr>
-          <p:spPr>
-            <a:xfrm flipH="1" flipV="1">
-              <a:off x="3614789" y="4496105"/>
-              <a:ext cx="1165238" cy="6412"/>
-            </a:xfrm>
-            <a:prstGeom prst="straightConnector1">
-              <a:avLst/>
-            </a:prstGeom>
-            <a:ln>
-              <a:solidFill>
-                <a:srgbClr val="FF6666"/>
-              </a:solidFill>
-              <a:headEnd type="arrow"/>
-              <a:tailEnd type="arrow"/>
-            </a:ln>
-          </p:spPr>
-          <p:style>
-            <a:lnRef idx="2">
-              <a:schemeClr val="accent1"/>
-            </a:lnRef>
-            <a:fillRef idx="0">
-              <a:schemeClr val="accent1"/>
-            </a:fillRef>
-            <a:effectRef idx="1">
-              <a:schemeClr val="accent1"/>
-            </a:effectRef>
-            <a:fontRef idx="minor">
-              <a:schemeClr val="tx1"/>
-            </a:fontRef>
-          </p:style>
-        </p:cxnSp>
-      </p:grpSp>
-    </p:spTree>
-    <p:extLst>
-      <p:ext uri="{BB962C8B-B14F-4D97-AF65-F5344CB8AC3E}">
-        <p14:creationId xmlns:p14="http://schemas.microsoft.com/office/powerpoint/2010/main" val="1102540452"/>
-      </p:ext>
-    </p:extLst>
-  </p:cSld>
-  <p:clrMapOvr>
-    <a:masterClrMapping/>
-  </p:clrMapOvr>
-</p:sld>
-</file>
-
-<file path=ppt/slides/slide4.xml><?xml version="1.0" encoding="utf-8"?>
-<p:sld xmlns:a="http://schemas.openxmlformats.org/drawingml/2006/main" xmlns:r="http://schemas.openxmlformats.org/officeDocument/2006/relationships" xmlns:p="http://schemas.openxmlformats.org/presentationml/2006/main">
-  <p:cSld>
-    <p:spTree>
-      <p:nvGrpSpPr>
-        <p:cNvPr id="1" name=""/>
-        <p:cNvGrpSpPr/>
-        <p:nvPr/>
-      </p:nvGrpSpPr>
-      <p:grpSpPr>
-        <a:xfrm>
-          <a:off x="0" y="0"/>
-          <a:ext cx="0" cy="0"/>
-          <a:chOff x="0" y="0"/>
-          <a:chExt cx="0" cy="0"/>
-        </a:xfrm>
-      </p:grpSpPr>
-      <p:grpSp>
-        <p:nvGrpSpPr>
-          <p:cNvPr id="31" name="Group 30"/>
-          <p:cNvGrpSpPr/>
-          <p:nvPr/>
-        </p:nvGrpSpPr>
-        <p:grpSpPr>
-          <a:xfrm>
-            <a:off x="2895600" y="1320800"/>
-            <a:ext cx="3848100" cy="3105150"/>
-            <a:chOff x="2895600" y="1320800"/>
-            <a:chExt cx="3848100" cy="3105150"/>
-          </a:xfrm>
-        </p:grpSpPr>
-        <p:sp>
-          <p:nvSpPr>
-            <p:cNvPr id="30" name="Rectangle 29"/>
-            <p:cNvSpPr/>
-            <p:nvPr/>
-          </p:nvSpPr>
-          <p:spPr>
-            <a:xfrm>
-              <a:off x="2895600" y="1320800"/>
-              <a:ext cx="3848100" cy="3105150"/>
-            </a:xfrm>
-            <a:prstGeom prst="rect">
-              <a:avLst/>
-            </a:prstGeom>
-            <a:solidFill>
-              <a:schemeClr val="bg1"/>
-            </a:solidFill>
-            <a:ln>
-              <a:noFill/>
-            </a:ln>
-          </p:spPr>
-          <p:style>
-            <a:lnRef idx="2">
-              <a:schemeClr val="accent1"/>
-            </a:lnRef>
-            <a:fillRef idx="1">
-              <a:schemeClr val="lt1"/>
-            </a:fillRef>
-            <a:effectRef idx="0">
-              <a:schemeClr val="accent1"/>
-            </a:effectRef>
-            <a:fontRef idx="minor">
-              <a:schemeClr val="dk1"/>
-            </a:fontRef>
-          </p:style>
-          <p:txBody>
-            <a:bodyPr rtlCol="0" anchor="ctr"/>
-            <a:lstStyle/>
-            <a:p>
-              <a:pPr algn="ctr"/>
-              <a:endParaRPr lang="en-US"/>
-            </a:p>
-          </p:txBody>
-        </p:sp>
-        <p:pic>
-          <p:nvPicPr>
-            <p:cNvPr id="28" name="Picture 27"/>
-            <p:cNvPicPr>
-              <a:picLocks noChangeAspect="1"/>
-            </p:cNvPicPr>
-            <p:nvPr/>
-          </p:nvPicPr>
-          <p:blipFill>
-            <a:blip r:embed="rId2"/>
-            <a:stretch>
-              <a:fillRect/>
-            </a:stretch>
-          </p:blipFill>
-          <p:spPr>
-            <a:xfrm>
-              <a:off x="3054350" y="1555750"/>
-              <a:ext cx="3409950" cy="2736127"/>
-            </a:xfrm>
-            <a:prstGeom prst="rect">
-              <a:avLst/>
-            </a:prstGeom>
-          </p:spPr>
-        </p:pic>
-        <p:sp>
-          <p:nvSpPr>
-            <p:cNvPr id="29" name="Rectangle 28"/>
-            <p:cNvSpPr/>
-            <p:nvPr/>
-          </p:nvSpPr>
-          <p:spPr>
-            <a:xfrm>
-              <a:off x="4565650" y="2552700"/>
-              <a:ext cx="565150" cy="1409700"/>
-            </a:xfrm>
-            <a:prstGeom prst="rect">
-              <a:avLst/>
-            </a:prstGeom>
-            <a:solidFill>
-              <a:schemeClr val="bg1">
-                <a:lumMod val="75000"/>
-                <a:alpha val="27000"/>
-              </a:schemeClr>
-            </a:solidFill>
-            <a:ln>
-              <a:noFill/>
-            </a:ln>
-          </p:spPr>
-          <p:style>
-            <a:lnRef idx="2">
-              <a:schemeClr val="accent1"/>
-            </a:lnRef>
-            <a:fillRef idx="1">
-              <a:schemeClr val="lt1"/>
-            </a:fillRef>
-            <a:effectRef idx="0">
-              <a:schemeClr val="accent1"/>
-            </a:effectRef>
-            <a:fontRef idx="minor">
-              <a:schemeClr val="dk1"/>
-            </a:fontRef>
-          </p:style>
-          <p:txBody>
-            <a:bodyPr rtlCol="0" anchor="ctr"/>
-            <a:lstStyle/>
-            <a:p>
-              <a:pPr algn="ctr"/>
-              <a:endParaRPr lang="en-US"/>
-            </a:p>
-          </p:txBody>
-        </p:sp>
-      </p:grpSp>
-    </p:spTree>
-    <p:extLst>
-      <p:ext uri="{BB962C8B-B14F-4D97-AF65-F5344CB8AC3E}">
-        <p14:creationId xmlns:p14="http://schemas.microsoft.com/office/powerpoint/2010/main" val="316878463"/>
-      </p:ext>
-    </p:extLst>
-  </p:cSld>
-  <p:clrMapOvr>
-    <a:masterClrMapping/>
-  </p:clrMapOvr>
-</p:sld>
-</file>
-
-<file path=ppt/slides/slide5.xml><?xml version="1.0" encoding="utf-8"?>
-<p:sld xmlns:a="http://schemas.openxmlformats.org/drawingml/2006/main" xmlns:r="http://schemas.openxmlformats.org/officeDocument/2006/relationships" xmlns:p="http://schemas.openxmlformats.org/presentationml/2006/main">
-  <p:cSld>
-    <p:spTree>
-      <p:nvGrpSpPr>
-        <p:cNvPr id="1" name=""/>
-        <p:cNvGrpSpPr/>
-        <p:nvPr/>
-      </p:nvGrpSpPr>
-      <p:grpSpPr>
-        <a:xfrm>
-          <a:off x="0" y="0"/>
-          <a:ext cx="0" cy="0"/>
-          <a:chOff x="0" y="0"/>
-          <a:chExt cx="0" cy="0"/>
-        </a:xfrm>
-      </p:grpSpPr>
-      <p:pic>
-        <p:nvPicPr>
-          <p:cNvPr id="3" name="Picture 2" descr="ConUnconChemical.png"/>
-          <p:cNvPicPr>
-            <a:picLocks noChangeAspect="1"/>
-          </p:cNvPicPr>
-          <p:nvPr/>
-        </p:nvPicPr>
-        <p:blipFill rotWithShape="1">
-          <a:blip r:embed="rId2">
-            <a:extLst>
-              <a:ext uri="{28A0092B-C50C-407E-A947-70E740481C1C}">
-                <a14:useLocalDpi xmlns:a14="http://schemas.microsoft.com/office/drawing/2010/main" val="0"/>
-              </a:ext>
-            </a:extLst>
-          </a:blip>
-          <a:srcRect l="6506" r="8665"/>
-          <a:stretch/>
-        </p:blipFill>
-        <p:spPr>
-          <a:xfrm>
-            <a:off x="594919" y="723902"/>
-            <a:ext cx="7756812" cy="5402687"/>
-          </a:xfrm>
-          <a:prstGeom prst="rect">
-            <a:avLst/>
-          </a:prstGeom>
-        </p:spPr>
-      </p:pic>
-      <p:cxnSp>
-        <p:nvCxnSpPr>
-          <p:cNvPr id="7" name="Straight Connector 6"/>
-          <p:cNvCxnSpPr/>
-          <p:nvPr/>
-        </p:nvCxnSpPr>
-        <p:spPr>
-          <a:xfrm>
-            <a:off x="2780097" y="1580583"/>
-            <a:ext cx="3889847" cy="0"/>
-          </a:xfrm>
-          <a:prstGeom prst="line">
-            <a:avLst/>
-          </a:prstGeom>
-        </p:spPr>
-        <p:style>
-          <a:lnRef idx="3">
-            <a:schemeClr val="dk1"/>
-          </a:lnRef>
-          <a:fillRef idx="0">
-            <a:schemeClr val="dk1"/>
-          </a:fillRef>
-          <a:effectRef idx="2">
-            <a:schemeClr val="dk1"/>
-          </a:effectRef>
-          <a:fontRef idx="minor">
-            <a:schemeClr val="tx1"/>
-          </a:fontRef>
-        </p:style>
-      </p:cxnSp>
-      <p:sp>
-        <p:nvSpPr>
-          <p:cNvPr id="5" name="TextBox 4"/>
-          <p:cNvSpPr txBox="1"/>
-          <p:nvPr/>
-        </p:nvSpPr>
-        <p:spPr>
-          <a:xfrm>
-            <a:off x="4118663" y="1361192"/>
-            <a:ext cx="1326680" cy="400110"/>
-          </a:xfrm>
-          <a:prstGeom prst="rect">
-            <a:avLst/>
-          </a:prstGeom>
-          <a:solidFill>
-            <a:schemeClr val="bg1"/>
-          </a:solidFill>
-        </p:spPr>
-        <p:txBody>
-          <a:bodyPr wrap="none" rtlCol="0">
-            <a:spAutoFit/>
-          </a:bodyPr>
-          <a:lstStyle/>
-          <a:p>
-            <a:r>
-              <a:rPr lang="en-US" sz="2000" dirty="0" smtClean="0">
-                <a:latin typeface="Times New Roman"/>
-                <a:cs typeface="Times New Roman"/>
-              </a:rPr>
-              <a:t>**p &lt; 10</a:t>
-            </a:r>
-            <a:r>
-              <a:rPr lang="en-US" sz="2000" baseline="30000" dirty="0" smtClean="0">
-                <a:latin typeface="Times New Roman"/>
-                <a:cs typeface="Times New Roman"/>
-              </a:rPr>
-              <a:t>-24</a:t>
-            </a:r>
-            <a:endParaRPr lang="en-US" sz="2000" dirty="0">
-              <a:latin typeface="Times New Roman"/>
-              <a:cs typeface="Times New Roman"/>
-            </a:endParaRPr>
-          </a:p>
-        </p:txBody>
-      </p:sp>
-      <p:grpSp>
-        <p:nvGrpSpPr>
-          <p:cNvPr id="6" name="Group 5"/>
-          <p:cNvGrpSpPr/>
-          <p:nvPr/>
-        </p:nvGrpSpPr>
-        <p:grpSpPr>
-          <a:xfrm>
-            <a:off x="2280350" y="5891156"/>
-            <a:ext cx="1002743" cy="452833"/>
-            <a:chOff x="1628076" y="5169490"/>
-            <a:chExt cx="1002743" cy="452833"/>
-          </a:xfrm>
-          <a:solidFill>
-            <a:schemeClr val="bg1"/>
-          </a:solidFill>
-        </p:grpSpPr>
-        <p:cxnSp>
-          <p:nvCxnSpPr>
-            <p:cNvPr id="8" name="Straight Connector 7"/>
-            <p:cNvCxnSpPr/>
-            <p:nvPr/>
-          </p:nvCxnSpPr>
-          <p:spPr>
-            <a:xfrm>
-              <a:off x="1780323" y="5297152"/>
-              <a:ext cx="714429" cy="213999"/>
-            </a:xfrm>
-            <a:prstGeom prst="line">
-              <a:avLst/>
-            </a:prstGeom>
-            <a:grpFill/>
-            <a:ln w="38100" cmpd="sng">
-              <a:solidFill>
-                <a:schemeClr val="tx1"/>
-              </a:solidFill>
-            </a:ln>
-          </p:spPr>
-          <p:style>
-            <a:lnRef idx="3">
-              <a:schemeClr val="accent2"/>
-            </a:lnRef>
-            <a:fillRef idx="0">
-              <a:schemeClr val="accent2"/>
-            </a:fillRef>
-            <a:effectRef idx="2">
-              <a:schemeClr val="accent2"/>
-            </a:effectRef>
-            <a:fontRef idx="minor">
-              <a:schemeClr val="tx1"/>
-            </a:fontRef>
-          </p:style>
-        </p:cxnSp>
-        <p:sp>
-          <p:nvSpPr>
-            <p:cNvPr id="9" name="Oval 8"/>
-            <p:cNvSpPr/>
-            <p:nvPr/>
-          </p:nvSpPr>
-          <p:spPr>
-            <a:xfrm>
-              <a:off x="1628076" y="5169490"/>
-              <a:ext cx="272134" cy="259160"/>
-            </a:xfrm>
-            <a:prstGeom prst="ellipse">
-              <a:avLst/>
-            </a:prstGeom>
-            <a:grpFill/>
-            <a:ln w="38100" cmpd="sng">
-              <a:solidFill>
-                <a:schemeClr val="tx1"/>
-              </a:solidFill>
-            </a:ln>
-          </p:spPr>
-          <p:style>
-            <a:lnRef idx="1">
-              <a:schemeClr val="accent1"/>
-            </a:lnRef>
-            <a:fillRef idx="3">
-              <a:schemeClr val="accent1"/>
-            </a:fillRef>
-            <a:effectRef idx="2">
-              <a:schemeClr val="accent1"/>
-            </a:effectRef>
-            <a:fontRef idx="minor">
-              <a:schemeClr val="lt1"/>
-            </a:fontRef>
-          </p:style>
-          <p:txBody>
-            <a:bodyPr rtlCol="0" anchor="ctr"/>
-            <a:lstStyle/>
-            <a:p>
-              <a:pPr algn="ctr"/>
-              <a:endParaRPr lang="en-US"/>
-            </a:p>
-          </p:txBody>
-        </p:sp>
-        <p:sp>
-          <p:nvSpPr>
-            <p:cNvPr id="10" name="Oval 9"/>
-            <p:cNvSpPr/>
-            <p:nvPr/>
-          </p:nvSpPr>
-          <p:spPr>
-            <a:xfrm>
-              <a:off x="2358685" y="5363163"/>
-              <a:ext cx="272134" cy="259160"/>
-            </a:xfrm>
-            <a:prstGeom prst="ellipse">
-              <a:avLst/>
-            </a:prstGeom>
-            <a:grpFill/>
-            <a:ln w="38100" cmpd="sng">
-              <a:solidFill>
-                <a:schemeClr val="tx1"/>
-              </a:solidFill>
-            </a:ln>
-          </p:spPr>
-          <p:style>
-            <a:lnRef idx="1">
-              <a:schemeClr val="accent1"/>
-            </a:lnRef>
-            <a:fillRef idx="3">
-              <a:schemeClr val="accent1"/>
-            </a:fillRef>
-            <a:effectRef idx="2">
-              <a:schemeClr val="accent1"/>
-            </a:effectRef>
-            <a:fontRef idx="minor">
-              <a:schemeClr val="lt1"/>
-            </a:fontRef>
-          </p:style>
-          <p:txBody>
-            <a:bodyPr rtlCol="0" anchor="ctr"/>
-            <a:lstStyle/>
-            <a:p>
-              <a:pPr algn="ctr"/>
-              <a:endParaRPr lang="en-US"/>
-            </a:p>
-          </p:txBody>
-        </p:sp>
-      </p:grpSp>
-      <p:sp>
-        <p:nvSpPr>
-          <p:cNvPr id="13" name="Oval 12"/>
-          <p:cNvSpPr/>
-          <p:nvPr/>
-        </p:nvSpPr>
-        <p:spPr>
-          <a:xfrm>
-            <a:off x="6191454" y="5891156"/>
-            <a:ext cx="272134" cy="259160"/>
-          </a:xfrm>
-          <a:prstGeom prst="ellipse">
-            <a:avLst/>
-          </a:prstGeom>
-          <a:solidFill>
-            <a:schemeClr val="bg1"/>
-          </a:solidFill>
-          <a:ln w="38100" cmpd="sng">
-            <a:solidFill>
-              <a:schemeClr val="tx1"/>
-            </a:solidFill>
-          </a:ln>
-        </p:spPr>
-        <p:style>
-          <a:lnRef idx="1">
-            <a:schemeClr val="accent1"/>
-          </a:lnRef>
-          <a:fillRef idx="3">
-            <a:schemeClr val="accent1"/>
-          </a:fillRef>
-          <a:effectRef idx="2">
-            <a:schemeClr val="accent1"/>
-          </a:effectRef>
-          <a:fontRef idx="minor">
-            <a:schemeClr val="lt1"/>
-          </a:fontRef>
-        </p:style>
-        <p:txBody>
-          <a:bodyPr rtlCol="0" anchor="ctr"/>
-          <a:lstStyle/>
-          <a:p>
-            <a:pPr algn="ctr"/>
-            <a:endParaRPr lang="en-US"/>
-          </a:p>
-        </p:txBody>
-      </p:sp>
-      <p:sp>
-        <p:nvSpPr>
-          <p:cNvPr id="14" name="Oval 13"/>
-          <p:cNvSpPr/>
-          <p:nvPr/>
-        </p:nvSpPr>
-        <p:spPr>
-          <a:xfrm>
-            <a:off x="6922063" y="6084829"/>
-            <a:ext cx="272134" cy="259160"/>
-          </a:xfrm>
-          <a:prstGeom prst="ellipse">
-            <a:avLst/>
-          </a:prstGeom>
-          <a:solidFill>
-            <a:schemeClr val="bg1"/>
-          </a:solidFill>
-          <a:ln w="38100" cmpd="sng">
-            <a:solidFill>
-              <a:schemeClr val="tx1"/>
-            </a:solidFill>
-          </a:ln>
-        </p:spPr>
-        <p:style>
-          <a:lnRef idx="1">
-            <a:schemeClr val="accent1"/>
-          </a:lnRef>
-          <a:fillRef idx="3">
-            <a:schemeClr val="accent1"/>
-          </a:fillRef>
-          <a:effectRef idx="2">
-            <a:schemeClr val="accent1"/>
-          </a:effectRef>
-          <a:fontRef idx="minor">
-            <a:schemeClr val="lt1"/>
-          </a:fontRef>
-        </p:style>
-        <p:txBody>
-          <a:bodyPr rtlCol="0" anchor="ctr"/>
-          <a:lstStyle/>
-          <a:p>
-            <a:pPr algn="ctr"/>
-            <a:endParaRPr lang="en-US"/>
-          </a:p>
-        </p:txBody>
-      </p:sp>
-      <p:sp>
-        <p:nvSpPr>
-          <p:cNvPr id="15" name="Rectangle 14"/>
-          <p:cNvSpPr/>
-          <p:nvPr/>
-        </p:nvSpPr>
-        <p:spPr>
-          <a:xfrm rot="16200000">
-            <a:off x="463967" y="2234162"/>
-            <a:ext cx="471629" cy="369332"/>
-          </a:xfrm>
-          <a:prstGeom prst="rect">
-            <a:avLst/>
-          </a:prstGeom>
-        </p:spPr>
-        <p:txBody>
-          <a:bodyPr wrap="none">
-            <a:spAutoFit/>
-          </a:bodyPr>
-          <a:lstStyle/>
-          <a:p>
-            <a:r>
-              <a:rPr lang="en-AU" dirty="0" smtClean="0">
-                <a:latin typeface="Times New Roman"/>
-                <a:cs typeface="Times New Roman"/>
-              </a:rPr>
-              <a:t>(</a:t>
-            </a:r>
-            <a:r>
-              <a:rPr lang="el-GR" dirty="0" smtClean="0">
-                <a:latin typeface="Times New Roman"/>
-                <a:cs typeface="Times New Roman"/>
-              </a:rPr>
-              <a:t>φ</a:t>
-            </a:r>
-            <a:r>
-              <a:rPr lang="en-AU" dirty="0" smtClean="0">
-                <a:latin typeface="Times New Roman"/>
-                <a:cs typeface="Times New Roman"/>
-              </a:rPr>
-              <a:t>)</a:t>
-            </a:r>
-            <a:endParaRPr lang="en-US" dirty="0">
-              <a:latin typeface="Times New Roman"/>
-              <a:cs typeface="Times New Roman"/>
-            </a:endParaRPr>
-          </a:p>
-        </p:txBody>
-      </p:sp>
-    </p:spTree>
-    <p:extLst>
-      <p:ext uri="{BB962C8B-B14F-4D97-AF65-F5344CB8AC3E}">
-        <p14:creationId xmlns:p14="http://schemas.microsoft.com/office/powerpoint/2010/main" val="2474018868"/>
-      </p:ext>
-    </p:extLst>
-  </p:cSld>
-  <p:clrMapOvr>
-    <a:masterClrMapping/>
-  </p:clrMapOvr>
-</p:sld>
-</file>
-
-<file path=ppt/slides/slide6.xml><?xml version="1.0" encoding="utf-8"?>
-<p:sld xmlns:a="http://schemas.openxmlformats.org/drawingml/2006/main" xmlns:r="http://schemas.openxmlformats.org/officeDocument/2006/relationships" xmlns:p="http://schemas.openxmlformats.org/presentationml/2006/main">
-  <p:cSld>
-    <p:spTree>
-      <p:nvGrpSpPr>
-        <p:cNvPr id="1" name=""/>
-        <p:cNvGrpSpPr/>
-        <p:nvPr/>
-      </p:nvGrpSpPr>
-      <p:grpSpPr>
-        <a:xfrm>
-          <a:off x="0" y="0"/>
-          <a:ext cx="0" cy="0"/>
-          <a:chOff x="0" y="0"/>
-          <a:chExt cx="0" cy="0"/>
-        </a:xfrm>
-      </p:grpSpPr>
-      <p:grpSp>
-        <p:nvGrpSpPr>
-          <p:cNvPr id="36" name="Group 35"/>
-          <p:cNvGrpSpPr/>
-          <p:nvPr/>
-        </p:nvGrpSpPr>
-        <p:grpSpPr>
-          <a:xfrm>
-            <a:off x="0" y="355600"/>
-            <a:ext cx="9144000" cy="6200304"/>
-            <a:chOff x="0" y="355600"/>
-            <a:chExt cx="9144000" cy="6200304"/>
-          </a:xfrm>
-        </p:grpSpPr>
-        <p:grpSp>
-          <p:nvGrpSpPr>
-            <p:cNvPr id="26" name="Group 25"/>
-            <p:cNvGrpSpPr/>
-            <p:nvPr/>
-          </p:nvGrpSpPr>
-          <p:grpSpPr>
-            <a:xfrm>
-              <a:off x="0" y="355600"/>
-              <a:ext cx="9144000" cy="6200304"/>
-              <a:chOff x="0" y="355600"/>
-              <a:chExt cx="9144000" cy="6200304"/>
-            </a:xfrm>
-          </p:grpSpPr>
-          <p:pic>
-            <p:nvPicPr>
-              <p:cNvPr id="4" name="Picture 3" descr="RecUnidirUncon.png"/>
-              <p:cNvPicPr>
-                <a:picLocks noChangeAspect="1"/>
-              </p:cNvPicPr>
-              <p:nvPr/>
-            </p:nvPicPr>
-            <p:blipFill>
-              <a:blip r:embed="rId2">
-                <a:extLst>
-                  <a:ext uri="{28A0092B-C50C-407E-A947-70E740481C1C}">
-                    <a14:useLocalDpi xmlns:a14="http://schemas.microsoft.com/office/drawing/2010/main" val="0"/>
-                  </a:ext>
-                </a:extLst>
-              </a:blip>
-              <a:stretch>
-                <a:fillRect/>
-              </a:stretch>
-            </p:blipFill>
-            <p:spPr>
-              <a:xfrm>
-                <a:off x="0" y="355600"/>
-                <a:ext cx="9144000" cy="5685453"/>
-              </a:xfrm>
-              <a:prstGeom prst="rect">
-                <a:avLst/>
-              </a:prstGeom>
-            </p:spPr>
-          </p:pic>
-          <p:sp>
-            <p:nvSpPr>
-              <p:cNvPr id="5" name="Oval 4"/>
-              <p:cNvSpPr/>
-              <p:nvPr/>
-            </p:nvSpPr>
-            <p:spPr>
-              <a:xfrm>
-                <a:off x="1791759" y="6113165"/>
-                <a:ext cx="272134" cy="259160"/>
-              </a:xfrm>
-              <a:prstGeom prst="ellipse">
-                <a:avLst/>
-              </a:prstGeom>
-              <a:solidFill>
-                <a:schemeClr val="bg1"/>
-              </a:solidFill>
-              <a:ln w="38100" cmpd="sng">
-                <a:solidFill>
-                  <a:schemeClr val="tx1"/>
-                </a:solidFill>
-              </a:ln>
-            </p:spPr>
-            <p:style>
-              <a:lnRef idx="1">
-                <a:schemeClr val="accent1"/>
-              </a:lnRef>
-              <a:fillRef idx="3">
-                <a:schemeClr val="accent1"/>
-              </a:fillRef>
-              <a:effectRef idx="2">
-                <a:schemeClr val="accent1"/>
-              </a:effectRef>
-              <a:fontRef idx="minor">
-                <a:schemeClr val="lt1"/>
-              </a:fontRef>
-            </p:style>
-            <p:txBody>
-              <a:bodyPr rtlCol="0" anchor="ctr"/>
-              <a:lstStyle/>
-              <a:p>
-                <a:pPr algn="ctr"/>
-                <a:endParaRPr lang="en-US"/>
-              </a:p>
-            </p:txBody>
-          </p:sp>
-          <p:sp>
-            <p:nvSpPr>
-              <p:cNvPr id="6" name="Oval 5"/>
-              <p:cNvSpPr/>
-              <p:nvPr/>
-            </p:nvSpPr>
-            <p:spPr>
-              <a:xfrm>
-                <a:off x="1791759" y="5667258"/>
-                <a:ext cx="272134" cy="259160"/>
-              </a:xfrm>
-              <a:prstGeom prst="ellipse">
-                <a:avLst/>
-              </a:prstGeom>
-              <a:solidFill>
-                <a:schemeClr val="bg1"/>
-              </a:solidFill>
-              <a:ln w="38100" cmpd="sng">
-                <a:solidFill>
-                  <a:schemeClr val="tx1"/>
-                </a:solidFill>
-              </a:ln>
-            </p:spPr>
-            <p:style>
-              <a:lnRef idx="1">
-                <a:schemeClr val="accent1"/>
-              </a:lnRef>
-              <a:fillRef idx="3">
-                <a:schemeClr val="accent1"/>
-              </a:fillRef>
-              <a:effectRef idx="2">
-                <a:schemeClr val="accent1"/>
-              </a:effectRef>
-              <a:fontRef idx="minor">
-                <a:schemeClr val="lt1"/>
-              </a:fontRef>
-            </p:style>
-            <p:txBody>
-              <a:bodyPr rtlCol="0" anchor="ctr"/>
-              <a:lstStyle/>
-              <a:p>
-                <a:pPr algn="ctr"/>
-                <a:endParaRPr lang="en-US"/>
-              </a:p>
-            </p:txBody>
-          </p:sp>
-          <p:sp>
-            <p:nvSpPr>
-              <p:cNvPr id="7" name="TextBox 6"/>
-              <p:cNvSpPr txBox="1"/>
-              <p:nvPr/>
-            </p:nvSpPr>
-            <p:spPr>
-              <a:xfrm>
-                <a:off x="1715559" y="5441434"/>
-                <a:ext cx="1326004" cy="646331"/>
-              </a:xfrm>
-              <a:prstGeom prst="rect">
-                <a:avLst/>
-              </a:prstGeom>
-              <a:solidFill>
-                <a:schemeClr val="bg1"/>
-              </a:solidFill>
-            </p:spPr>
-            <p:txBody>
-              <a:bodyPr wrap="none" rtlCol="0">
-                <a:spAutoFit/>
-              </a:bodyPr>
-              <a:lstStyle/>
-              <a:p>
-                <a:pPr algn="ctr"/>
-                <a:r>
-                  <a:rPr lang="en-US" dirty="0" smtClean="0"/>
-                  <a:t>Reciprocal </a:t>
-                </a:r>
-              </a:p>
-              <a:p>
-                <a:pPr algn="ctr"/>
-                <a:r>
-                  <a:rPr lang="en-US" dirty="0" smtClean="0"/>
-                  <a:t>connections</a:t>
-                </a:r>
-                <a:endParaRPr lang="en-US" dirty="0"/>
-              </a:p>
-            </p:txBody>
-          </p:sp>
-          <p:sp>
-            <p:nvSpPr>
-              <p:cNvPr id="8" name="TextBox 7"/>
-              <p:cNvSpPr txBox="1"/>
-              <p:nvPr/>
-            </p:nvSpPr>
-            <p:spPr>
-              <a:xfrm>
-                <a:off x="4025900" y="5441434"/>
-                <a:ext cx="1509360" cy="646331"/>
-              </a:xfrm>
-              <a:prstGeom prst="rect">
-                <a:avLst/>
-              </a:prstGeom>
-              <a:solidFill>
-                <a:schemeClr val="bg1"/>
-              </a:solidFill>
-            </p:spPr>
-            <p:txBody>
-              <a:bodyPr wrap="none" rtlCol="0">
-                <a:spAutoFit/>
-              </a:bodyPr>
-              <a:lstStyle/>
-              <a:p>
-                <a:pPr algn="ctr"/>
-                <a:r>
-                  <a:rPr lang="en-US" dirty="0" smtClean="0"/>
-                  <a:t>Unidirectional </a:t>
-                </a:r>
-              </a:p>
-              <a:p>
-                <a:pPr algn="ctr"/>
-                <a:r>
-                  <a:rPr lang="en-US" dirty="0" smtClean="0"/>
-                  <a:t>connections</a:t>
-                </a:r>
-                <a:endParaRPr lang="en-US" dirty="0"/>
-              </a:p>
-            </p:txBody>
-          </p:sp>
-          <p:sp>
-            <p:nvSpPr>
-              <p:cNvPr id="9" name="TextBox 8"/>
-              <p:cNvSpPr txBox="1"/>
-              <p:nvPr/>
-            </p:nvSpPr>
-            <p:spPr>
-              <a:xfrm>
-                <a:off x="6375691" y="5426849"/>
-                <a:ext cx="1441846" cy="369332"/>
-              </a:xfrm>
-              <a:prstGeom prst="rect">
-                <a:avLst/>
-              </a:prstGeom>
-              <a:solidFill>
-                <a:schemeClr val="bg1"/>
-              </a:solidFill>
-            </p:spPr>
-            <p:txBody>
-              <a:bodyPr wrap="none" rtlCol="0">
-                <a:spAutoFit/>
-              </a:bodyPr>
-              <a:lstStyle/>
-              <a:p>
-                <a:pPr algn="ctr"/>
-                <a:r>
-                  <a:rPr lang="en-US" dirty="0" smtClean="0"/>
-                  <a:t>Unconnected</a:t>
-                </a:r>
-                <a:endParaRPr lang="en-US" dirty="0"/>
-              </a:p>
-            </p:txBody>
-          </p:sp>
-          <p:sp>
-            <p:nvSpPr>
-              <p:cNvPr id="10" name="Oval 9"/>
-              <p:cNvSpPr/>
-              <p:nvPr/>
-            </p:nvSpPr>
-            <p:spPr>
-              <a:xfrm>
-                <a:off x="2717058" y="6296744"/>
-                <a:ext cx="272134" cy="259160"/>
-              </a:xfrm>
-              <a:prstGeom prst="ellipse">
-                <a:avLst/>
-              </a:prstGeom>
-              <a:solidFill>
-                <a:schemeClr val="bg1"/>
-              </a:solidFill>
-              <a:ln w="38100" cmpd="sng">
-                <a:solidFill>
-                  <a:schemeClr val="tx1"/>
-                </a:solidFill>
-              </a:ln>
-            </p:spPr>
-            <p:style>
-              <a:lnRef idx="1">
-                <a:schemeClr val="accent1"/>
-              </a:lnRef>
-              <a:fillRef idx="3">
-                <a:schemeClr val="accent1"/>
-              </a:fillRef>
-              <a:effectRef idx="2">
-                <a:schemeClr val="accent1"/>
-              </a:effectRef>
-              <a:fontRef idx="minor">
-                <a:schemeClr val="lt1"/>
-              </a:fontRef>
-            </p:style>
-            <p:txBody>
-              <a:bodyPr rtlCol="0" anchor="ctr"/>
-              <a:lstStyle/>
-              <a:p>
-                <a:pPr algn="ctr"/>
-                <a:endParaRPr lang="en-US"/>
-              </a:p>
-            </p:txBody>
-          </p:sp>
-          <p:cxnSp>
-            <p:nvCxnSpPr>
-              <p:cNvPr id="14" name="Straight Arrow Connector 13"/>
-              <p:cNvCxnSpPr>
-                <a:stCxn id="5" idx="6"/>
-                <a:endCxn id="10" idx="2"/>
-              </p:cNvCxnSpPr>
-              <p:nvPr/>
-            </p:nvCxnSpPr>
-            <p:spPr>
-              <a:xfrm>
-                <a:off x="2063893" y="6242745"/>
-                <a:ext cx="653165" cy="183579"/>
-              </a:xfrm>
-              <a:prstGeom prst="straightConnector1">
-                <a:avLst/>
-              </a:prstGeom>
-              <a:ln>
-                <a:headEnd type="arrow"/>
-                <a:tailEnd type="arrow"/>
-              </a:ln>
-            </p:spPr>
-            <p:style>
-              <a:lnRef idx="2">
-                <a:schemeClr val="dk1"/>
-              </a:lnRef>
-              <a:fillRef idx="0">
-                <a:schemeClr val="dk1"/>
-              </a:fillRef>
-              <a:effectRef idx="1">
-                <a:schemeClr val="dk1"/>
-              </a:effectRef>
-              <a:fontRef idx="minor">
-                <a:schemeClr val="tx1"/>
-              </a:fontRef>
-            </p:style>
-          </p:cxnSp>
-          <p:sp>
-            <p:nvSpPr>
-              <p:cNvPr id="18" name="Oval 17"/>
-              <p:cNvSpPr/>
-              <p:nvPr/>
-            </p:nvSpPr>
-            <p:spPr>
-              <a:xfrm>
-                <a:off x="6566959" y="6037978"/>
-                <a:ext cx="272134" cy="259160"/>
-              </a:xfrm>
-              <a:prstGeom prst="ellipse">
-                <a:avLst/>
-              </a:prstGeom>
-              <a:solidFill>
-                <a:schemeClr val="bg1"/>
-              </a:solidFill>
-              <a:ln w="38100" cmpd="sng">
-                <a:solidFill>
-                  <a:schemeClr val="tx1"/>
-                </a:solidFill>
-              </a:ln>
-            </p:spPr>
-            <p:style>
-              <a:lnRef idx="1">
-                <a:schemeClr val="accent1"/>
-              </a:lnRef>
-              <a:fillRef idx="3">
-                <a:schemeClr val="accent1"/>
-              </a:fillRef>
-              <a:effectRef idx="2">
-                <a:schemeClr val="accent1"/>
-              </a:effectRef>
-              <a:fontRef idx="minor">
-                <a:schemeClr val="lt1"/>
-              </a:fontRef>
-            </p:style>
-            <p:txBody>
-              <a:bodyPr rtlCol="0" anchor="ctr"/>
-              <a:lstStyle/>
-              <a:p>
-                <a:pPr algn="ctr"/>
-                <a:endParaRPr lang="en-US"/>
-              </a:p>
-            </p:txBody>
-          </p:sp>
-          <p:sp>
-            <p:nvSpPr>
-              <p:cNvPr id="19" name="Oval 18"/>
-              <p:cNvSpPr/>
-              <p:nvPr/>
-            </p:nvSpPr>
-            <p:spPr>
-              <a:xfrm>
-                <a:off x="7492258" y="6221557"/>
-                <a:ext cx="272134" cy="259160"/>
-              </a:xfrm>
-              <a:prstGeom prst="ellipse">
-                <a:avLst/>
-              </a:prstGeom>
-              <a:solidFill>
-                <a:schemeClr val="bg1"/>
-              </a:solidFill>
-              <a:ln w="38100" cmpd="sng">
-                <a:solidFill>
-                  <a:schemeClr val="tx1"/>
-                </a:solidFill>
-              </a:ln>
-            </p:spPr>
-            <p:style>
-              <a:lnRef idx="1">
-                <a:schemeClr val="accent1"/>
-              </a:lnRef>
-              <a:fillRef idx="3">
-                <a:schemeClr val="accent1"/>
-              </a:fillRef>
-              <a:effectRef idx="2">
-                <a:schemeClr val="accent1"/>
-              </a:effectRef>
-              <a:fontRef idx="minor">
-                <a:schemeClr val="lt1"/>
-              </a:fontRef>
-            </p:style>
-            <p:txBody>
-              <a:bodyPr rtlCol="0" anchor="ctr"/>
-              <a:lstStyle/>
-              <a:p>
-                <a:pPr algn="ctr"/>
-                <a:endParaRPr lang="en-US"/>
-              </a:p>
-            </p:txBody>
-          </p:sp>
-          <p:sp>
-            <p:nvSpPr>
-              <p:cNvPr id="21" name="Oval 20"/>
-              <p:cNvSpPr/>
-              <p:nvPr/>
-            </p:nvSpPr>
-            <p:spPr>
-              <a:xfrm>
-                <a:off x="4204759" y="6091977"/>
-                <a:ext cx="272134" cy="259160"/>
-              </a:xfrm>
-              <a:prstGeom prst="ellipse">
-                <a:avLst/>
-              </a:prstGeom>
-              <a:solidFill>
-                <a:schemeClr val="bg1"/>
-              </a:solidFill>
-              <a:ln w="38100" cmpd="sng">
-                <a:solidFill>
-                  <a:schemeClr val="tx1"/>
-                </a:solidFill>
-              </a:ln>
-            </p:spPr>
-            <p:style>
-              <a:lnRef idx="1">
-                <a:schemeClr val="accent1"/>
-              </a:lnRef>
-              <a:fillRef idx="3">
-                <a:schemeClr val="accent1"/>
-              </a:fillRef>
-              <a:effectRef idx="2">
-                <a:schemeClr val="accent1"/>
-              </a:effectRef>
-              <a:fontRef idx="minor">
-                <a:schemeClr val="lt1"/>
-              </a:fontRef>
-            </p:style>
-            <p:txBody>
-              <a:bodyPr rtlCol="0" anchor="ctr"/>
-              <a:lstStyle/>
-              <a:p>
-                <a:pPr algn="ctr"/>
-                <a:endParaRPr lang="en-US"/>
-              </a:p>
-            </p:txBody>
-          </p:sp>
-          <p:sp>
-            <p:nvSpPr>
-              <p:cNvPr id="22" name="Oval 21"/>
-              <p:cNvSpPr/>
-              <p:nvPr/>
-            </p:nvSpPr>
-            <p:spPr>
-              <a:xfrm>
-                <a:off x="5130058" y="6275556"/>
-                <a:ext cx="272134" cy="259160"/>
-              </a:xfrm>
-              <a:prstGeom prst="ellipse">
-                <a:avLst/>
-              </a:prstGeom>
-              <a:solidFill>
-                <a:schemeClr val="bg1"/>
-              </a:solidFill>
-              <a:ln w="38100" cmpd="sng">
-                <a:solidFill>
-                  <a:schemeClr val="tx1"/>
-                </a:solidFill>
-              </a:ln>
-            </p:spPr>
-            <p:style>
-              <a:lnRef idx="1">
-                <a:schemeClr val="accent1"/>
-              </a:lnRef>
-              <a:fillRef idx="3">
-                <a:schemeClr val="accent1"/>
-              </a:fillRef>
-              <a:effectRef idx="2">
-                <a:schemeClr val="accent1"/>
-              </a:effectRef>
-              <a:fontRef idx="minor">
-                <a:schemeClr val="lt1"/>
-              </a:fontRef>
-            </p:style>
-            <p:txBody>
-              <a:bodyPr rtlCol="0" anchor="ctr"/>
-              <a:lstStyle/>
-              <a:p>
-                <a:pPr algn="ctr"/>
-                <a:endParaRPr lang="en-US"/>
-              </a:p>
-            </p:txBody>
-          </p:sp>
-          <p:cxnSp>
-            <p:nvCxnSpPr>
-              <p:cNvPr id="24" name="Straight Arrow Connector 23"/>
-              <p:cNvCxnSpPr>
-                <a:stCxn id="21" idx="6"/>
-                <a:endCxn id="22" idx="2"/>
-              </p:cNvCxnSpPr>
-              <p:nvPr/>
-            </p:nvCxnSpPr>
-            <p:spPr>
-              <a:xfrm>
-                <a:off x="4476893" y="6221557"/>
-                <a:ext cx="653165" cy="183579"/>
-              </a:xfrm>
-              <a:prstGeom prst="straightConnector1">
-                <a:avLst/>
-              </a:prstGeom>
-              <a:ln>
-                <a:tailEnd type="arrow"/>
-              </a:ln>
-            </p:spPr>
-            <p:style>
-              <a:lnRef idx="2">
-                <a:schemeClr val="dk1"/>
-              </a:lnRef>
-              <a:fillRef idx="0">
-                <a:schemeClr val="dk1"/>
-              </a:fillRef>
-              <a:effectRef idx="1">
-                <a:schemeClr val="dk1"/>
-              </a:effectRef>
-              <a:fontRef idx="minor">
-                <a:schemeClr val="tx1"/>
-              </a:fontRef>
-            </p:style>
-          </p:cxnSp>
-          <p:sp>
-            <p:nvSpPr>
-              <p:cNvPr id="25" name="TextBox 24"/>
-              <p:cNvSpPr txBox="1"/>
-              <p:nvPr/>
-            </p:nvSpPr>
-            <p:spPr>
-              <a:xfrm rot="16200000">
-                <a:off x="-156357" y="2785934"/>
-                <a:ext cx="1780543" cy="369332"/>
-              </a:xfrm>
-              <a:prstGeom prst="rect">
-                <a:avLst/>
-              </a:prstGeom>
-              <a:solidFill>
-                <a:schemeClr val="bg1"/>
-              </a:solidFill>
-            </p:spPr>
-            <p:txBody>
-              <a:bodyPr wrap="none" rtlCol="0">
-                <a:spAutoFit/>
-              </a:bodyPr>
-              <a:lstStyle/>
-              <a:p>
-                <a:pPr algn="ctr"/>
-                <a:r>
-                  <a:rPr lang="en-US" dirty="0" err="1" smtClean="0"/>
-                  <a:t>Coexpression</a:t>
-                </a:r>
-                <a:r>
-                  <a:rPr lang="en-US" dirty="0" smtClean="0"/>
-                  <a:t> (</a:t>
-                </a:r>
-                <a:r>
-                  <a:rPr lang="en-US" dirty="0" err="1" smtClean="0"/>
-                  <a:t>ϕ</a:t>
-                </a:r>
-                <a:r>
-                  <a:rPr lang="en-US" dirty="0" smtClean="0"/>
-                  <a:t>)</a:t>
-                </a:r>
-                <a:endParaRPr lang="en-US" dirty="0"/>
-              </a:p>
-            </p:txBody>
-          </p:sp>
-        </p:grpSp>
-        <p:cxnSp>
-          <p:nvCxnSpPr>
-            <p:cNvPr id="27" name="Straight Connector 26"/>
-            <p:cNvCxnSpPr/>
-            <p:nvPr/>
-          </p:nvCxnSpPr>
-          <p:spPr>
-            <a:xfrm>
-              <a:off x="2439597" y="1364683"/>
-              <a:ext cx="2211003" cy="0"/>
-            </a:xfrm>
-            <a:prstGeom prst="line">
-              <a:avLst/>
-            </a:prstGeom>
-          </p:spPr>
-          <p:style>
-            <a:lnRef idx="3">
-              <a:schemeClr val="dk1"/>
-            </a:lnRef>
-            <a:fillRef idx="0">
-              <a:schemeClr val="dk1"/>
-            </a:fillRef>
-            <a:effectRef idx="2">
-              <a:schemeClr val="dk1"/>
-            </a:effectRef>
-            <a:fontRef idx="minor">
-              <a:schemeClr val="tx1"/>
-            </a:fontRef>
-          </p:style>
-        </p:cxnSp>
-        <p:sp>
-          <p:nvSpPr>
-            <p:cNvPr id="28" name="TextBox 27"/>
-            <p:cNvSpPr txBox="1"/>
-            <p:nvPr/>
-          </p:nvSpPr>
-          <p:spPr>
-            <a:xfrm>
-              <a:off x="2971713" y="1164628"/>
-              <a:ext cx="1162873" cy="400110"/>
-            </a:xfrm>
-            <a:prstGeom prst="rect">
-              <a:avLst/>
-            </a:prstGeom>
-            <a:solidFill>
-              <a:schemeClr val="bg1"/>
-            </a:solidFill>
-          </p:spPr>
-          <p:txBody>
-            <a:bodyPr wrap="none" rtlCol="0">
-              <a:spAutoFit/>
-            </a:bodyPr>
-            <a:lstStyle/>
-            <a:p>
-              <a:r>
-                <a:rPr lang="en-US" sz="2000" dirty="0" smtClean="0">
-                  <a:latin typeface="Times New Roman"/>
-                  <a:cs typeface="Times New Roman"/>
-                </a:rPr>
-                <a:t>*p &lt; 0.05</a:t>
-              </a:r>
-              <a:endParaRPr lang="en-US" sz="2000" dirty="0">
-                <a:latin typeface="Times New Roman"/>
-                <a:cs typeface="Times New Roman"/>
-              </a:endParaRPr>
-            </a:p>
-          </p:txBody>
-        </p:sp>
-        <p:cxnSp>
-          <p:nvCxnSpPr>
-            <p:cNvPr id="30" name="Straight Connector 29"/>
-            <p:cNvCxnSpPr/>
-            <p:nvPr/>
-          </p:nvCxnSpPr>
-          <p:spPr>
-            <a:xfrm>
-              <a:off x="4833547" y="1354621"/>
-              <a:ext cx="2211003" cy="0"/>
-            </a:xfrm>
-            <a:prstGeom prst="line">
-              <a:avLst/>
-            </a:prstGeom>
-          </p:spPr>
-          <p:style>
-            <a:lnRef idx="3">
-              <a:schemeClr val="dk1"/>
-            </a:lnRef>
-            <a:fillRef idx="0">
-              <a:schemeClr val="dk1"/>
-            </a:fillRef>
-            <a:effectRef idx="2">
-              <a:schemeClr val="dk1"/>
-            </a:effectRef>
-            <a:fontRef idx="minor">
-              <a:schemeClr val="tx1"/>
-            </a:fontRef>
-          </p:style>
-        </p:cxnSp>
-        <p:sp>
-          <p:nvSpPr>
-            <p:cNvPr id="31" name="TextBox 30"/>
-            <p:cNvSpPr txBox="1"/>
-            <p:nvPr/>
-          </p:nvSpPr>
-          <p:spPr>
-            <a:xfrm>
-              <a:off x="5308513" y="1154566"/>
-              <a:ext cx="1326680" cy="400110"/>
-            </a:xfrm>
-            <a:prstGeom prst="rect">
-              <a:avLst/>
-            </a:prstGeom>
-            <a:solidFill>
-              <a:schemeClr val="bg1"/>
-            </a:solidFill>
-          </p:spPr>
-          <p:txBody>
-            <a:bodyPr wrap="none" rtlCol="0">
-              <a:spAutoFit/>
-            </a:bodyPr>
-            <a:lstStyle/>
-            <a:p>
-              <a:r>
-                <a:rPr lang="en-US" sz="2000" dirty="0" smtClean="0">
-                  <a:latin typeface="Times New Roman"/>
-                  <a:cs typeface="Times New Roman"/>
-                </a:rPr>
-                <a:t>**p &lt; 10</a:t>
-              </a:r>
-              <a:r>
-                <a:rPr lang="en-US" sz="2000" baseline="30000" dirty="0" smtClean="0">
-                  <a:latin typeface="Times New Roman"/>
-                  <a:cs typeface="Times New Roman"/>
-                </a:rPr>
-                <a:t>-18</a:t>
-              </a:r>
-              <a:endParaRPr lang="en-US" sz="2000" dirty="0">
-                <a:latin typeface="Times New Roman"/>
-                <a:cs typeface="Times New Roman"/>
-              </a:endParaRPr>
-            </a:p>
-          </p:txBody>
-        </p:sp>
-        <p:cxnSp>
-          <p:nvCxnSpPr>
-            <p:cNvPr id="33" name="Straight Connector 32"/>
-            <p:cNvCxnSpPr/>
-            <p:nvPr/>
-          </p:nvCxnSpPr>
-          <p:spPr>
-            <a:xfrm>
-              <a:off x="2403113" y="903771"/>
-              <a:ext cx="4641437" cy="0"/>
-            </a:xfrm>
-            <a:prstGeom prst="line">
-              <a:avLst/>
-            </a:prstGeom>
-          </p:spPr>
-          <p:style>
-            <a:lnRef idx="3">
-              <a:schemeClr val="dk1"/>
-            </a:lnRef>
-            <a:fillRef idx="0">
-              <a:schemeClr val="dk1"/>
-            </a:fillRef>
-            <a:effectRef idx="2">
-              <a:schemeClr val="dk1"/>
-            </a:effectRef>
-            <a:fontRef idx="minor">
-              <a:schemeClr val="tx1"/>
-            </a:fontRef>
-          </p:style>
-        </p:cxnSp>
-        <p:sp>
-          <p:nvSpPr>
-            <p:cNvPr id="34" name="TextBox 33"/>
-            <p:cNvSpPr txBox="1"/>
-            <p:nvPr/>
-          </p:nvSpPr>
-          <p:spPr>
-            <a:xfrm>
-              <a:off x="4030006" y="646566"/>
-              <a:ext cx="1241187" cy="400110"/>
-            </a:xfrm>
-            <a:prstGeom prst="rect">
-              <a:avLst/>
-            </a:prstGeom>
-            <a:solidFill>
-              <a:schemeClr val="bg1"/>
-            </a:solidFill>
-          </p:spPr>
-          <p:txBody>
-            <a:bodyPr wrap="none" rtlCol="0">
-              <a:spAutoFit/>
-            </a:bodyPr>
-            <a:lstStyle/>
-            <a:p>
-              <a:r>
-                <a:rPr lang="en-US" sz="2000" dirty="0" smtClean="0">
-                  <a:latin typeface="Times New Roman"/>
-                  <a:cs typeface="Times New Roman"/>
-                </a:rPr>
-                <a:t>**p &lt; 10</a:t>
-              </a:r>
-              <a:r>
-                <a:rPr lang="en-US" sz="2000" baseline="30000" dirty="0" smtClean="0">
-                  <a:latin typeface="Times New Roman"/>
-                  <a:cs typeface="Times New Roman"/>
-                </a:rPr>
-                <a:t>-5</a:t>
-              </a:r>
-              <a:endParaRPr lang="en-US" sz="2000" dirty="0">
-                <a:latin typeface="Times New Roman"/>
-                <a:cs typeface="Times New Roman"/>
-              </a:endParaRPr>
-            </a:p>
-          </p:txBody>
-        </p:sp>
-      </p:grpSp>
-    </p:spTree>
-    <p:extLst>
-      <p:ext uri="{BB962C8B-B14F-4D97-AF65-F5344CB8AC3E}">
-        <p14:creationId xmlns:p14="http://schemas.microsoft.com/office/powerpoint/2010/main" val="3445468281"/>
-      </p:ext>
-    </p:extLst>
-  </p:cSld>
-  <p:clrMapOvr>
-    <a:masterClrMapping/>
-  </p:clrMapOvr>
-  <p:timing>
-    <p:tnLst>
-      <p:par>
-        <p:cTn xmlns:p14="http://schemas.microsoft.com/office/powerpoint/2010/main" id="1" dur="indefinite" restart="never" nodeType="tmRoot"/>
-      </p:par>
-    </p:tnLst>
-  </p:timing>
-</p:sld>
-</file>
-
-<file path=ppt/slides/slide7.xml><?xml version="1.0" encoding="utf-8"?>
-<p:sld xmlns:a="http://schemas.openxmlformats.org/drawingml/2006/main" xmlns:r="http://schemas.openxmlformats.org/officeDocument/2006/relationships" xmlns:p="http://schemas.openxmlformats.org/presentationml/2006/main">
-  <p:cSld>
-    <p:spTree>
-      <p:nvGrpSpPr>
-        <p:cNvPr id="1" name=""/>
-        <p:cNvGrpSpPr/>
-        <p:nvPr/>
-      </p:nvGrpSpPr>
-      <p:grpSpPr>
-        <a:xfrm>
-          <a:off x="0" y="0"/>
-          <a:ext cx="0" cy="0"/>
-          <a:chOff x="0" y="0"/>
-          <a:chExt cx="0" cy="0"/>
-        </a:xfrm>
-      </p:grpSpPr>
-      <p:grpSp>
-        <p:nvGrpSpPr>
-          <p:cNvPr id="27" name="Group 26"/>
-          <p:cNvGrpSpPr/>
-          <p:nvPr/>
-        </p:nvGrpSpPr>
-        <p:grpSpPr>
-          <a:xfrm>
-            <a:off x="0" y="114300"/>
-            <a:ext cx="9144000" cy="6680200"/>
-            <a:chOff x="0" y="114300"/>
-            <a:chExt cx="9144000" cy="6680200"/>
-          </a:xfrm>
-        </p:grpSpPr>
-        <p:sp>
-          <p:nvSpPr>
-            <p:cNvPr id="4" name="Rectangle 3"/>
-            <p:cNvSpPr/>
-            <p:nvPr/>
-          </p:nvSpPr>
-          <p:spPr>
-            <a:xfrm>
-              <a:off x="107950" y="114300"/>
-              <a:ext cx="8947150" cy="6680200"/>
-            </a:xfrm>
-            <a:prstGeom prst="rect">
-              <a:avLst/>
-            </a:prstGeom>
-            <a:solidFill>
-              <a:srgbClr val="FFFFFF"/>
-            </a:solidFill>
-            <a:ln>
-              <a:solidFill>
-                <a:srgbClr val="FFFFFF"/>
-              </a:solidFill>
-            </a:ln>
-          </p:spPr>
-          <p:style>
-            <a:lnRef idx="2">
-              <a:schemeClr val="accent1">
-                <a:shade val="50000"/>
-              </a:schemeClr>
-            </a:lnRef>
-            <a:fillRef idx="1">
-              <a:schemeClr val="accent1"/>
-            </a:fillRef>
-            <a:effectRef idx="0">
-              <a:schemeClr val="accent1"/>
-            </a:effectRef>
-            <a:fontRef idx="minor">
-              <a:schemeClr val="lt1"/>
-            </a:fontRef>
-          </p:style>
-          <p:txBody>
-            <a:bodyPr rtlCol="0" anchor="ctr"/>
-            <a:lstStyle/>
-            <a:p>
-              <a:pPr algn="ctr"/>
-              <a:endParaRPr lang="en-US"/>
-            </a:p>
-          </p:txBody>
-        </p:sp>
-        <p:grpSp>
-          <p:nvGrpSpPr>
-            <p:cNvPr id="5" name="Group 4"/>
-            <p:cNvGrpSpPr/>
-            <p:nvPr/>
-          </p:nvGrpSpPr>
-          <p:grpSpPr>
-            <a:xfrm>
-              <a:off x="0" y="355600"/>
-              <a:ext cx="9144000" cy="6200304"/>
-              <a:chOff x="0" y="355600"/>
-              <a:chExt cx="9144000" cy="6200304"/>
-            </a:xfrm>
-          </p:grpSpPr>
-          <p:grpSp>
-            <p:nvGrpSpPr>
-              <p:cNvPr id="6" name="Group 5"/>
-              <p:cNvGrpSpPr/>
-              <p:nvPr/>
-            </p:nvGrpSpPr>
-            <p:grpSpPr>
-              <a:xfrm>
-                <a:off x="0" y="355600"/>
-                <a:ext cx="9144000" cy="6200304"/>
-                <a:chOff x="0" y="355600"/>
-                <a:chExt cx="9144000" cy="6200304"/>
-              </a:xfrm>
-            </p:grpSpPr>
-            <p:pic>
-              <p:nvPicPr>
-                <p:cNvPr id="13" name="Picture 12" descr="RecUnidirUncon.png"/>
-                <p:cNvPicPr>
-                  <a:picLocks noChangeAspect="1"/>
-                </p:cNvPicPr>
-                <p:nvPr/>
-              </p:nvPicPr>
-              <p:blipFill>
-                <a:blip r:embed="rId2">
-                  <a:extLst>
-                    <a:ext uri="{28A0092B-C50C-407E-A947-70E740481C1C}">
-                      <a14:useLocalDpi xmlns:a14="http://schemas.microsoft.com/office/drawing/2010/main" val="0"/>
-                    </a:ext>
-                  </a:extLst>
-                </a:blip>
-                <a:stretch>
-                  <a:fillRect/>
-                </a:stretch>
-              </p:blipFill>
-              <p:spPr>
-                <a:xfrm>
-                  <a:off x="0" y="355600"/>
-                  <a:ext cx="9144000" cy="5685453"/>
-                </a:xfrm>
-                <a:prstGeom prst="rect">
-                  <a:avLst/>
-                </a:prstGeom>
-              </p:spPr>
-            </p:pic>
-            <p:sp>
-              <p:nvSpPr>
-                <p:cNvPr id="14" name="Oval 13"/>
-                <p:cNvSpPr/>
-                <p:nvPr/>
-              </p:nvSpPr>
-              <p:spPr>
-                <a:xfrm>
-                  <a:off x="1791759" y="6113165"/>
-                  <a:ext cx="272134" cy="259160"/>
-                </a:xfrm>
-                <a:prstGeom prst="ellipse">
-                  <a:avLst/>
-                </a:prstGeom>
-                <a:solidFill>
-                  <a:schemeClr val="bg1"/>
-                </a:solidFill>
-                <a:ln w="38100" cmpd="sng">
-                  <a:solidFill>
-                    <a:schemeClr val="tx1"/>
-                  </a:solidFill>
-                </a:ln>
-              </p:spPr>
-              <p:style>
-                <a:lnRef idx="1">
-                  <a:schemeClr val="accent1"/>
-                </a:lnRef>
-                <a:fillRef idx="3">
-                  <a:schemeClr val="accent1"/>
-                </a:fillRef>
-                <a:effectRef idx="2">
-                  <a:schemeClr val="accent1"/>
-                </a:effectRef>
-                <a:fontRef idx="minor">
-                  <a:schemeClr val="lt1"/>
-                </a:fontRef>
-              </p:style>
-              <p:txBody>
-                <a:bodyPr rtlCol="0" anchor="ctr"/>
-                <a:lstStyle/>
-                <a:p>
-                  <a:pPr algn="ctr"/>
-                  <a:endParaRPr lang="en-US"/>
-                </a:p>
-              </p:txBody>
-            </p:sp>
-            <p:sp>
-              <p:nvSpPr>
-                <p:cNvPr id="15" name="Oval 14"/>
-                <p:cNvSpPr/>
-                <p:nvPr/>
-              </p:nvSpPr>
-              <p:spPr>
-                <a:xfrm>
-                  <a:off x="1791759" y="5667258"/>
-                  <a:ext cx="272134" cy="259160"/>
-                </a:xfrm>
-                <a:prstGeom prst="ellipse">
-                  <a:avLst/>
-                </a:prstGeom>
-                <a:solidFill>
-                  <a:schemeClr val="bg1"/>
-                </a:solidFill>
-                <a:ln w="38100" cmpd="sng">
-                  <a:solidFill>
-                    <a:schemeClr val="tx1"/>
-                  </a:solidFill>
-                </a:ln>
-              </p:spPr>
-              <p:style>
-                <a:lnRef idx="1">
-                  <a:schemeClr val="accent1"/>
-                </a:lnRef>
-                <a:fillRef idx="3">
-                  <a:schemeClr val="accent1"/>
-                </a:fillRef>
-                <a:effectRef idx="2">
-                  <a:schemeClr val="accent1"/>
-                </a:effectRef>
-                <a:fontRef idx="minor">
-                  <a:schemeClr val="lt1"/>
-                </a:fontRef>
-              </p:style>
-              <p:txBody>
-                <a:bodyPr rtlCol="0" anchor="ctr"/>
-                <a:lstStyle/>
-                <a:p>
-                  <a:pPr algn="ctr"/>
-                  <a:endParaRPr lang="en-US"/>
-                </a:p>
-              </p:txBody>
-            </p:sp>
-            <p:sp>
-              <p:nvSpPr>
-                <p:cNvPr id="16" name="TextBox 15"/>
-                <p:cNvSpPr txBox="1"/>
-                <p:nvPr/>
-              </p:nvSpPr>
-              <p:spPr>
-                <a:xfrm>
-                  <a:off x="1715559" y="5441434"/>
-                  <a:ext cx="1326004" cy="646331"/>
-                </a:xfrm>
-                <a:prstGeom prst="rect">
-                  <a:avLst/>
-                </a:prstGeom>
-                <a:solidFill>
-                  <a:schemeClr val="bg1"/>
-                </a:solidFill>
-              </p:spPr>
-              <p:txBody>
-                <a:bodyPr wrap="none" rtlCol="0">
-                  <a:spAutoFit/>
-                </a:bodyPr>
-                <a:lstStyle/>
-                <a:p>
-                  <a:pPr algn="ctr"/>
-                  <a:r>
-                    <a:rPr lang="en-US" dirty="0" smtClean="0"/>
-                    <a:t>Reciprocal </a:t>
-                  </a:r>
-                </a:p>
-                <a:p>
-                  <a:pPr algn="ctr"/>
-                  <a:r>
-                    <a:rPr lang="en-US" dirty="0" smtClean="0"/>
-                    <a:t>connections</a:t>
-                  </a:r>
-                  <a:endParaRPr lang="en-US" dirty="0"/>
-                </a:p>
-              </p:txBody>
-            </p:sp>
-            <p:sp>
-              <p:nvSpPr>
-                <p:cNvPr id="17" name="TextBox 16"/>
-                <p:cNvSpPr txBox="1"/>
-                <p:nvPr/>
-              </p:nvSpPr>
-              <p:spPr>
-                <a:xfrm>
-                  <a:off x="4025900" y="5441434"/>
-                  <a:ext cx="1509360" cy="646331"/>
-                </a:xfrm>
-                <a:prstGeom prst="rect">
-                  <a:avLst/>
-                </a:prstGeom>
-                <a:solidFill>
-                  <a:schemeClr val="bg1"/>
-                </a:solidFill>
-              </p:spPr>
-              <p:txBody>
-                <a:bodyPr wrap="none" rtlCol="0">
-                  <a:spAutoFit/>
-                </a:bodyPr>
-                <a:lstStyle/>
-                <a:p>
-                  <a:pPr algn="ctr"/>
-                  <a:r>
-                    <a:rPr lang="en-US" dirty="0" smtClean="0"/>
-                    <a:t>Unidirectional </a:t>
-                  </a:r>
-                </a:p>
-                <a:p>
-                  <a:pPr algn="ctr"/>
-                  <a:r>
-                    <a:rPr lang="en-US" dirty="0" smtClean="0"/>
-                    <a:t>connections</a:t>
-                  </a:r>
-                  <a:endParaRPr lang="en-US" dirty="0"/>
-                </a:p>
-              </p:txBody>
-            </p:sp>
-            <p:sp>
-              <p:nvSpPr>
-                <p:cNvPr id="18" name="TextBox 17"/>
-                <p:cNvSpPr txBox="1"/>
-                <p:nvPr/>
-              </p:nvSpPr>
-              <p:spPr>
-                <a:xfrm>
-                  <a:off x="6375691" y="5426849"/>
-                  <a:ext cx="1441846" cy="369332"/>
-                </a:xfrm>
-                <a:prstGeom prst="rect">
-                  <a:avLst/>
-                </a:prstGeom>
-                <a:solidFill>
-                  <a:schemeClr val="bg1"/>
-                </a:solidFill>
-              </p:spPr>
-              <p:txBody>
-                <a:bodyPr wrap="none" rtlCol="0">
-                  <a:spAutoFit/>
-                </a:bodyPr>
-                <a:lstStyle/>
-                <a:p>
-                  <a:pPr algn="ctr"/>
-                  <a:r>
-                    <a:rPr lang="en-US" dirty="0" smtClean="0"/>
-                    <a:t>Unconnected</a:t>
-                  </a:r>
-                  <a:endParaRPr lang="en-US" dirty="0"/>
-                </a:p>
-              </p:txBody>
-            </p:sp>
-            <p:sp>
-              <p:nvSpPr>
-                <p:cNvPr id="19" name="Oval 18"/>
-                <p:cNvSpPr/>
-                <p:nvPr/>
-              </p:nvSpPr>
-              <p:spPr>
-                <a:xfrm>
-                  <a:off x="2717058" y="6296744"/>
-                  <a:ext cx="272134" cy="259160"/>
-                </a:xfrm>
-                <a:prstGeom prst="ellipse">
-                  <a:avLst/>
-                </a:prstGeom>
-                <a:solidFill>
-                  <a:schemeClr val="bg1"/>
-                </a:solidFill>
-                <a:ln w="38100" cmpd="sng">
-                  <a:solidFill>
-                    <a:schemeClr val="tx1"/>
-                  </a:solidFill>
-                </a:ln>
-              </p:spPr>
-              <p:style>
-                <a:lnRef idx="1">
-                  <a:schemeClr val="accent1"/>
-                </a:lnRef>
-                <a:fillRef idx="3">
-                  <a:schemeClr val="accent1"/>
-                </a:fillRef>
-                <a:effectRef idx="2">
-                  <a:schemeClr val="accent1"/>
-                </a:effectRef>
-                <a:fontRef idx="minor">
-                  <a:schemeClr val="lt1"/>
-                </a:fontRef>
-              </p:style>
-              <p:txBody>
-                <a:bodyPr rtlCol="0" anchor="ctr"/>
-                <a:lstStyle/>
-                <a:p>
-                  <a:pPr algn="ctr"/>
-                  <a:endParaRPr lang="en-US"/>
-                </a:p>
-              </p:txBody>
-            </p:sp>
-            <p:cxnSp>
-              <p:nvCxnSpPr>
-                <p:cNvPr id="20" name="Straight Arrow Connector 19"/>
-                <p:cNvCxnSpPr>
-                  <a:stCxn id="14" idx="6"/>
-                  <a:endCxn id="19" idx="2"/>
-                </p:cNvCxnSpPr>
-                <p:nvPr/>
-              </p:nvCxnSpPr>
-              <p:spPr>
-                <a:xfrm>
-                  <a:off x="2063893" y="6242745"/>
-                  <a:ext cx="653165" cy="183579"/>
-                </a:xfrm>
-                <a:prstGeom prst="straightConnector1">
-                  <a:avLst/>
-                </a:prstGeom>
-                <a:ln>
-                  <a:headEnd type="arrow"/>
-                  <a:tailEnd type="arrow"/>
-                </a:ln>
-              </p:spPr>
-              <p:style>
-                <a:lnRef idx="2">
-                  <a:schemeClr val="dk1"/>
-                </a:lnRef>
-                <a:fillRef idx="0">
-                  <a:schemeClr val="dk1"/>
-                </a:fillRef>
-                <a:effectRef idx="1">
-                  <a:schemeClr val="dk1"/>
-                </a:effectRef>
-                <a:fontRef idx="minor">
-                  <a:schemeClr val="tx1"/>
-                </a:fontRef>
-              </p:style>
-            </p:cxnSp>
-            <p:sp>
-              <p:nvSpPr>
-                <p:cNvPr id="21" name="Oval 20"/>
-                <p:cNvSpPr/>
-                <p:nvPr/>
-              </p:nvSpPr>
-              <p:spPr>
-                <a:xfrm>
-                  <a:off x="6566959" y="6037978"/>
-                  <a:ext cx="272134" cy="259160"/>
-                </a:xfrm>
-                <a:prstGeom prst="ellipse">
-                  <a:avLst/>
-                </a:prstGeom>
-                <a:solidFill>
-                  <a:schemeClr val="bg1"/>
-                </a:solidFill>
-                <a:ln w="38100" cmpd="sng">
-                  <a:solidFill>
-                    <a:schemeClr val="tx1"/>
-                  </a:solidFill>
-                </a:ln>
-              </p:spPr>
-              <p:style>
-                <a:lnRef idx="1">
-                  <a:schemeClr val="accent1"/>
-                </a:lnRef>
-                <a:fillRef idx="3">
-                  <a:schemeClr val="accent1"/>
-                </a:fillRef>
-                <a:effectRef idx="2">
-                  <a:schemeClr val="accent1"/>
-                </a:effectRef>
-                <a:fontRef idx="minor">
-                  <a:schemeClr val="lt1"/>
-                </a:fontRef>
-              </p:style>
-              <p:txBody>
-                <a:bodyPr rtlCol="0" anchor="ctr"/>
-                <a:lstStyle/>
-                <a:p>
-                  <a:pPr algn="ctr"/>
-                  <a:endParaRPr lang="en-US"/>
-                </a:p>
-              </p:txBody>
-            </p:sp>
-            <p:sp>
-              <p:nvSpPr>
-                <p:cNvPr id="22" name="Oval 21"/>
-                <p:cNvSpPr/>
-                <p:nvPr/>
-              </p:nvSpPr>
-              <p:spPr>
-                <a:xfrm>
-                  <a:off x="7492258" y="6221557"/>
-                  <a:ext cx="272134" cy="259160"/>
-                </a:xfrm>
-                <a:prstGeom prst="ellipse">
-                  <a:avLst/>
-                </a:prstGeom>
-                <a:solidFill>
-                  <a:schemeClr val="bg1"/>
-                </a:solidFill>
-                <a:ln w="38100" cmpd="sng">
-                  <a:solidFill>
-                    <a:schemeClr val="tx1"/>
-                  </a:solidFill>
-                </a:ln>
-              </p:spPr>
-              <p:style>
-                <a:lnRef idx="1">
-                  <a:schemeClr val="accent1"/>
-                </a:lnRef>
-                <a:fillRef idx="3">
-                  <a:schemeClr val="accent1"/>
-                </a:fillRef>
-                <a:effectRef idx="2">
-                  <a:schemeClr val="accent1"/>
-                </a:effectRef>
-                <a:fontRef idx="minor">
-                  <a:schemeClr val="lt1"/>
-                </a:fontRef>
-              </p:style>
-              <p:txBody>
-                <a:bodyPr rtlCol="0" anchor="ctr"/>
-                <a:lstStyle/>
-                <a:p>
-                  <a:pPr algn="ctr"/>
-                  <a:endParaRPr lang="en-US"/>
-                </a:p>
-              </p:txBody>
-            </p:sp>
-            <p:sp>
-              <p:nvSpPr>
-                <p:cNvPr id="23" name="Oval 22"/>
-                <p:cNvSpPr/>
-                <p:nvPr/>
-              </p:nvSpPr>
-              <p:spPr>
-                <a:xfrm>
-                  <a:off x="4204759" y="6091977"/>
-                  <a:ext cx="272134" cy="259160"/>
-                </a:xfrm>
-                <a:prstGeom prst="ellipse">
-                  <a:avLst/>
-                </a:prstGeom>
-                <a:solidFill>
-                  <a:schemeClr val="bg1"/>
-                </a:solidFill>
-                <a:ln w="38100" cmpd="sng">
-                  <a:solidFill>
-                    <a:schemeClr val="tx1"/>
-                  </a:solidFill>
-                </a:ln>
-              </p:spPr>
-              <p:style>
-                <a:lnRef idx="1">
-                  <a:schemeClr val="accent1"/>
-                </a:lnRef>
-                <a:fillRef idx="3">
-                  <a:schemeClr val="accent1"/>
-                </a:fillRef>
-                <a:effectRef idx="2">
-                  <a:schemeClr val="accent1"/>
-                </a:effectRef>
-                <a:fontRef idx="minor">
-                  <a:schemeClr val="lt1"/>
-                </a:fontRef>
-              </p:style>
-              <p:txBody>
-                <a:bodyPr rtlCol="0" anchor="ctr"/>
-                <a:lstStyle/>
-                <a:p>
-                  <a:pPr algn="ctr"/>
-                  <a:endParaRPr lang="en-US"/>
-                </a:p>
-              </p:txBody>
-            </p:sp>
-            <p:sp>
-              <p:nvSpPr>
-                <p:cNvPr id="24" name="Oval 23"/>
-                <p:cNvSpPr/>
-                <p:nvPr/>
-              </p:nvSpPr>
-              <p:spPr>
-                <a:xfrm>
-                  <a:off x="5130058" y="6275556"/>
-                  <a:ext cx="272134" cy="259160"/>
-                </a:xfrm>
-                <a:prstGeom prst="ellipse">
-                  <a:avLst/>
-                </a:prstGeom>
-                <a:solidFill>
-                  <a:schemeClr val="bg1"/>
-                </a:solidFill>
-                <a:ln w="38100" cmpd="sng">
-                  <a:solidFill>
-                    <a:schemeClr val="tx1"/>
-                  </a:solidFill>
-                </a:ln>
-              </p:spPr>
-              <p:style>
-                <a:lnRef idx="1">
-                  <a:schemeClr val="accent1"/>
-                </a:lnRef>
-                <a:fillRef idx="3">
-                  <a:schemeClr val="accent1"/>
-                </a:fillRef>
-                <a:effectRef idx="2">
-                  <a:schemeClr val="accent1"/>
-                </a:effectRef>
-                <a:fontRef idx="minor">
-                  <a:schemeClr val="lt1"/>
-                </a:fontRef>
-              </p:style>
-              <p:txBody>
-                <a:bodyPr rtlCol="0" anchor="ctr"/>
-                <a:lstStyle/>
-                <a:p>
-                  <a:pPr algn="ctr"/>
-                  <a:endParaRPr lang="en-US"/>
-                </a:p>
-              </p:txBody>
-            </p:sp>
-            <p:cxnSp>
-              <p:nvCxnSpPr>
-                <p:cNvPr id="25" name="Straight Arrow Connector 24"/>
-                <p:cNvCxnSpPr>
-                  <a:stCxn id="23" idx="6"/>
-                  <a:endCxn id="24" idx="2"/>
-                </p:cNvCxnSpPr>
-                <p:nvPr/>
-              </p:nvCxnSpPr>
-              <p:spPr>
-                <a:xfrm>
-                  <a:off x="4476893" y="6221557"/>
-                  <a:ext cx="653165" cy="183579"/>
-                </a:xfrm>
-                <a:prstGeom prst="straightConnector1">
-                  <a:avLst/>
-                </a:prstGeom>
-                <a:ln>
-                  <a:tailEnd type="arrow"/>
-                </a:ln>
-              </p:spPr>
-              <p:style>
-                <a:lnRef idx="2">
-                  <a:schemeClr val="dk1"/>
-                </a:lnRef>
-                <a:fillRef idx="0">
-                  <a:schemeClr val="dk1"/>
-                </a:fillRef>
-                <a:effectRef idx="1">
-                  <a:schemeClr val="dk1"/>
-                </a:effectRef>
-                <a:fontRef idx="minor">
-                  <a:schemeClr val="tx1"/>
-                </a:fontRef>
-              </p:style>
-            </p:cxnSp>
-            <p:sp>
-              <p:nvSpPr>
-                <p:cNvPr id="26" name="TextBox 25"/>
-                <p:cNvSpPr txBox="1"/>
-                <p:nvPr/>
-              </p:nvSpPr>
-              <p:spPr>
-                <a:xfrm rot="16200000">
-                  <a:off x="-156357" y="2785934"/>
-                  <a:ext cx="1780543" cy="369332"/>
-                </a:xfrm>
-                <a:prstGeom prst="rect">
-                  <a:avLst/>
-                </a:prstGeom>
-                <a:solidFill>
-                  <a:schemeClr val="bg1"/>
-                </a:solidFill>
-              </p:spPr>
-              <p:txBody>
-                <a:bodyPr wrap="none" rtlCol="0">
-                  <a:spAutoFit/>
-                </a:bodyPr>
-                <a:lstStyle/>
-                <a:p>
-                  <a:pPr algn="ctr"/>
-                  <a:r>
-                    <a:rPr lang="en-US" dirty="0" err="1" smtClean="0"/>
-                    <a:t>Coexpression</a:t>
-                  </a:r>
-                  <a:r>
-                    <a:rPr lang="en-US" dirty="0" smtClean="0"/>
-                    <a:t> (</a:t>
-                  </a:r>
-                  <a:r>
-                    <a:rPr lang="en-US" dirty="0" err="1" smtClean="0"/>
-                    <a:t>ϕ</a:t>
-                  </a:r>
-                  <a:r>
-                    <a:rPr lang="en-US" dirty="0" smtClean="0"/>
-                    <a:t>)</a:t>
-                  </a:r>
-                  <a:endParaRPr lang="en-US" dirty="0"/>
-                </a:p>
-              </p:txBody>
-            </p:sp>
-          </p:grpSp>
-          <p:cxnSp>
-            <p:nvCxnSpPr>
-              <p:cNvPr id="7" name="Straight Connector 6"/>
-              <p:cNvCxnSpPr/>
-              <p:nvPr/>
-            </p:nvCxnSpPr>
-            <p:spPr>
-              <a:xfrm>
-                <a:off x="2439597" y="1364683"/>
-                <a:ext cx="2211003" cy="0"/>
-              </a:xfrm>
-              <a:prstGeom prst="line">
-                <a:avLst/>
-              </a:prstGeom>
-            </p:spPr>
-            <p:style>
-              <a:lnRef idx="3">
-                <a:schemeClr val="dk1"/>
-              </a:lnRef>
-              <a:fillRef idx="0">
-                <a:schemeClr val="dk1"/>
-              </a:fillRef>
-              <a:effectRef idx="2">
-                <a:schemeClr val="dk1"/>
-              </a:effectRef>
-              <a:fontRef idx="minor">
-                <a:schemeClr val="tx1"/>
-              </a:fontRef>
-            </p:style>
-          </p:cxnSp>
-          <p:sp>
-            <p:nvSpPr>
-              <p:cNvPr id="8" name="TextBox 7"/>
-              <p:cNvSpPr txBox="1"/>
-              <p:nvPr/>
-            </p:nvSpPr>
-            <p:spPr>
-              <a:xfrm>
-                <a:off x="2971713" y="1164628"/>
-                <a:ext cx="1162873" cy="400110"/>
-              </a:xfrm>
-              <a:prstGeom prst="rect">
-                <a:avLst/>
-              </a:prstGeom>
-              <a:solidFill>
-                <a:schemeClr val="bg1"/>
-              </a:solidFill>
-            </p:spPr>
-            <p:txBody>
-              <a:bodyPr wrap="none" rtlCol="0">
-                <a:spAutoFit/>
-              </a:bodyPr>
-              <a:lstStyle/>
-              <a:p>
-                <a:r>
-                  <a:rPr lang="en-US" sz="2000" dirty="0" smtClean="0">
-                    <a:latin typeface="Times New Roman"/>
-                    <a:cs typeface="Times New Roman"/>
-                  </a:rPr>
-                  <a:t>*p &lt; 0.05</a:t>
-                </a:r>
-                <a:endParaRPr lang="en-US" sz="2000" dirty="0">
-                  <a:latin typeface="Times New Roman"/>
-                  <a:cs typeface="Times New Roman"/>
-                </a:endParaRPr>
-              </a:p>
-            </p:txBody>
-          </p:sp>
-          <p:cxnSp>
-            <p:nvCxnSpPr>
-              <p:cNvPr id="9" name="Straight Connector 8"/>
-              <p:cNvCxnSpPr/>
-              <p:nvPr/>
-            </p:nvCxnSpPr>
-            <p:spPr>
-              <a:xfrm>
-                <a:off x="4833547" y="1354621"/>
-                <a:ext cx="2211003" cy="0"/>
-              </a:xfrm>
-              <a:prstGeom prst="line">
-                <a:avLst/>
-              </a:prstGeom>
-            </p:spPr>
-            <p:style>
-              <a:lnRef idx="3">
-                <a:schemeClr val="dk1"/>
-              </a:lnRef>
-              <a:fillRef idx="0">
-                <a:schemeClr val="dk1"/>
-              </a:fillRef>
-              <a:effectRef idx="2">
-                <a:schemeClr val="dk1"/>
-              </a:effectRef>
-              <a:fontRef idx="minor">
-                <a:schemeClr val="tx1"/>
-              </a:fontRef>
-            </p:style>
-          </p:cxnSp>
-          <p:sp>
-            <p:nvSpPr>
-              <p:cNvPr id="10" name="TextBox 9"/>
-              <p:cNvSpPr txBox="1"/>
-              <p:nvPr/>
-            </p:nvSpPr>
-            <p:spPr>
-              <a:xfrm>
-                <a:off x="5308513" y="1154566"/>
-                <a:ext cx="1326680" cy="400110"/>
-              </a:xfrm>
-              <a:prstGeom prst="rect">
-                <a:avLst/>
-              </a:prstGeom>
-              <a:solidFill>
-                <a:schemeClr val="bg1"/>
-              </a:solidFill>
-            </p:spPr>
-            <p:txBody>
-              <a:bodyPr wrap="none" rtlCol="0">
-                <a:spAutoFit/>
-              </a:bodyPr>
-              <a:lstStyle/>
-              <a:p>
-                <a:r>
-                  <a:rPr lang="en-US" sz="2000" dirty="0" smtClean="0">
-                    <a:latin typeface="Times New Roman"/>
-                    <a:cs typeface="Times New Roman"/>
-                  </a:rPr>
-                  <a:t>**p &lt; 10</a:t>
-                </a:r>
-                <a:r>
-                  <a:rPr lang="en-US" sz="2000" baseline="30000" dirty="0" smtClean="0">
-                    <a:latin typeface="Times New Roman"/>
-                    <a:cs typeface="Times New Roman"/>
-                  </a:rPr>
-                  <a:t>-18</a:t>
-                </a:r>
-                <a:endParaRPr lang="en-US" sz="2000" dirty="0">
-                  <a:latin typeface="Times New Roman"/>
-                  <a:cs typeface="Times New Roman"/>
-                </a:endParaRPr>
-              </a:p>
-            </p:txBody>
-          </p:sp>
-          <p:cxnSp>
-            <p:nvCxnSpPr>
-              <p:cNvPr id="11" name="Straight Connector 10"/>
-              <p:cNvCxnSpPr/>
-              <p:nvPr/>
-            </p:nvCxnSpPr>
-            <p:spPr>
-              <a:xfrm>
-                <a:off x="2403113" y="903771"/>
-                <a:ext cx="4641437" cy="0"/>
-              </a:xfrm>
-              <a:prstGeom prst="line">
-                <a:avLst/>
-              </a:prstGeom>
-            </p:spPr>
-            <p:style>
-              <a:lnRef idx="3">
-                <a:schemeClr val="dk1"/>
-              </a:lnRef>
-              <a:fillRef idx="0">
-                <a:schemeClr val="dk1"/>
-              </a:fillRef>
-              <a:effectRef idx="2">
-                <a:schemeClr val="dk1"/>
-              </a:effectRef>
-              <a:fontRef idx="minor">
-                <a:schemeClr val="tx1"/>
-              </a:fontRef>
-            </p:style>
-          </p:cxnSp>
-          <p:sp>
-            <p:nvSpPr>
-              <p:cNvPr id="12" name="TextBox 11"/>
-              <p:cNvSpPr txBox="1"/>
-              <p:nvPr/>
-            </p:nvSpPr>
-            <p:spPr>
-              <a:xfrm>
-                <a:off x="4030006" y="646566"/>
-                <a:ext cx="1241187" cy="400110"/>
-              </a:xfrm>
-              <a:prstGeom prst="rect">
-                <a:avLst/>
-              </a:prstGeom>
-              <a:solidFill>
-                <a:schemeClr val="bg1"/>
-              </a:solidFill>
-            </p:spPr>
-            <p:txBody>
-              <a:bodyPr wrap="none" rtlCol="0">
-                <a:spAutoFit/>
-              </a:bodyPr>
-              <a:lstStyle/>
-              <a:p>
-                <a:r>
-                  <a:rPr lang="en-US" sz="2000" dirty="0" smtClean="0">
-                    <a:latin typeface="Times New Roman"/>
-                    <a:cs typeface="Times New Roman"/>
-                  </a:rPr>
-                  <a:t>**p &lt; 10</a:t>
-                </a:r>
-                <a:r>
-                  <a:rPr lang="en-US" sz="2000" baseline="30000" dirty="0" smtClean="0">
-                    <a:latin typeface="Times New Roman"/>
-                    <a:cs typeface="Times New Roman"/>
-                  </a:rPr>
-                  <a:t>-5</a:t>
-                </a:r>
-                <a:endParaRPr lang="en-US" sz="2000" dirty="0">
-                  <a:latin typeface="Times New Roman"/>
-                  <a:cs typeface="Times New Roman"/>
-                </a:endParaRPr>
-              </a:p>
-            </p:txBody>
-          </p:sp>
-        </p:grpSp>
-      </p:grpSp>
-    </p:spTree>
-    <p:extLst>
-      <p:ext uri="{BB962C8B-B14F-4D97-AF65-F5344CB8AC3E}">
-        <p14:creationId xmlns:p14="http://schemas.microsoft.com/office/powerpoint/2010/main" val="781745859"/>
-      </p:ext>
-    </p:extLst>
-  </p:cSld>
-  <p:clrMapOvr>
-    <a:masterClrMapping/>
-  </p:clrMapOvr>
-</p:sld>
-</file>
-
-<file path=ppt/slides/slide8.xml><?xml version="1.0" encoding="utf-8"?>
-<p:sld xmlns:a="http://schemas.openxmlformats.org/drawingml/2006/main" xmlns:r="http://schemas.openxmlformats.org/officeDocument/2006/relationships" xmlns:p="http://schemas.openxmlformats.org/presentationml/2006/main">
-  <p:cSld>
-    <p:spTree>
-      <p:nvGrpSpPr>
-        <p:cNvPr id="1" name=""/>
-        <p:cNvGrpSpPr/>
-        <p:nvPr/>
-      </p:nvGrpSpPr>
-      <p:grpSpPr>
-        <a:xfrm>
-          <a:off x="0" y="0"/>
-          <a:ext cx="0" cy="0"/>
-          <a:chOff x="0" y="0"/>
-          <a:chExt cx="0" cy="0"/>
-        </a:xfrm>
-      </p:grpSpPr>
       <p:pic>
         <p:nvPicPr>
           <p:cNvPr id="6" name="Picture 5" descr="RichFeederPeripheral_k.png"/>
@@ -7529,7 +3936,7 @@
 </p:sld>
 </file>
 
-<file path=ppt/slides/slide9.xml><?xml version="1.0" encoding="utf-8"?>
+<file path=ppt/slides/slide11.xml><?xml version="1.0" encoding="utf-8"?>
 <p:sld xmlns:a="http://schemas.openxmlformats.org/drawingml/2006/main" xmlns:r="http://schemas.openxmlformats.org/officeDocument/2006/relationships" xmlns:p="http://schemas.openxmlformats.org/presentationml/2006/main">
   <p:cSld>
     <p:spTree>
@@ -8731,6 +5138,5230 @@
 </p:sld>
 </file>
 
+<file path=ppt/slides/slide12.xml><?xml version="1.0" encoding="utf-8"?>
+<p:sld xmlns:a="http://schemas.openxmlformats.org/drawingml/2006/main" xmlns:r="http://schemas.openxmlformats.org/officeDocument/2006/relationships" xmlns:p="http://schemas.openxmlformats.org/presentationml/2006/main">
+  <p:cSld>
+    <p:spTree>
+      <p:nvGrpSpPr>
+        <p:cNvPr id="1" name=""/>
+        <p:cNvGrpSpPr/>
+        <p:nvPr/>
+      </p:nvGrpSpPr>
+      <p:grpSpPr>
+        <a:xfrm>
+          <a:off x="0" y="0"/>
+          <a:ext cx="0" cy="0"/>
+          <a:chOff x="0" y="0"/>
+          <a:chExt cx="0" cy="0"/>
+        </a:xfrm>
+      </p:grpSpPr>
+      <p:grpSp>
+        <p:nvGrpSpPr>
+          <p:cNvPr id="8" name="Group 7"/>
+          <p:cNvGrpSpPr/>
+          <p:nvPr/>
+        </p:nvGrpSpPr>
+        <p:grpSpPr>
+          <a:xfrm>
+            <a:off x="0" y="723902"/>
+            <a:ext cx="9144000" cy="5402687"/>
+            <a:chOff x="0" y="723900"/>
+            <a:chExt cx="9144000" cy="5402687"/>
+          </a:xfrm>
+        </p:grpSpPr>
+        <p:pic>
+          <p:nvPicPr>
+            <p:cNvPr id="6" name="Picture 5" descr="RichFeederPeripheral_k.png"/>
+            <p:cNvPicPr>
+              <a:picLocks noChangeAspect="1"/>
+            </p:cNvPicPr>
+            <p:nvPr/>
+          </p:nvPicPr>
+          <p:blipFill>
+            <a:blip r:embed="rId2">
+              <a:extLst>
+                <a:ext uri="{28A0092B-C50C-407E-A947-70E740481C1C}">
+                  <a14:useLocalDpi xmlns:a14="http://schemas.microsoft.com/office/drawing/2010/main" val="0"/>
+                </a:ext>
+              </a:extLst>
+            </a:blip>
+            <a:stretch>
+              <a:fillRect/>
+            </a:stretch>
+          </p:blipFill>
+          <p:spPr>
+            <a:xfrm>
+              <a:off x="0" y="723900"/>
+              <a:ext cx="9144000" cy="5402687"/>
+            </a:xfrm>
+            <a:prstGeom prst="rect">
+              <a:avLst/>
+            </a:prstGeom>
+          </p:spPr>
+        </p:pic>
+        <p:sp>
+          <p:nvSpPr>
+            <p:cNvPr id="7" name="TextBox 6"/>
+            <p:cNvSpPr txBox="1"/>
+            <p:nvPr/>
+          </p:nvSpPr>
+          <p:spPr>
+            <a:xfrm>
+              <a:off x="6601299" y="2276942"/>
+              <a:ext cx="1599832" cy="1200328"/>
+            </a:xfrm>
+            <a:prstGeom prst="rect">
+              <a:avLst/>
+            </a:prstGeom>
+            <a:noFill/>
+          </p:spPr>
+          <p:txBody>
+            <a:bodyPr wrap="square" rtlCol="0">
+              <a:spAutoFit/>
+            </a:bodyPr>
+            <a:lstStyle/>
+            <a:p>
+              <a:r>
+                <a:rPr lang="en-US" sz="2400" dirty="0" smtClean="0">
+                  <a:solidFill>
+                    <a:srgbClr val="FF0000"/>
+                  </a:solidFill>
+                </a:rPr>
+                <a:t>Rich</a:t>
+              </a:r>
+            </a:p>
+            <a:p>
+              <a:r>
+                <a:rPr lang="en-US" sz="2400" dirty="0" smtClean="0">
+                  <a:solidFill>
+                    <a:srgbClr val="FFCB49"/>
+                  </a:solidFill>
+                </a:rPr>
+                <a:t>Feeder</a:t>
+              </a:r>
+            </a:p>
+            <a:p>
+              <a:r>
+                <a:rPr lang="en-US" sz="2400" dirty="0" smtClean="0">
+                  <a:solidFill>
+                    <a:srgbClr val="A8E882"/>
+                  </a:solidFill>
+                </a:rPr>
+                <a:t>Peripheral</a:t>
+              </a:r>
+              <a:endParaRPr lang="en-US" sz="2400" dirty="0">
+                <a:solidFill>
+                  <a:srgbClr val="A8E882"/>
+                </a:solidFill>
+              </a:endParaRPr>
+            </a:p>
+          </p:txBody>
+        </p:sp>
+      </p:grpSp>
+    </p:spTree>
+    <p:extLst>
+      <p:ext uri="{BB962C8B-B14F-4D97-AF65-F5344CB8AC3E}">
+        <p14:creationId xmlns:p14="http://schemas.microsoft.com/office/powerpoint/2010/main" val="812078241"/>
+      </p:ext>
+    </p:extLst>
+  </p:cSld>
+  <p:clrMapOvr>
+    <a:masterClrMapping/>
+  </p:clrMapOvr>
+</p:sld>
+</file>
+
+<file path=ppt/slides/slide13.xml><?xml version="1.0" encoding="utf-8"?>
+<p:sld xmlns:a="http://schemas.openxmlformats.org/drawingml/2006/main" xmlns:r="http://schemas.openxmlformats.org/officeDocument/2006/relationships" xmlns:p="http://schemas.openxmlformats.org/presentationml/2006/main">
+  <p:cSld>
+    <p:spTree>
+      <p:nvGrpSpPr>
+        <p:cNvPr id="1" name=""/>
+        <p:cNvGrpSpPr/>
+        <p:nvPr/>
+      </p:nvGrpSpPr>
+      <p:grpSpPr>
+        <a:xfrm>
+          <a:off x="0" y="0"/>
+          <a:ext cx="0" cy="0"/>
+          <a:chOff x="0" y="0"/>
+          <a:chExt cx="0" cy="0"/>
+        </a:xfrm>
+      </p:grpSpPr>
+      <p:grpSp>
+        <p:nvGrpSpPr>
+          <p:cNvPr id="8" name="Group 7"/>
+          <p:cNvGrpSpPr/>
+          <p:nvPr/>
+        </p:nvGrpSpPr>
+        <p:grpSpPr>
+          <a:xfrm>
+            <a:off x="260350" y="2197100"/>
+            <a:ext cx="3556000" cy="2482850"/>
+            <a:chOff x="2794000" y="1752600"/>
+            <a:chExt cx="3556000" cy="2482850"/>
+          </a:xfrm>
+        </p:grpSpPr>
+        <p:sp>
+          <p:nvSpPr>
+            <p:cNvPr id="5" name="Rectangle 4"/>
+            <p:cNvSpPr/>
+            <p:nvPr/>
+          </p:nvSpPr>
+          <p:spPr>
+            <a:xfrm>
+              <a:off x="2794000" y="1752600"/>
+              <a:ext cx="3556000" cy="2482850"/>
+            </a:xfrm>
+            <a:prstGeom prst="rect">
+              <a:avLst/>
+            </a:prstGeom>
+            <a:ln>
+              <a:solidFill>
+                <a:srgbClr val="FFFFFF"/>
+              </a:solidFill>
+            </a:ln>
+          </p:spPr>
+          <p:style>
+            <a:lnRef idx="2">
+              <a:schemeClr val="accent1"/>
+            </a:lnRef>
+            <a:fillRef idx="1">
+              <a:schemeClr val="lt1"/>
+            </a:fillRef>
+            <a:effectRef idx="0">
+              <a:schemeClr val="accent1"/>
+            </a:effectRef>
+            <a:fontRef idx="minor">
+              <a:schemeClr val="dk1"/>
+            </a:fontRef>
+          </p:style>
+          <p:txBody>
+            <a:bodyPr rtlCol="0" anchor="ctr"/>
+            <a:lstStyle/>
+            <a:p>
+              <a:pPr algn="ctr"/>
+              <a:endParaRPr lang="en-US"/>
+            </a:p>
+          </p:txBody>
+        </p:sp>
+        <p:pic>
+          <p:nvPicPr>
+            <p:cNvPr id="6" name="Picture 5"/>
+            <p:cNvPicPr>
+              <a:picLocks noChangeAspect="1"/>
+            </p:cNvPicPr>
+            <p:nvPr/>
+          </p:nvPicPr>
+          <p:blipFill>
+            <a:blip r:embed="rId2"/>
+            <a:stretch>
+              <a:fillRect/>
+            </a:stretch>
+          </p:blipFill>
+          <p:spPr>
+            <a:xfrm>
+              <a:off x="2997200" y="1822450"/>
+              <a:ext cx="3136900" cy="2286535"/>
+            </a:xfrm>
+            <a:prstGeom prst="rect">
+              <a:avLst/>
+            </a:prstGeom>
+          </p:spPr>
+        </p:pic>
+        <p:sp>
+          <p:nvSpPr>
+            <p:cNvPr id="7" name="TextBox 6"/>
+            <p:cNvSpPr txBox="1"/>
+            <p:nvPr/>
+          </p:nvSpPr>
+          <p:spPr>
+            <a:xfrm>
+              <a:off x="4559300" y="2525931"/>
+              <a:ext cx="1574800" cy="646331"/>
+            </a:xfrm>
+            <a:prstGeom prst="rect">
+              <a:avLst/>
+            </a:prstGeom>
+            <a:noFill/>
+          </p:spPr>
+          <p:txBody>
+            <a:bodyPr wrap="square" rtlCol="0">
+              <a:spAutoFit/>
+            </a:bodyPr>
+            <a:lstStyle/>
+            <a:p>
+              <a:pPr algn="r"/>
+              <a:r>
+                <a:rPr lang="en-US" sz="1200" b="1" dirty="0" smtClean="0">
+                  <a:solidFill>
+                    <a:srgbClr val="FF0000"/>
+                  </a:solidFill>
+                </a:rPr>
+                <a:t>Rich</a:t>
+              </a:r>
+            </a:p>
+            <a:p>
+              <a:pPr algn="r"/>
+              <a:r>
+                <a:rPr lang="en-US" sz="1200" b="1" dirty="0" smtClean="0">
+                  <a:solidFill>
+                    <a:srgbClr val="FFCB49"/>
+                  </a:solidFill>
+                </a:rPr>
+                <a:t>Feeder</a:t>
+              </a:r>
+            </a:p>
+            <a:p>
+              <a:pPr algn="r"/>
+              <a:r>
+                <a:rPr lang="en-US" sz="1200" b="1" dirty="0" smtClean="0">
+                  <a:solidFill>
+                    <a:srgbClr val="A8E882"/>
+                  </a:solidFill>
+                </a:rPr>
+                <a:t>Peripheral</a:t>
+              </a:r>
+              <a:endParaRPr lang="en-US" sz="1200" b="1" dirty="0">
+                <a:solidFill>
+                  <a:srgbClr val="A8E882"/>
+                </a:solidFill>
+              </a:endParaRPr>
+            </a:p>
+          </p:txBody>
+        </p:sp>
+      </p:grpSp>
+      <p:pic>
+        <p:nvPicPr>
+          <p:cNvPr id="10" name="Picture 9"/>
+          <p:cNvPicPr>
+            <a:picLocks noChangeAspect="1"/>
+          </p:cNvPicPr>
+          <p:nvPr/>
+        </p:nvPicPr>
+        <p:blipFill>
+          <a:blip r:embed="rId3"/>
+          <a:stretch>
+            <a:fillRect/>
+          </a:stretch>
+        </p:blipFill>
+        <p:spPr>
+          <a:xfrm>
+            <a:off x="3860800" y="2266950"/>
+            <a:ext cx="3086100" cy="2378629"/>
+          </a:xfrm>
+          <a:prstGeom prst="rect">
+            <a:avLst/>
+          </a:prstGeom>
+        </p:spPr>
+      </p:pic>
+    </p:spTree>
+    <p:extLst>
+      <p:ext uri="{BB962C8B-B14F-4D97-AF65-F5344CB8AC3E}">
+        <p14:creationId xmlns:p14="http://schemas.microsoft.com/office/powerpoint/2010/main" val="728557690"/>
+      </p:ext>
+    </p:extLst>
+  </p:cSld>
+  <p:clrMapOvr>
+    <a:masterClrMapping/>
+  </p:clrMapOvr>
+</p:sld>
+</file>
+
+<file path=ppt/slides/slide14.xml><?xml version="1.0" encoding="utf-8"?>
+<p:sld xmlns:a="http://schemas.openxmlformats.org/drawingml/2006/main" xmlns:r="http://schemas.openxmlformats.org/officeDocument/2006/relationships" xmlns:p="http://schemas.openxmlformats.org/presentationml/2006/main">
+  <p:cSld>
+    <p:spTree>
+      <p:nvGrpSpPr>
+        <p:cNvPr id="1" name=""/>
+        <p:cNvGrpSpPr/>
+        <p:nvPr/>
+      </p:nvGrpSpPr>
+      <p:grpSpPr>
+        <a:xfrm>
+          <a:off x="0" y="0"/>
+          <a:ext cx="0" cy="0"/>
+          <a:chOff x="0" y="0"/>
+          <a:chExt cx="0" cy="0"/>
+        </a:xfrm>
+      </p:grpSpPr>
+      <p:pic>
+        <p:nvPicPr>
+          <p:cNvPr id="4" name="Picture 3"/>
+          <p:cNvPicPr>
+            <a:picLocks noChangeAspect="1"/>
+          </p:cNvPicPr>
+          <p:nvPr/>
+        </p:nvPicPr>
+        <p:blipFill rotWithShape="1">
+          <a:blip r:embed="rId2"/>
+          <a:srcRect l="616" r="582" b="616"/>
+          <a:stretch/>
+        </p:blipFill>
+        <p:spPr>
+          <a:xfrm>
+            <a:off x="984526" y="0"/>
+            <a:ext cx="7171307" cy="6815766"/>
+          </a:xfrm>
+          <a:prstGeom prst="rect">
+            <a:avLst/>
+          </a:prstGeom>
+        </p:spPr>
+      </p:pic>
+    </p:spTree>
+    <p:extLst>
+      <p:ext uri="{BB962C8B-B14F-4D97-AF65-F5344CB8AC3E}">
+        <p14:creationId xmlns:p14="http://schemas.microsoft.com/office/powerpoint/2010/main" val="2449910279"/>
+      </p:ext>
+    </p:extLst>
+  </p:cSld>
+  <p:clrMapOvr>
+    <a:masterClrMapping/>
+  </p:clrMapOvr>
+</p:sld>
+</file>
+
+<file path=ppt/slides/slide15.xml><?xml version="1.0" encoding="utf-8"?>
+<p:sld xmlns:a="http://schemas.openxmlformats.org/drawingml/2006/main" xmlns:r="http://schemas.openxmlformats.org/officeDocument/2006/relationships" xmlns:p="http://schemas.openxmlformats.org/presentationml/2006/main">
+  <p:cSld>
+    <p:spTree>
+      <p:nvGrpSpPr>
+        <p:cNvPr id="1" name=""/>
+        <p:cNvGrpSpPr/>
+        <p:nvPr/>
+      </p:nvGrpSpPr>
+      <p:grpSpPr>
+        <a:xfrm>
+          <a:off x="0" y="0"/>
+          <a:ext cx="0" cy="0"/>
+          <a:chOff x="0" y="0"/>
+          <a:chExt cx="0" cy="0"/>
+        </a:xfrm>
+      </p:grpSpPr>
+      <p:pic>
+        <p:nvPicPr>
+          <p:cNvPr id="4" name="Picture 3"/>
+          <p:cNvPicPr/>
+          <p:nvPr/>
+        </p:nvPicPr>
+        <p:blipFill rotWithShape="1">
+          <a:blip r:embed="rId2">
+            <a:extLst>
+              <a:ext uri="{28A0092B-C50C-407E-A947-70E740481C1C}">
+                <a14:useLocalDpi xmlns:a14="http://schemas.microsoft.com/office/drawing/2010/main" val="0"/>
+              </a:ext>
+            </a:extLst>
+          </a:blip>
+          <a:srcRect l="7551" t="6161" r="8594"/>
+          <a:stretch/>
+        </p:blipFill>
+        <p:spPr bwMode="auto">
+          <a:xfrm>
+            <a:off x="1771650" y="1467802"/>
+            <a:ext cx="5600700" cy="3922395"/>
+          </a:xfrm>
+          <a:prstGeom prst="rect">
+            <a:avLst/>
+          </a:prstGeom>
+          <a:ln>
+            <a:noFill/>
+          </a:ln>
+          <a:extLst>
+            <a:ext uri="{53640926-AAD7-44d8-BBD7-CCE9431645EC}">
+              <a14:shadowObscured xmlns:a14="http://schemas.microsoft.com/office/drawing/2010/main"/>
+            </a:ext>
+          </a:extLst>
+        </p:spPr>
+      </p:pic>
+    </p:spTree>
+    <p:extLst>
+      <p:ext uri="{BB962C8B-B14F-4D97-AF65-F5344CB8AC3E}">
+        <p14:creationId xmlns:p14="http://schemas.microsoft.com/office/powerpoint/2010/main" val="319448184"/>
+      </p:ext>
+    </p:extLst>
+  </p:cSld>
+  <p:clrMapOvr>
+    <a:masterClrMapping/>
+  </p:clrMapOvr>
+</p:sld>
+</file>
+
+<file path=ppt/slides/slide16.xml><?xml version="1.0" encoding="utf-8"?>
+<p:sld xmlns:a="http://schemas.openxmlformats.org/drawingml/2006/main" xmlns:r="http://schemas.openxmlformats.org/officeDocument/2006/relationships" xmlns:p="http://schemas.openxmlformats.org/presentationml/2006/main">
+  <p:cSld>
+    <p:spTree>
+      <p:nvGrpSpPr>
+        <p:cNvPr id="1" name=""/>
+        <p:cNvGrpSpPr/>
+        <p:nvPr/>
+      </p:nvGrpSpPr>
+      <p:grpSpPr>
+        <a:xfrm>
+          <a:off x="0" y="0"/>
+          <a:ext cx="0" cy="0"/>
+          <a:chOff x="0" y="0"/>
+          <a:chExt cx="0" cy="0"/>
+        </a:xfrm>
+      </p:grpSpPr>
+      <p:sp>
+        <p:nvSpPr>
+          <p:cNvPr id="2" name="Title 1"/>
+          <p:cNvSpPr>
+            <a:spLocks noGrp="1"/>
+          </p:cNvSpPr>
+          <p:nvPr>
+            <p:ph type="title"/>
+          </p:nvPr>
+        </p:nvSpPr>
+        <p:spPr/>
+        <p:txBody>
+          <a:bodyPr/>
+          <a:lstStyle/>
+          <a:p>
+            <a:endParaRPr lang="en-US"/>
+          </a:p>
+        </p:txBody>
+      </p:sp>
+      <p:grpSp>
+        <p:nvGrpSpPr>
+          <p:cNvPr id="6" name="Group 5"/>
+          <p:cNvGrpSpPr/>
+          <p:nvPr/>
+        </p:nvGrpSpPr>
+        <p:grpSpPr>
+          <a:xfrm>
+            <a:off x="1111488" y="1629116"/>
+            <a:ext cx="7047872" cy="4502518"/>
+            <a:chOff x="1111488" y="1629116"/>
+            <a:chExt cx="7047872" cy="4502518"/>
+          </a:xfrm>
+        </p:grpSpPr>
+        <p:pic>
+          <p:nvPicPr>
+            <p:cNvPr id="4" name="Picture 3" descr="RCcurve.jpg"/>
+            <p:cNvPicPr>
+              <a:picLocks noChangeAspect="1"/>
+            </p:cNvPicPr>
+            <p:nvPr/>
+          </p:nvPicPr>
+          <p:blipFill rotWithShape="1">
+            <a:blip r:embed="rId2">
+              <a:extLst>
+                <a:ext uri="{28A0092B-C50C-407E-A947-70E740481C1C}">
+                  <a14:useLocalDpi xmlns:a14="http://schemas.microsoft.com/office/drawing/2010/main" val="0"/>
+                </a:ext>
+              </a:extLst>
+            </a:blip>
+            <a:srcRect l="5000" t="3608" r="17924" b="4410"/>
+            <a:stretch/>
+          </p:blipFill>
+          <p:spPr>
+            <a:xfrm>
+              <a:off x="1111488" y="1629116"/>
+              <a:ext cx="7047872" cy="4502518"/>
+            </a:xfrm>
+            <a:prstGeom prst="rect">
+              <a:avLst/>
+            </a:prstGeom>
+          </p:spPr>
+        </p:pic>
+        <p:sp>
+          <p:nvSpPr>
+            <p:cNvPr id="5" name="TextBox 4"/>
+            <p:cNvSpPr txBox="1"/>
+            <p:nvPr/>
+          </p:nvSpPr>
+          <p:spPr>
+            <a:xfrm>
+              <a:off x="6088132" y="2751568"/>
+              <a:ext cx="1599832" cy="1200328"/>
+            </a:xfrm>
+            <a:prstGeom prst="rect">
+              <a:avLst/>
+            </a:prstGeom>
+            <a:noFill/>
+          </p:spPr>
+          <p:txBody>
+            <a:bodyPr wrap="square" rtlCol="0">
+              <a:spAutoFit/>
+            </a:bodyPr>
+            <a:lstStyle/>
+            <a:p>
+              <a:r>
+                <a:rPr lang="en-US" sz="2400" b="1" dirty="0" smtClean="0">
+                  <a:solidFill>
+                    <a:srgbClr val="FF0000"/>
+                  </a:solidFill>
+                </a:rPr>
+                <a:t>Rich</a:t>
+              </a:r>
+            </a:p>
+            <a:p>
+              <a:r>
+                <a:rPr lang="en-US" sz="2400" b="1" dirty="0" smtClean="0">
+                  <a:solidFill>
+                    <a:srgbClr val="FFCB49"/>
+                  </a:solidFill>
+                </a:rPr>
+                <a:t>Feeder</a:t>
+              </a:r>
+            </a:p>
+            <a:p>
+              <a:r>
+                <a:rPr lang="en-US" sz="2400" b="1" dirty="0" smtClean="0">
+                  <a:solidFill>
+                    <a:srgbClr val="A8E882"/>
+                  </a:solidFill>
+                </a:rPr>
+                <a:t>Peripheral</a:t>
+              </a:r>
+              <a:endParaRPr lang="en-US" sz="2400" b="1" dirty="0">
+                <a:solidFill>
+                  <a:srgbClr val="A8E882"/>
+                </a:solidFill>
+              </a:endParaRPr>
+            </a:p>
+          </p:txBody>
+        </p:sp>
+      </p:grpSp>
+    </p:spTree>
+    <p:extLst>
+      <p:ext uri="{BB962C8B-B14F-4D97-AF65-F5344CB8AC3E}">
+        <p14:creationId xmlns:p14="http://schemas.microsoft.com/office/powerpoint/2010/main" val="928062497"/>
+      </p:ext>
+    </p:extLst>
+  </p:cSld>
+  <p:clrMapOvr>
+    <a:masterClrMapping/>
+  </p:clrMapOvr>
+</p:sld>
+</file>
+
+<file path=ppt/slides/slide2.xml><?xml version="1.0" encoding="utf-8"?>
+<p:sld xmlns:a="http://schemas.openxmlformats.org/drawingml/2006/main" xmlns:r="http://schemas.openxmlformats.org/officeDocument/2006/relationships" xmlns:p="http://schemas.openxmlformats.org/presentationml/2006/main">
+  <p:cSld>
+    <p:spTree>
+      <p:nvGrpSpPr>
+        <p:cNvPr id="1" name=""/>
+        <p:cNvGrpSpPr/>
+        <p:nvPr/>
+      </p:nvGrpSpPr>
+      <p:grpSpPr>
+        <a:xfrm>
+          <a:off x="0" y="0"/>
+          <a:ext cx="0" cy="0"/>
+          <a:chOff x="0" y="0"/>
+          <a:chExt cx="0" cy="0"/>
+        </a:xfrm>
+      </p:grpSpPr>
+      <p:grpSp>
+        <p:nvGrpSpPr>
+          <p:cNvPr id="16" name="Group 15"/>
+          <p:cNvGrpSpPr/>
+          <p:nvPr/>
+        </p:nvGrpSpPr>
+        <p:grpSpPr>
+          <a:xfrm>
+            <a:off x="526556" y="903911"/>
+            <a:ext cx="7825174" cy="5222676"/>
+            <a:chOff x="526556" y="903911"/>
+            <a:chExt cx="7825174" cy="5222676"/>
+          </a:xfrm>
+        </p:grpSpPr>
+        <p:grpSp>
+          <p:nvGrpSpPr>
+            <p:cNvPr id="6" name="Group 5"/>
+            <p:cNvGrpSpPr/>
+            <p:nvPr/>
+          </p:nvGrpSpPr>
+          <p:grpSpPr>
+            <a:xfrm>
+              <a:off x="526556" y="1018331"/>
+              <a:ext cx="7825174" cy="5108256"/>
+              <a:chOff x="526556" y="1018331"/>
+              <a:chExt cx="7825174" cy="5108256"/>
+            </a:xfrm>
+          </p:grpSpPr>
+          <p:pic>
+            <p:nvPicPr>
+              <p:cNvPr id="4" name="Picture 3" descr="coexpressionCategory.png"/>
+              <p:cNvPicPr>
+                <a:picLocks noChangeAspect="1"/>
+              </p:cNvPicPr>
+              <p:nvPr/>
+            </p:nvPicPr>
+            <p:blipFill rotWithShape="1">
+              <a:blip r:embed="rId2">
+                <a:extLst>
+                  <a:ext uri="{28A0092B-C50C-407E-A947-70E740481C1C}">
+                    <a14:useLocalDpi xmlns:a14="http://schemas.microsoft.com/office/drawing/2010/main" val="0"/>
+                  </a:ext>
+                </a:extLst>
+              </a:blip>
+              <a:srcRect l="5758" t="5450" r="8664"/>
+              <a:stretch/>
+            </p:blipFill>
+            <p:spPr>
+              <a:xfrm>
+                <a:off x="526556" y="1018331"/>
+                <a:ext cx="7825174" cy="5108256"/>
+              </a:xfrm>
+              <a:prstGeom prst="rect">
+                <a:avLst/>
+              </a:prstGeom>
+            </p:spPr>
+          </p:pic>
+          <p:sp>
+            <p:nvSpPr>
+              <p:cNvPr id="5" name="Rectangle 4"/>
+              <p:cNvSpPr/>
+              <p:nvPr/>
+            </p:nvSpPr>
+            <p:spPr>
+              <a:xfrm rot="16200000">
+                <a:off x="475407" y="2222718"/>
+                <a:ext cx="471629" cy="369332"/>
+              </a:xfrm>
+              <a:prstGeom prst="rect">
+                <a:avLst/>
+              </a:prstGeom>
+            </p:spPr>
+            <p:txBody>
+              <a:bodyPr wrap="none">
+                <a:spAutoFit/>
+              </a:bodyPr>
+              <a:lstStyle/>
+              <a:p>
+                <a:r>
+                  <a:rPr lang="en-AU" dirty="0" smtClean="0">
+                    <a:latin typeface="Times New Roman"/>
+                    <a:cs typeface="Times New Roman"/>
+                  </a:rPr>
+                  <a:t>(</a:t>
+                </a:r>
+                <a:r>
+                  <a:rPr lang="el-GR" dirty="0" smtClean="0">
+                    <a:latin typeface="Times New Roman"/>
+                    <a:cs typeface="Times New Roman"/>
+                  </a:rPr>
+                  <a:t>φ</a:t>
+                </a:r>
+                <a:r>
+                  <a:rPr lang="en-AU" dirty="0" smtClean="0">
+                    <a:latin typeface="Times New Roman"/>
+                    <a:cs typeface="Times New Roman"/>
+                  </a:rPr>
+                  <a:t>)</a:t>
+                </a:r>
+                <a:endParaRPr lang="en-US" dirty="0">
+                  <a:latin typeface="Times New Roman"/>
+                  <a:cs typeface="Times New Roman"/>
+                </a:endParaRPr>
+              </a:p>
+            </p:txBody>
+          </p:sp>
+        </p:grpSp>
+        <p:cxnSp>
+          <p:nvCxnSpPr>
+            <p:cNvPr id="7" name="Straight Connector 6"/>
+            <p:cNvCxnSpPr/>
+            <p:nvPr/>
+          </p:nvCxnSpPr>
+          <p:spPr>
+            <a:xfrm>
+              <a:off x="2333908" y="1664900"/>
+              <a:ext cx="2306035" cy="0"/>
+            </a:xfrm>
+            <a:prstGeom prst="line">
+              <a:avLst/>
+            </a:prstGeom>
+          </p:spPr>
+          <p:style>
+            <a:lnRef idx="2">
+              <a:schemeClr val="dk1"/>
+            </a:lnRef>
+            <a:fillRef idx="0">
+              <a:schemeClr val="dk1"/>
+            </a:fillRef>
+            <a:effectRef idx="1">
+              <a:schemeClr val="dk1"/>
+            </a:effectRef>
+            <a:fontRef idx="minor">
+              <a:schemeClr val="tx1"/>
+            </a:fontRef>
+          </p:style>
+        </p:cxnSp>
+        <p:sp>
+          <p:nvSpPr>
+            <p:cNvPr id="8" name="TextBox 7"/>
+            <p:cNvSpPr txBox="1"/>
+            <p:nvPr/>
+          </p:nvSpPr>
+          <p:spPr>
+            <a:xfrm>
+              <a:off x="2873076" y="1407301"/>
+              <a:ext cx="1082348" cy="584776"/>
+            </a:xfrm>
+            <a:prstGeom prst="rect">
+              <a:avLst/>
+            </a:prstGeom>
+            <a:solidFill>
+              <a:schemeClr val="bg1"/>
+            </a:solidFill>
+          </p:spPr>
+          <p:txBody>
+            <a:bodyPr wrap="none" rtlCol="0">
+              <a:spAutoFit/>
+            </a:bodyPr>
+            <a:lstStyle/>
+            <a:p>
+              <a:pPr algn="ctr"/>
+              <a:r>
+                <a:rPr lang="en-US" sz="1600" dirty="0" smtClean="0">
+                  <a:latin typeface="Times New Roman"/>
+                  <a:cs typeface="Times New Roman"/>
+                </a:rPr>
+                <a:t>** p &lt; 10</a:t>
+              </a:r>
+              <a:r>
+                <a:rPr lang="en-US" sz="1600" baseline="30000" dirty="0" smtClean="0">
+                  <a:latin typeface="Times New Roman"/>
+                  <a:cs typeface="Times New Roman"/>
+                </a:rPr>
+                <a:t>-4</a:t>
+              </a:r>
+            </a:p>
+            <a:p>
+              <a:pPr algn="ctr"/>
+              <a:r>
+                <a:rPr lang="en-US" sz="1600" dirty="0">
+                  <a:latin typeface="Times New Roman"/>
+                  <a:cs typeface="Times New Roman"/>
+                </a:rPr>
+                <a:t>t</a:t>
+              </a:r>
+              <a:r>
+                <a:rPr lang="en-US" sz="1600" dirty="0" smtClean="0">
+                  <a:latin typeface="Times New Roman"/>
+                  <a:cs typeface="Times New Roman"/>
+                </a:rPr>
+                <a:t>=-4.13</a:t>
+              </a:r>
+              <a:endParaRPr lang="en-US" sz="1600" dirty="0">
+                <a:latin typeface="Times New Roman"/>
+                <a:cs typeface="Times New Roman"/>
+              </a:endParaRPr>
+            </a:p>
+          </p:txBody>
+        </p:sp>
+        <p:cxnSp>
+          <p:nvCxnSpPr>
+            <p:cNvPr id="13" name="Straight Connector 12"/>
+            <p:cNvCxnSpPr/>
+            <p:nvPr/>
+          </p:nvCxnSpPr>
+          <p:spPr>
+            <a:xfrm>
+              <a:off x="2333908" y="1209960"/>
+              <a:ext cx="4793664" cy="0"/>
+            </a:xfrm>
+            <a:prstGeom prst="line">
+              <a:avLst/>
+            </a:prstGeom>
+          </p:spPr>
+          <p:style>
+            <a:lnRef idx="2">
+              <a:schemeClr val="dk1"/>
+            </a:lnRef>
+            <a:fillRef idx="0">
+              <a:schemeClr val="dk1"/>
+            </a:fillRef>
+            <a:effectRef idx="1">
+              <a:schemeClr val="dk1"/>
+            </a:effectRef>
+            <a:fontRef idx="minor">
+              <a:schemeClr val="tx1"/>
+            </a:fontRef>
+          </p:style>
+        </p:cxnSp>
+        <p:sp>
+          <p:nvSpPr>
+            <p:cNvPr id="14" name="TextBox 13"/>
+            <p:cNvSpPr txBox="1"/>
+            <p:nvPr/>
+          </p:nvSpPr>
+          <p:spPr>
+            <a:xfrm>
+              <a:off x="4303170" y="903911"/>
+              <a:ext cx="1082348" cy="584776"/>
+            </a:xfrm>
+            <a:prstGeom prst="rect">
+              <a:avLst/>
+            </a:prstGeom>
+            <a:solidFill>
+              <a:schemeClr val="bg1"/>
+            </a:solidFill>
+          </p:spPr>
+          <p:txBody>
+            <a:bodyPr wrap="none" rtlCol="0">
+              <a:spAutoFit/>
+            </a:bodyPr>
+            <a:lstStyle/>
+            <a:p>
+              <a:pPr algn="ctr"/>
+              <a:r>
+                <a:rPr lang="en-US" sz="1600" dirty="0" smtClean="0">
+                  <a:latin typeface="Times New Roman"/>
+                  <a:cs typeface="Times New Roman"/>
+                </a:rPr>
+                <a:t>** p &lt; 10</a:t>
+              </a:r>
+              <a:r>
+                <a:rPr lang="en-US" sz="1600" baseline="30000" dirty="0" smtClean="0">
+                  <a:latin typeface="Times New Roman"/>
+                  <a:cs typeface="Times New Roman"/>
+                </a:rPr>
+                <a:t>-6</a:t>
+              </a:r>
+            </a:p>
+            <a:p>
+              <a:pPr algn="ctr"/>
+              <a:r>
+                <a:rPr lang="en-US" sz="1600" dirty="0">
+                  <a:latin typeface="Times New Roman"/>
+                  <a:cs typeface="Times New Roman"/>
+                </a:rPr>
+                <a:t>t</a:t>
+              </a:r>
+              <a:r>
+                <a:rPr lang="en-US" sz="1600" dirty="0" smtClean="0">
+                  <a:latin typeface="Times New Roman"/>
+                  <a:cs typeface="Times New Roman"/>
+                </a:rPr>
+                <a:t>=-5.34</a:t>
+              </a:r>
+              <a:endParaRPr lang="en-US" sz="1600" dirty="0">
+                <a:latin typeface="Times New Roman"/>
+                <a:cs typeface="Times New Roman"/>
+              </a:endParaRPr>
+            </a:p>
+          </p:txBody>
+        </p:sp>
+      </p:grpSp>
+    </p:spTree>
+    <p:extLst>
+      <p:ext uri="{BB962C8B-B14F-4D97-AF65-F5344CB8AC3E}">
+        <p14:creationId xmlns:p14="http://schemas.microsoft.com/office/powerpoint/2010/main" val="3755518549"/>
+      </p:ext>
+    </p:extLst>
+  </p:cSld>
+  <p:clrMapOvr>
+    <a:masterClrMapping/>
+  </p:clrMapOvr>
+</p:sld>
+</file>
+
+<file path=ppt/slides/slide3.xml><?xml version="1.0" encoding="utf-8"?>
+<p:sld xmlns:a="http://schemas.openxmlformats.org/drawingml/2006/main" xmlns:r="http://schemas.openxmlformats.org/officeDocument/2006/relationships" xmlns:p="http://schemas.openxmlformats.org/presentationml/2006/main">
+  <p:cSld>
+    <p:spTree>
+      <p:nvGrpSpPr>
+        <p:cNvPr id="1" name=""/>
+        <p:cNvGrpSpPr/>
+        <p:nvPr/>
+      </p:nvGrpSpPr>
+      <p:grpSpPr>
+        <a:xfrm>
+          <a:off x="0" y="0"/>
+          <a:ext cx="0" cy="0"/>
+          <a:chOff x="0" y="0"/>
+          <a:chExt cx="0" cy="0"/>
+        </a:xfrm>
+      </p:grpSpPr>
+      <p:sp>
+        <p:nvSpPr>
+          <p:cNvPr id="2" name="Rectangle 1"/>
+          <p:cNvSpPr/>
+          <p:nvPr/>
+        </p:nvSpPr>
+        <p:spPr>
+          <a:xfrm>
+            <a:off x="869950" y="88900"/>
+            <a:ext cx="7569200" cy="6699250"/>
+          </a:xfrm>
+          <a:prstGeom prst="rect">
+            <a:avLst/>
+          </a:prstGeom>
+          <a:solidFill>
+            <a:srgbClr val="FFFFFF"/>
+          </a:solidFill>
+          <a:ln>
+            <a:solidFill>
+              <a:srgbClr val="FFFFFF"/>
+            </a:solidFill>
+          </a:ln>
+        </p:spPr>
+        <p:style>
+          <a:lnRef idx="2">
+            <a:schemeClr val="accent1"/>
+          </a:lnRef>
+          <a:fillRef idx="1">
+            <a:schemeClr val="lt1"/>
+          </a:fillRef>
+          <a:effectRef idx="0">
+            <a:schemeClr val="accent1"/>
+          </a:effectRef>
+          <a:fontRef idx="minor">
+            <a:schemeClr val="dk1"/>
+          </a:fontRef>
+        </p:style>
+        <p:txBody>
+          <a:bodyPr rtlCol="0" anchor="ctr"/>
+          <a:lstStyle/>
+          <a:p>
+            <a:pPr algn="ctr"/>
+            <a:endParaRPr lang="en-US"/>
+          </a:p>
+        </p:txBody>
+      </p:sp>
+      <p:grpSp>
+        <p:nvGrpSpPr>
+          <p:cNvPr id="15" name="Group 14"/>
+          <p:cNvGrpSpPr/>
+          <p:nvPr/>
+        </p:nvGrpSpPr>
+        <p:grpSpPr>
+          <a:xfrm>
+            <a:off x="1006347" y="234950"/>
+            <a:ext cx="7294255" cy="6423735"/>
+            <a:chOff x="655945" y="202347"/>
+            <a:chExt cx="7294255" cy="6423735"/>
+          </a:xfrm>
+        </p:grpSpPr>
+        <p:grpSp>
+          <p:nvGrpSpPr>
+            <p:cNvPr id="16" name="Group 15"/>
+            <p:cNvGrpSpPr/>
+            <p:nvPr/>
+          </p:nvGrpSpPr>
+          <p:grpSpPr>
+            <a:xfrm>
+              <a:off x="655945" y="202347"/>
+              <a:ext cx="7294255" cy="6423735"/>
+              <a:chOff x="655945" y="202347"/>
+              <a:chExt cx="7294255" cy="6423735"/>
+            </a:xfrm>
+          </p:grpSpPr>
+          <p:grpSp>
+            <p:nvGrpSpPr>
+              <p:cNvPr id="26" name="Group 25"/>
+              <p:cNvGrpSpPr/>
+              <p:nvPr/>
+            </p:nvGrpSpPr>
+            <p:grpSpPr>
+              <a:xfrm>
+                <a:off x="655945" y="557664"/>
+                <a:ext cx="7294255" cy="6068418"/>
+                <a:chOff x="655945" y="138564"/>
+                <a:chExt cx="7294255" cy="6068418"/>
+              </a:xfrm>
+            </p:grpSpPr>
+            <p:pic>
+              <p:nvPicPr>
+                <p:cNvPr id="32" name="Picture 31"/>
+                <p:cNvPicPr>
+                  <a:picLocks noChangeAspect="1"/>
+                </p:cNvPicPr>
+                <p:nvPr/>
+              </p:nvPicPr>
+              <p:blipFill>
+                <a:blip r:embed="rId2"/>
+                <a:stretch>
+                  <a:fillRect/>
+                </a:stretch>
+              </p:blipFill>
+              <p:spPr>
+                <a:xfrm>
+                  <a:off x="655945" y="3390900"/>
+                  <a:ext cx="2950855" cy="2816082"/>
+                </a:xfrm>
+                <a:prstGeom prst="rect">
+                  <a:avLst/>
+                </a:prstGeom>
+              </p:spPr>
+            </p:pic>
+            <p:pic>
+              <p:nvPicPr>
+                <p:cNvPr id="34" name="Picture 33"/>
+                <p:cNvPicPr>
+                  <a:picLocks noChangeAspect="1"/>
+                </p:cNvPicPr>
+                <p:nvPr/>
+              </p:nvPicPr>
+              <p:blipFill>
+                <a:blip r:embed="rId3"/>
+                <a:stretch>
+                  <a:fillRect/>
+                </a:stretch>
+              </p:blipFill>
+              <p:spPr>
+                <a:xfrm>
+                  <a:off x="737582" y="138564"/>
+                  <a:ext cx="7212618" cy="2919298"/>
+                </a:xfrm>
+                <a:prstGeom prst="rect">
+                  <a:avLst/>
+                </a:prstGeom>
+              </p:spPr>
+            </p:pic>
+            <p:pic>
+              <p:nvPicPr>
+                <p:cNvPr id="35" name="Picture 34"/>
+                <p:cNvPicPr>
+                  <a:picLocks noChangeAspect="1"/>
+                </p:cNvPicPr>
+                <p:nvPr/>
+              </p:nvPicPr>
+              <p:blipFill>
+                <a:blip r:embed="rId4"/>
+                <a:stretch>
+                  <a:fillRect/>
+                </a:stretch>
+              </p:blipFill>
+              <p:spPr>
+                <a:xfrm>
+                  <a:off x="4662508" y="3359150"/>
+                  <a:ext cx="3287692" cy="2825659"/>
+                </a:xfrm>
+                <a:prstGeom prst="rect">
+                  <a:avLst/>
+                </a:prstGeom>
+              </p:spPr>
+            </p:pic>
+          </p:grpSp>
+          <p:sp>
+            <p:nvSpPr>
+              <p:cNvPr id="27" name="TextBox 26"/>
+              <p:cNvSpPr txBox="1"/>
+              <p:nvPr/>
+            </p:nvSpPr>
+            <p:spPr>
+              <a:xfrm>
+                <a:off x="901700" y="202347"/>
+                <a:ext cx="1988946" cy="369332"/>
+              </a:xfrm>
+              <a:prstGeom prst="rect">
+                <a:avLst/>
+              </a:prstGeom>
+              <a:noFill/>
+            </p:spPr>
+            <p:txBody>
+              <a:bodyPr wrap="none" rtlCol="0">
+                <a:spAutoFit/>
+              </a:bodyPr>
+              <a:lstStyle/>
+              <a:p>
+                <a:r>
+                  <a:rPr lang="en-US" dirty="0" smtClean="0"/>
+                  <a:t>A: Gene expression</a:t>
+                </a:r>
+              </a:p>
+            </p:txBody>
+          </p:sp>
+          <p:sp>
+            <p:nvSpPr>
+              <p:cNvPr id="28" name="TextBox 27"/>
+              <p:cNvSpPr txBox="1"/>
+              <p:nvPr/>
+            </p:nvSpPr>
+            <p:spPr>
+              <a:xfrm>
+                <a:off x="901700" y="3470791"/>
+                <a:ext cx="1595309" cy="369332"/>
+              </a:xfrm>
+              <a:prstGeom prst="rect">
+                <a:avLst/>
+              </a:prstGeom>
+              <a:noFill/>
+            </p:spPr>
+            <p:txBody>
+              <a:bodyPr wrap="none" rtlCol="0">
+                <a:spAutoFit/>
+              </a:bodyPr>
+              <a:lstStyle/>
+              <a:p>
+                <a:r>
+                  <a:rPr lang="en-US" dirty="0"/>
+                  <a:t>B</a:t>
+                </a:r>
+                <a:r>
+                  <a:rPr lang="en-US" dirty="0" smtClean="0"/>
+                  <a:t>: Connectivity</a:t>
+                </a:r>
+              </a:p>
+            </p:txBody>
+          </p:sp>
+          <p:sp>
+            <p:nvSpPr>
+              <p:cNvPr id="31" name="TextBox 30"/>
+              <p:cNvSpPr txBox="1"/>
+              <p:nvPr/>
+            </p:nvSpPr>
+            <p:spPr>
+              <a:xfrm>
+                <a:off x="4824925" y="3476962"/>
+                <a:ext cx="2197800" cy="369332"/>
+              </a:xfrm>
+              <a:prstGeom prst="rect">
+                <a:avLst/>
+              </a:prstGeom>
+              <a:noFill/>
+            </p:spPr>
+            <p:txBody>
+              <a:bodyPr wrap="none" rtlCol="0">
+                <a:spAutoFit/>
+              </a:bodyPr>
+              <a:lstStyle/>
+              <a:p>
+                <a:r>
+                  <a:rPr lang="en-US" dirty="0" smtClean="0"/>
+                  <a:t>C: Gene </a:t>
+                </a:r>
+                <a:r>
+                  <a:rPr lang="en-US" dirty="0" err="1" smtClean="0"/>
+                  <a:t>coexpression</a:t>
+                </a:r>
+                <a:endParaRPr lang="en-US" dirty="0" smtClean="0"/>
+              </a:p>
+            </p:txBody>
+          </p:sp>
+        </p:grpSp>
+        <p:cxnSp>
+          <p:nvCxnSpPr>
+            <p:cNvPr id="23" name="Elbow Connector 22"/>
+            <p:cNvCxnSpPr/>
+            <p:nvPr/>
+          </p:nvCxnSpPr>
+          <p:spPr>
+            <a:xfrm>
+              <a:off x="4111393" y="3528104"/>
+              <a:ext cx="711959" cy="692198"/>
+            </a:xfrm>
+            <a:prstGeom prst="bentConnector3">
+              <a:avLst/>
+            </a:prstGeom>
+            <a:ln>
+              <a:solidFill>
+                <a:srgbClr val="FF6666"/>
+              </a:solidFill>
+              <a:tailEnd type="arrow"/>
+            </a:ln>
+          </p:spPr>
+          <p:style>
+            <a:lnRef idx="2">
+              <a:schemeClr val="accent2"/>
+            </a:lnRef>
+            <a:fillRef idx="0">
+              <a:schemeClr val="accent2"/>
+            </a:fillRef>
+            <a:effectRef idx="1">
+              <a:schemeClr val="accent2"/>
+            </a:effectRef>
+            <a:fontRef idx="minor">
+              <a:schemeClr val="tx1"/>
+            </a:fontRef>
+          </p:style>
+        </p:cxnSp>
+        <p:sp>
+          <p:nvSpPr>
+            <p:cNvPr id="24" name="Rectangle 23"/>
+            <p:cNvSpPr/>
+            <p:nvPr/>
+          </p:nvSpPr>
+          <p:spPr>
+            <a:xfrm>
+              <a:off x="3963870" y="3315957"/>
+              <a:ext cx="872308" cy="212147"/>
+            </a:xfrm>
+            <a:prstGeom prst="rect">
+              <a:avLst/>
+            </a:prstGeom>
+            <a:noFill/>
+            <a:ln>
+              <a:solidFill>
+                <a:srgbClr val="FF6666"/>
+              </a:solidFill>
+            </a:ln>
+          </p:spPr>
+          <p:style>
+            <a:lnRef idx="2">
+              <a:schemeClr val="accent1"/>
+            </a:lnRef>
+            <a:fillRef idx="1">
+              <a:schemeClr val="lt1"/>
+            </a:fillRef>
+            <a:effectRef idx="0">
+              <a:schemeClr val="accent1"/>
+            </a:effectRef>
+            <a:fontRef idx="minor">
+              <a:schemeClr val="dk1"/>
+            </a:fontRef>
+          </p:style>
+          <p:txBody>
+            <a:bodyPr rtlCol="0" anchor="ctr"/>
+            <a:lstStyle/>
+            <a:p>
+              <a:pPr algn="ctr"/>
+              <a:endParaRPr lang="en-US"/>
+            </a:p>
+          </p:txBody>
+        </p:sp>
+        <p:cxnSp>
+          <p:nvCxnSpPr>
+            <p:cNvPr id="25" name="Straight Arrow Connector 24"/>
+            <p:cNvCxnSpPr/>
+            <p:nvPr/>
+          </p:nvCxnSpPr>
+          <p:spPr>
+            <a:xfrm flipH="1" flipV="1">
+              <a:off x="3614789" y="4496105"/>
+              <a:ext cx="1165238" cy="6412"/>
+            </a:xfrm>
+            <a:prstGeom prst="straightConnector1">
+              <a:avLst/>
+            </a:prstGeom>
+            <a:ln>
+              <a:solidFill>
+                <a:srgbClr val="FF6666"/>
+              </a:solidFill>
+              <a:headEnd type="arrow"/>
+              <a:tailEnd type="arrow"/>
+            </a:ln>
+          </p:spPr>
+          <p:style>
+            <a:lnRef idx="2">
+              <a:schemeClr val="accent1"/>
+            </a:lnRef>
+            <a:fillRef idx="0">
+              <a:schemeClr val="accent1"/>
+            </a:fillRef>
+            <a:effectRef idx="1">
+              <a:schemeClr val="accent1"/>
+            </a:effectRef>
+            <a:fontRef idx="minor">
+              <a:schemeClr val="tx1"/>
+            </a:fontRef>
+          </p:style>
+        </p:cxnSp>
+      </p:grpSp>
+    </p:spTree>
+    <p:extLst>
+      <p:ext uri="{BB962C8B-B14F-4D97-AF65-F5344CB8AC3E}">
+        <p14:creationId xmlns:p14="http://schemas.microsoft.com/office/powerpoint/2010/main" val="1102540452"/>
+      </p:ext>
+    </p:extLst>
+  </p:cSld>
+  <p:clrMapOvr>
+    <a:masterClrMapping/>
+  </p:clrMapOvr>
+</p:sld>
+</file>
+
+<file path=ppt/slides/slide4.xml><?xml version="1.0" encoding="utf-8"?>
+<p:sld xmlns:a="http://schemas.openxmlformats.org/drawingml/2006/main" xmlns:r="http://schemas.openxmlformats.org/officeDocument/2006/relationships" xmlns:p="http://schemas.openxmlformats.org/presentationml/2006/main">
+  <p:cSld>
+    <p:spTree>
+      <p:nvGrpSpPr>
+        <p:cNvPr id="1" name=""/>
+        <p:cNvGrpSpPr/>
+        <p:nvPr/>
+      </p:nvGrpSpPr>
+      <p:grpSpPr>
+        <a:xfrm>
+          <a:off x="0" y="0"/>
+          <a:ext cx="0" cy="0"/>
+          <a:chOff x="0" y="0"/>
+          <a:chExt cx="0" cy="0"/>
+        </a:xfrm>
+      </p:grpSpPr>
+      <p:grpSp>
+        <p:nvGrpSpPr>
+          <p:cNvPr id="49" name="Group 48"/>
+          <p:cNvGrpSpPr/>
+          <p:nvPr/>
+        </p:nvGrpSpPr>
+        <p:grpSpPr>
+          <a:xfrm>
+            <a:off x="869950" y="88900"/>
+            <a:ext cx="7569200" cy="6699250"/>
+            <a:chOff x="869950" y="88900"/>
+            <a:chExt cx="7569200" cy="6699250"/>
+          </a:xfrm>
+        </p:grpSpPr>
+        <p:sp>
+          <p:nvSpPr>
+            <p:cNvPr id="2" name="Rectangle 1"/>
+            <p:cNvSpPr/>
+            <p:nvPr/>
+          </p:nvSpPr>
+          <p:spPr>
+            <a:xfrm>
+              <a:off x="869950" y="88900"/>
+              <a:ext cx="7569200" cy="6699250"/>
+            </a:xfrm>
+            <a:prstGeom prst="rect">
+              <a:avLst/>
+            </a:prstGeom>
+            <a:solidFill>
+              <a:srgbClr val="FFFFFF"/>
+            </a:solidFill>
+            <a:ln>
+              <a:solidFill>
+                <a:srgbClr val="FFFFFF"/>
+              </a:solidFill>
+            </a:ln>
+          </p:spPr>
+          <p:style>
+            <a:lnRef idx="2">
+              <a:schemeClr val="accent1"/>
+            </a:lnRef>
+            <a:fillRef idx="1">
+              <a:schemeClr val="lt1"/>
+            </a:fillRef>
+            <a:effectRef idx="0">
+              <a:schemeClr val="accent1"/>
+            </a:effectRef>
+            <a:fontRef idx="minor">
+              <a:schemeClr val="dk1"/>
+            </a:fontRef>
+          </p:style>
+          <p:txBody>
+            <a:bodyPr rtlCol="0" anchor="ctr"/>
+            <a:lstStyle/>
+            <a:p>
+              <a:pPr algn="ctr"/>
+              <a:endParaRPr lang="en-US"/>
+            </a:p>
+          </p:txBody>
+        </p:sp>
+        <p:grpSp>
+          <p:nvGrpSpPr>
+            <p:cNvPr id="16" name="Group 15"/>
+            <p:cNvGrpSpPr/>
+            <p:nvPr/>
+          </p:nvGrpSpPr>
+          <p:grpSpPr>
+            <a:xfrm>
+              <a:off x="1006347" y="234950"/>
+              <a:ext cx="7294255" cy="6423735"/>
+              <a:chOff x="655945" y="202347"/>
+              <a:chExt cx="7294255" cy="6423735"/>
+            </a:xfrm>
+          </p:grpSpPr>
+          <p:grpSp>
+            <p:nvGrpSpPr>
+              <p:cNvPr id="26" name="Group 25"/>
+              <p:cNvGrpSpPr/>
+              <p:nvPr/>
+            </p:nvGrpSpPr>
+            <p:grpSpPr>
+              <a:xfrm>
+                <a:off x="655945" y="557664"/>
+                <a:ext cx="7294255" cy="6068418"/>
+                <a:chOff x="655945" y="138564"/>
+                <a:chExt cx="7294255" cy="6068418"/>
+              </a:xfrm>
+            </p:grpSpPr>
+            <p:pic>
+              <p:nvPicPr>
+                <p:cNvPr id="32" name="Picture 31"/>
+                <p:cNvPicPr>
+                  <a:picLocks noChangeAspect="1"/>
+                </p:cNvPicPr>
+                <p:nvPr/>
+              </p:nvPicPr>
+              <p:blipFill>
+                <a:blip r:embed="rId2"/>
+                <a:stretch>
+                  <a:fillRect/>
+                </a:stretch>
+              </p:blipFill>
+              <p:spPr>
+                <a:xfrm>
+                  <a:off x="655945" y="3390900"/>
+                  <a:ext cx="2950855" cy="2816082"/>
+                </a:xfrm>
+                <a:prstGeom prst="rect">
+                  <a:avLst/>
+                </a:prstGeom>
+              </p:spPr>
+            </p:pic>
+            <p:pic>
+              <p:nvPicPr>
+                <p:cNvPr id="34" name="Picture 33"/>
+                <p:cNvPicPr>
+                  <a:picLocks noChangeAspect="1"/>
+                </p:cNvPicPr>
+                <p:nvPr/>
+              </p:nvPicPr>
+              <p:blipFill>
+                <a:blip r:embed="rId3"/>
+                <a:stretch>
+                  <a:fillRect/>
+                </a:stretch>
+              </p:blipFill>
+              <p:spPr>
+                <a:xfrm>
+                  <a:off x="737582" y="138564"/>
+                  <a:ext cx="7212618" cy="2919298"/>
+                </a:xfrm>
+                <a:prstGeom prst="rect">
+                  <a:avLst/>
+                </a:prstGeom>
+                <a:ln w="28575" cmpd="sng">
+                  <a:noFill/>
+                </a:ln>
+              </p:spPr>
+            </p:pic>
+            <p:pic>
+              <p:nvPicPr>
+                <p:cNvPr id="35" name="Picture 34"/>
+                <p:cNvPicPr>
+                  <a:picLocks noChangeAspect="1"/>
+                </p:cNvPicPr>
+                <p:nvPr/>
+              </p:nvPicPr>
+              <p:blipFill>
+                <a:blip r:embed="rId4"/>
+                <a:stretch>
+                  <a:fillRect/>
+                </a:stretch>
+              </p:blipFill>
+              <p:spPr>
+                <a:xfrm>
+                  <a:off x="5591321" y="3238500"/>
+                  <a:ext cx="1603790" cy="1378403"/>
+                </a:xfrm>
+                <a:prstGeom prst="rect">
+                  <a:avLst/>
+                </a:prstGeom>
+              </p:spPr>
+            </p:pic>
+          </p:grpSp>
+          <p:sp>
+            <p:nvSpPr>
+              <p:cNvPr id="27" name="TextBox 26"/>
+              <p:cNvSpPr txBox="1"/>
+              <p:nvPr/>
+            </p:nvSpPr>
+            <p:spPr>
+              <a:xfrm>
+                <a:off x="901700" y="202347"/>
+                <a:ext cx="1988946" cy="369332"/>
+              </a:xfrm>
+              <a:prstGeom prst="rect">
+                <a:avLst/>
+              </a:prstGeom>
+              <a:noFill/>
+            </p:spPr>
+            <p:txBody>
+              <a:bodyPr wrap="none" rtlCol="0">
+                <a:spAutoFit/>
+              </a:bodyPr>
+              <a:lstStyle/>
+              <a:p>
+                <a:r>
+                  <a:rPr lang="en-US" dirty="0" smtClean="0"/>
+                  <a:t>A: Gene expression</a:t>
+                </a:r>
+              </a:p>
+            </p:txBody>
+          </p:sp>
+          <p:sp>
+            <p:nvSpPr>
+              <p:cNvPr id="28" name="TextBox 27"/>
+              <p:cNvSpPr txBox="1"/>
+              <p:nvPr/>
+            </p:nvSpPr>
+            <p:spPr>
+              <a:xfrm>
+                <a:off x="901700" y="3470791"/>
+                <a:ext cx="1595309" cy="369332"/>
+              </a:xfrm>
+              <a:prstGeom prst="rect">
+                <a:avLst/>
+              </a:prstGeom>
+              <a:noFill/>
+            </p:spPr>
+            <p:txBody>
+              <a:bodyPr wrap="none" rtlCol="0">
+                <a:spAutoFit/>
+              </a:bodyPr>
+              <a:lstStyle/>
+              <a:p>
+                <a:r>
+                  <a:rPr lang="en-US" dirty="0"/>
+                  <a:t>B</a:t>
+                </a:r>
+                <a:r>
+                  <a:rPr lang="en-US" dirty="0" smtClean="0"/>
+                  <a:t>: Connectivity</a:t>
+                </a:r>
+              </a:p>
+            </p:txBody>
+          </p:sp>
+          <p:sp>
+            <p:nvSpPr>
+              <p:cNvPr id="31" name="TextBox 30"/>
+              <p:cNvSpPr txBox="1"/>
+              <p:nvPr/>
+            </p:nvSpPr>
+            <p:spPr>
+              <a:xfrm>
+                <a:off x="5195908" y="3334054"/>
+                <a:ext cx="2197800" cy="369332"/>
+              </a:xfrm>
+              <a:prstGeom prst="rect">
+                <a:avLst/>
+              </a:prstGeom>
+              <a:noFill/>
+            </p:spPr>
+            <p:txBody>
+              <a:bodyPr wrap="none" rtlCol="0">
+                <a:spAutoFit/>
+              </a:bodyPr>
+              <a:lstStyle/>
+              <a:p>
+                <a:r>
+                  <a:rPr lang="en-US" dirty="0" smtClean="0"/>
+                  <a:t>C: Gene </a:t>
+                </a:r>
+                <a:r>
+                  <a:rPr lang="en-US" dirty="0" err="1" smtClean="0"/>
+                  <a:t>coexpression</a:t>
+                </a:r>
+                <a:endParaRPr lang="en-US" dirty="0" smtClean="0"/>
+              </a:p>
+            </p:txBody>
+          </p:sp>
+        </p:grpSp>
+        <p:sp>
+          <p:nvSpPr>
+            <p:cNvPr id="19" name="TextBox 18"/>
+            <p:cNvSpPr txBox="1"/>
+            <p:nvPr/>
+          </p:nvSpPr>
+          <p:spPr>
+            <a:xfrm>
+              <a:off x="5546310" y="4993540"/>
+              <a:ext cx="1999203" cy="369332"/>
+            </a:xfrm>
+            <a:prstGeom prst="rect">
+              <a:avLst/>
+            </a:prstGeom>
+            <a:noFill/>
+          </p:spPr>
+          <p:txBody>
+            <a:bodyPr wrap="none" rtlCol="0">
+              <a:spAutoFit/>
+            </a:bodyPr>
+            <a:lstStyle/>
+            <a:p>
+              <a:r>
+                <a:rPr lang="en-US" dirty="0"/>
+                <a:t>D</a:t>
+              </a:r>
+              <a:r>
+                <a:rPr lang="en-US" dirty="0" smtClean="0"/>
+                <a:t>: Lineage distance</a:t>
+              </a:r>
+            </a:p>
+          </p:txBody>
+        </p:sp>
+        <p:sp>
+          <p:nvSpPr>
+            <p:cNvPr id="4" name="Rectangle 3"/>
+            <p:cNvSpPr/>
+            <p:nvPr/>
+          </p:nvSpPr>
+          <p:spPr>
+            <a:xfrm>
+              <a:off x="1252102" y="610632"/>
+              <a:ext cx="6996548" cy="2716768"/>
+            </a:xfrm>
+            <a:prstGeom prst="rect">
+              <a:avLst/>
+            </a:prstGeom>
+            <a:noFill/>
+            <a:ln>
+              <a:solidFill>
+                <a:schemeClr val="tx1"/>
+              </a:solidFill>
+            </a:ln>
+          </p:spPr>
+          <p:style>
+            <a:lnRef idx="2">
+              <a:schemeClr val="accent1"/>
+            </a:lnRef>
+            <a:fillRef idx="1">
+              <a:schemeClr val="lt1"/>
+            </a:fillRef>
+            <a:effectRef idx="0">
+              <a:schemeClr val="accent1"/>
+            </a:effectRef>
+            <a:fontRef idx="minor">
+              <a:schemeClr val="dk1"/>
+            </a:fontRef>
+          </p:style>
+          <p:txBody>
+            <a:bodyPr rtlCol="0" anchor="ctr"/>
+            <a:lstStyle/>
+            <a:p>
+              <a:pPr algn="ctr"/>
+              <a:endParaRPr lang="en-US"/>
+            </a:p>
+          </p:txBody>
+        </p:sp>
+        <p:cxnSp>
+          <p:nvCxnSpPr>
+            <p:cNvPr id="11" name="Curved Connector 10"/>
+            <p:cNvCxnSpPr/>
+            <p:nvPr/>
+          </p:nvCxnSpPr>
+          <p:spPr>
+            <a:xfrm>
+              <a:off x="4729011" y="3509565"/>
+              <a:ext cx="1212712" cy="751285"/>
+            </a:xfrm>
+            <a:prstGeom prst="curvedConnector3">
+              <a:avLst>
+                <a:gd name="adj1" fmla="val 50000"/>
+              </a:avLst>
+            </a:prstGeom>
+            <a:ln>
+              <a:solidFill>
+                <a:srgbClr val="000000"/>
+              </a:solidFill>
+              <a:tailEnd type="arrow"/>
+            </a:ln>
+          </p:spPr>
+          <p:style>
+            <a:lnRef idx="2">
+              <a:schemeClr val="accent1"/>
+            </a:lnRef>
+            <a:fillRef idx="0">
+              <a:schemeClr val="accent1"/>
+            </a:fillRef>
+            <a:effectRef idx="1">
+              <a:schemeClr val="accent1"/>
+            </a:effectRef>
+            <a:fontRef idx="minor">
+              <a:schemeClr val="tx1"/>
+            </a:fontRef>
+          </p:style>
+        </p:cxnSp>
+        <p:cxnSp>
+          <p:nvCxnSpPr>
+            <p:cNvPr id="38" name="Curved Connector 37"/>
+            <p:cNvCxnSpPr/>
+            <p:nvPr/>
+          </p:nvCxnSpPr>
+          <p:spPr>
+            <a:xfrm rot="10800000">
+              <a:off x="3957203" y="5213353"/>
+              <a:ext cx="1984521" cy="869951"/>
+            </a:xfrm>
+            <a:prstGeom prst="curvedConnector3">
+              <a:avLst/>
+            </a:prstGeom>
+            <a:ln>
+              <a:solidFill>
+                <a:srgbClr val="000000"/>
+              </a:solidFill>
+              <a:headEnd type="arrow"/>
+              <a:tailEnd type="arrow"/>
+            </a:ln>
+          </p:spPr>
+          <p:style>
+            <a:lnRef idx="2">
+              <a:schemeClr val="accent1"/>
+            </a:lnRef>
+            <a:fillRef idx="0">
+              <a:schemeClr val="accent1"/>
+            </a:fillRef>
+            <a:effectRef idx="1">
+              <a:schemeClr val="accent1"/>
+            </a:effectRef>
+            <a:fontRef idx="minor">
+              <a:schemeClr val="tx1"/>
+            </a:fontRef>
+          </p:style>
+        </p:cxnSp>
+        <p:cxnSp>
+          <p:nvCxnSpPr>
+            <p:cNvPr id="39" name="Curved Connector 38"/>
+            <p:cNvCxnSpPr/>
+            <p:nvPr/>
+          </p:nvCxnSpPr>
+          <p:spPr>
+            <a:xfrm rot="10800000" flipV="1">
+              <a:off x="3957202" y="4387848"/>
+              <a:ext cx="1984522" cy="680758"/>
+            </a:xfrm>
+            <a:prstGeom prst="curvedConnector3">
+              <a:avLst/>
+            </a:prstGeom>
+            <a:ln>
+              <a:solidFill>
+                <a:srgbClr val="000000"/>
+              </a:solidFill>
+              <a:headEnd type="arrow"/>
+              <a:tailEnd type="arrow"/>
+            </a:ln>
+          </p:spPr>
+          <p:style>
+            <a:lnRef idx="2">
+              <a:schemeClr val="accent1"/>
+            </a:lnRef>
+            <a:fillRef idx="0">
+              <a:schemeClr val="accent1"/>
+            </a:fillRef>
+            <a:effectRef idx="1">
+              <a:schemeClr val="accent1"/>
+            </a:effectRef>
+            <a:fontRef idx="minor">
+              <a:schemeClr val="tx1"/>
+            </a:fontRef>
+          </p:style>
+        </p:cxnSp>
+        <p:pic>
+          <p:nvPicPr>
+            <p:cNvPr id="47" name="Picture 46"/>
+            <p:cNvPicPr>
+              <a:picLocks/>
+            </p:cNvPicPr>
+            <p:nvPr/>
+          </p:nvPicPr>
+          <p:blipFill>
+            <a:blip r:embed="rId5"/>
+            <a:stretch>
+              <a:fillRect/>
+            </a:stretch>
+          </p:blipFill>
+          <p:spPr>
+            <a:xfrm>
+              <a:off x="5941723" y="5299135"/>
+              <a:ext cx="1620000" cy="1404000"/>
+            </a:xfrm>
+            <a:prstGeom prst="rect">
+              <a:avLst/>
+            </a:prstGeom>
+          </p:spPr>
+        </p:pic>
+      </p:grpSp>
+    </p:spTree>
+    <p:extLst>
+      <p:ext uri="{BB962C8B-B14F-4D97-AF65-F5344CB8AC3E}">
+        <p14:creationId xmlns:p14="http://schemas.microsoft.com/office/powerpoint/2010/main" val="4108093045"/>
+      </p:ext>
+    </p:extLst>
+  </p:cSld>
+  <p:clrMapOvr>
+    <a:masterClrMapping/>
+  </p:clrMapOvr>
+</p:sld>
+</file>
+
+<file path=ppt/slides/slide5.xml><?xml version="1.0" encoding="utf-8"?>
+<p:sld xmlns:a="http://schemas.openxmlformats.org/drawingml/2006/main" xmlns:r="http://schemas.openxmlformats.org/officeDocument/2006/relationships" xmlns:p="http://schemas.openxmlformats.org/presentationml/2006/main">
+  <p:cSld>
+    <p:spTree>
+      <p:nvGrpSpPr>
+        <p:cNvPr id="1" name=""/>
+        <p:cNvGrpSpPr/>
+        <p:nvPr/>
+      </p:nvGrpSpPr>
+      <p:grpSpPr>
+        <a:xfrm>
+          <a:off x="0" y="0"/>
+          <a:ext cx="0" cy="0"/>
+          <a:chOff x="0" y="0"/>
+          <a:chExt cx="0" cy="0"/>
+        </a:xfrm>
+      </p:grpSpPr>
+      <p:grpSp>
+        <p:nvGrpSpPr>
+          <p:cNvPr id="31" name="Group 30"/>
+          <p:cNvGrpSpPr/>
+          <p:nvPr/>
+        </p:nvGrpSpPr>
+        <p:grpSpPr>
+          <a:xfrm>
+            <a:off x="2895600" y="1320800"/>
+            <a:ext cx="3848100" cy="3105150"/>
+            <a:chOff x="2895600" y="1320800"/>
+            <a:chExt cx="3848100" cy="3105150"/>
+          </a:xfrm>
+        </p:grpSpPr>
+        <p:sp>
+          <p:nvSpPr>
+            <p:cNvPr id="30" name="Rectangle 29"/>
+            <p:cNvSpPr/>
+            <p:nvPr/>
+          </p:nvSpPr>
+          <p:spPr>
+            <a:xfrm>
+              <a:off x="2895600" y="1320800"/>
+              <a:ext cx="3848100" cy="3105150"/>
+            </a:xfrm>
+            <a:prstGeom prst="rect">
+              <a:avLst/>
+            </a:prstGeom>
+            <a:solidFill>
+              <a:schemeClr val="bg1"/>
+            </a:solidFill>
+            <a:ln>
+              <a:noFill/>
+            </a:ln>
+          </p:spPr>
+          <p:style>
+            <a:lnRef idx="2">
+              <a:schemeClr val="accent1"/>
+            </a:lnRef>
+            <a:fillRef idx="1">
+              <a:schemeClr val="lt1"/>
+            </a:fillRef>
+            <a:effectRef idx="0">
+              <a:schemeClr val="accent1"/>
+            </a:effectRef>
+            <a:fontRef idx="minor">
+              <a:schemeClr val="dk1"/>
+            </a:fontRef>
+          </p:style>
+          <p:txBody>
+            <a:bodyPr rtlCol="0" anchor="ctr"/>
+            <a:lstStyle/>
+            <a:p>
+              <a:pPr algn="ctr"/>
+              <a:endParaRPr lang="en-US"/>
+            </a:p>
+          </p:txBody>
+        </p:sp>
+        <p:pic>
+          <p:nvPicPr>
+            <p:cNvPr id="28" name="Picture 27"/>
+            <p:cNvPicPr>
+              <a:picLocks noChangeAspect="1"/>
+            </p:cNvPicPr>
+            <p:nvPr/>
+          </p:nvPicPr>
+          <p:blipFill>
+            <a:blip r:embed="rId2"/>
+            <a:stretch>
+              <a:fillRect/>
+            </a:stretch>
+          </p:blipFill>
+          <p:spPr>
+            <a:xfrm>
+              <a:off x="3054350" y="1555750"/>
+              <a:ext cx="3409950" cy="2736127"/>
+            </a:xfrm>
+            <a:prstGeom prst="rect">
+              <a:avLst/>
+            </a:prstGeom>
+          </p:spPr>
+        </p:pic>
+        <p:sp>
+          <p:nvSpPr>
+            <p:cNvPr id="29" name="Rectangle 28"/>
+            <p:cNvSpPr/>
+            <p:nvPr/>
+          </p:nvSpPr>
+          <p:spPr>
+            <a:xfrm>
+              <a:off x="4565650" y="2552700"/>
+              <a:ext cx="565150" cy="1409700"/>
+            </a:xfrm>
+            <a:prstGeom prst="rect">
+              <a:avLst/>
+            </a:prstGeom>
+            <a:solidFill>
+              <a:schemeClr val="bg1">
+                <a:lumMod val="75000"/>
+                <a:alpha val="27000"/>
+              </a:schemeClr>
+            </a:solidFill>
+            <a:ln>
+              <a:noFill/>
+            </a:ln>
+          </p:spPr>
+          <p:style>
+            <a:lnRef idx="2">
+              <a:schemeClr val="accent1"/>
+            </a:lnRef>
+            <a:fillRef idx="1">
+              <a:schemeClr val="lt1"/>
+            </a:fillRef>
+            <a:effectRef idx="0">
+              <a:schemeClr val="accent1"/>
+            </a:effectRef>
+            <a:fontRef idx="minor">
+              <a:schemeClr val="dk1"/>
+            </a:fontRef>
+          </p:style>
+          <p:txBody>
+            <a:bodyPr rtlCol="0" anchor="ctr"/>
+            <a:lstStyle/>
+            <a:p>
+              <a:pPr algn="ctr"/>
+              <a:endParaRPr lang="en-US"/>
+            </a:p>
+          </p:txBody>
+        </p:sp>
+      </p:grpSp>
+    </p:spTree>
+    <p:extLst>
+      <p:ext uri="{BB962C8B-B14F-4D97-AF65-F5344CB8AC3E}">
+        <p14:creationId xmlns:p14="http://schemas.microsoft.com/office/powerpoint/2010/main" val="316878463"/>
+      </p:ext>
+    </p:extLst>
+  </p:cSld>
+  <p:clrMapOvr>
+    <a:masterClrMapping/>
+  </p:clrMapOvr>
+</p:sld>
+</file>
+
+<file path=ppt/slides/slide6.xml><?xml version="1.0" encoding="utf-8"?>
+<p:sld xmlns:a="http://schemas.openxmlformats.org/drawingml/2006/main" xmlns:r="http://schemas.openxmlformats.org/officeDocument/2006/relationships" xmlns:p="http://schemas.openxmlformats.org/presentationml/2006/main">
+  <p:cSld>
+    <p:spTree>
+      <p:nvGrpSpPr>
+        <p:cNvPr id="1" name=""/>
+        <p:cNvGrpSpPr/>
+        <p:nvPr/>
+      </p:nvGrpSpPr>
+      <p:grpSpPr>
+        <a:xfrm>
+          <a:off x="0" y="0"/>
+          <a:ext cx="0" cy="0"/>
+          <a:chOff x="0" y="0"/>
+          <a:chExt cx="0" cy="0"/>
+        </a:xfrm>
+      </p:grpSpPr>
+      <p:grpSp>
+        <p:nvGrpSpPr>
+          <p:cNvPr id="16" name="Group 15"/>
+          <p:cNvGrpSpPr/>
+          <p:nvPr/>
+        </p:nvGrpSpPr>
+        <p:grpSpPr>
+          <a:xfrm>
+            <a:off x="515116" y="965584"/>
+            <a:ext cx="7849511" cy="5514399"/>
+            <a:chOff x="515116" y="965584"/>
+            <a:chExt cx="7849511" cy="5514399"/>
+          </a:xfrm>
+        </p:grpSpPr>
+        <p:pic>
+          <p:nvPicPr>
+            <p:cNvPr id="2" name="Picture 1" descr="ConUnconChemical.png"/>
+            <p:cNvPicPr>
+              <a:picLocks noChangeAspect="1"/>
+            </p:cNvPicPr>
+            <p:nvPr/>
+          </p:nvPicPr>
+          <p:blipFill rotWithShape="1">
+            <a:blip r:embed="rId2">
+              <a:extLst>
+                <a:ext uri="{28A0092B-C50C-407E-A947-70E740481C1C}">
+                  <a14:useLocalDpi xmlns:a14="http://schemas.microsoft.com/office/drawing/2010/main" val="0"/>
+                </a:ext>
+              </a:extLst>
+            </a:blip>
+            <a:srcRect l="5633" r="8804"/>
+            <a:stretch/>
+          </p:blipFill>
+          <p:spPr>
+            <a:xfrm>
+              <a:off x="540772" y="965584"/>
+              <a:ext cx="7823855" cy="4985801"/>
+            </a:xfrm>
+            <a:prstGeom prst="rect">
+              <a:avLst/>
+            </a:prstGeom>
+          </p:spPr>
+        </p:pic>
+        <p:cxnSp>
+          <p:nvCxnSpPr>
+            <p:cNvPr id="7" name="Straight Connector 6"/>
+            <p:cNvCxnSpPr/>
+            <p:nvPr/>
+          </p:nvCxnSpPr>
+          <p:spPr>
+            <a:xfrm>
+              <a:off x="2780097" y="1580583"/>
+              <a:ext cx="3889847" cy="0"/>
+            </a:xfrm>
+            <a:prstGeom prst="line">
+              <a:avLst/>
+            </a:prstGeom>
+          </p:spPr>
+          <p:style>
+            <a:lnRef idx="3">
+              <a:schemeClr val="dk1"/>
+            </a:lnRef>
+            <a:fillRef idx="0">
+              <a:schemeClr val="dk1"/>
+            </a:fillRef>
+            <a:effectRef idx="2">
+              <a:schemeClr val="dk1"/>
+            </a:effectRef>
+            <a:fontRef idx="minor">
+              <a:schemeClr val="tx1"/>
+            </a:fontRef>
+          </p:style>
+        </p:cxnSp>
+        <p:sp>
+          <p:nvSpPr>
+            <p:cNvPr id="5" name="TextBox 4"/>
+            <p:cNvSpPr txBox="1"/>
+            <p:nvPr/>
+          </p:nvSpPr>
+          <p:spPr>
+            <a:xfrm>
+              <a:off x="4118663" y="1361192"/>
+              <a:ext cx="1326680" cy="400110"/>
+            </a:xfrm>
+            <a:prstGeom prst="rect">
+              <a:avLst/>
+            </a:prstGeom>
+            <a:solidFill>
+              <a:schemeClr val="bg1"/>
+            </a:solidFill>
+          </p:spPr>
+          <p:txBody>
+            <a:bodyPr wrap="none" rtlCol="0">
+              <a:spAutoFit/>
+            </a:bodyPr>
+            <a:lstStyle/>
+            <a:p>
+              <a:r>
+                <a:rPr lang="en-US" sz="2000" dirty="0" smtClean="0">
+                  <a:latin typeface="Times New Roman"/>
+                  <a:cs typeface="Times New Roman"/>
+                </a:rPr>
+                <a:t>**p &lt; 10</a:t>
+              </a:r>
+              <a:r>
+                <a:rPr lang="en-US" sz="2000" baseline="30000" dirty="0" smtClean="0">
+                  <a:latin typeface="Times New Roman"/>
+                  <a:cs typeface="Times New Roman"/>
+                </a:rPr>
+                <a:t>-</a:t>
+              </a:r>
+              <a:r>
+                <a:rPr lang="en-US" sz="2000" baseline="30000" dirty="0" smtClean="0">
+                  <a:latin typeface="Times New Roman"/>
+                  <a:cs typeface="Times New Roman"/>
+                </a:rPr>
+                <a:t>50</a:t>
+              </a:r>
+              <a:endParaRPr lang="en-US" sz="2000" dirty="0">
+                <a:latin typeface="Times New Roman"/>
+                <a:cs typeface="Times New Roman"/>
+              </a:endParaRPr>
+            </a:p>
+          </p:txBody>
+        </p:sp>
+        <p:grpSp>
+          <p:nvGrpSpPr>
+            <p:cNvPr id="6" name="Group 5"/>
+            <p:cNvGrpSpPr>
+              <a:grpSpLocks noChangeAspect="1"/>
+            </p:cNvGrpSpPr>
+            <p:nvPr/>
+          </p:nvGrpSpPr>
+          <p:grpSpPr>
+            <a:xfrm>
+              <a:off x="2152059" y="5891156"/>
+              <a:ext cx="1275480" cy="575999"/>
+              <a:chOff x="1628076" y="5169490"/>
+              <a:chExt cx="1002743" cy="452833"/>
+            </a:xfrm>
+            <a:solidFill>
+              <a:schemeClr val="bg1"/>
+            </a:solidFill>
+          </p:grpSpPr>
+          <p:cxnSp>
+            <p:nvCxnSpPr>
+              <p:cNvPr id="8" name="Straight Connector 7"/>
+              <p:cNvCxnSpPr/>
+              <p:nvPr/>
+            </p:nvCxnSpPr>
+            <p:spPr>
+              <a:xfrm>
+                <a:off x="1780323" y="5297152"/>
+                <a:ext cx="714429" cy="213999"/>
+              </a:xfrm>
+              <a:prstGeom prst="line">
+                <a:avLst/>
+              </a:prstGeom>
+              <a:grpFill/>
+              <a:ln w="38100" cmpd="sng">
+                <a:solidFill>
+                  <a:schemeClr val="tx1"/>
+                </a:solidFill>
+              </a:ln>
+            </p:spPr>
+            <p:style>
+              <a:lnRef idx="3">
+                <a:schemeClr val="accent2"/>
+              </a:lnRef>
+              <a:fillRef idx="0">
+                <a:schemeClr val="accent2"/>
+              </a:fillRef>
+              <a:effectRef idx="2">
+                <a:schemeClr val="accent2"/>
+              </a:effectRef>
+              <a:fontRef idx="minor">
+                <a:schemeClr val="tx1"/>
+              </a:fontRef>
+            </p:style>
+          </p:cxnSp>
+          <p:sp>
+            <p:nvSpPr>
+              <p:cNvPr id="9" name="Oval 8"/>
+              <p:cNvSpPr/>
+              <p:nvPr/>
+            </p:nvSpPr>
+            <p:spPr>
+              <a:xfrm>
+                <a:off x="1628076" y="5169490"/>
+                <a:ext cx="272134" cy="259160"/>
+              </a:xfrm>
+              <a:prstGeom prst="ellipse">
+                <a:avLst/>
+              </a:prstGeom>
+              <a:grpFill/>
+              <a:ln w="38100" cmpd="sng">
+                <a:solidFill>
+                  <a:schemeClr val="tx1"/>
+                </a:solidFill>
+              </a:ln>
+            </p:spPr>
+            <p:style>
+              <a:lnRef idx="1">
+                <a:schemeClr val="accent1"/>
+              </a:lnRef>
+              <a:fillRef idx="3">
+                <a:schemeClr val="accent1"/>
+              </a:fillRef>
+              <a:effectRef idx="2">
+                <a:schemeClr val="accent1"/>
+              </a:effectRef>
+              <a:fontRef idx="minor">
+                <a:schemeClr val="lt1"/>
+              </a:fontRef>
+            </p:style>
+            <p:txBody>
+              <a:bodyPr rtlCol="0" anchor="ctr"/>
+              <a:lstStyle/>
+              <a:p>
+                <a:pPr algn="ctr"/>
+                <a:endParaRPr lang="en-US"/>
+              </a:p>
+            </p:txBody>
+          </p:sp>
+          <p:sp>
+            <p:nvSpPr>
+              <p:cNvPr id="10" name="Oval 9"/>
+              <p:cNvSpPr/>
+              <p:nvPr/>
+            </p:nvSpPr>
+            <p:spPr>
+              <a:xfrm>
+                <a:off x="2358685" y="5363163"/>
+                <a:ext cx="272134" cy="259160"/>
+              </a:xfrm>
+              <a:prstGeom prst="ellipse">
+                <a:avLst/>
+              </a:prstGeom>
+              <a:grpFill/>
+              <a:ln w="38100" cmpd="sng">
+                <a:solidFill>
+                  <a:schemeClr val="tx1"/>
+                </a:solidFill>
+              </a:ln>
+            </p:spPr>
+            <p:style>
+              <a:lnRef idx="1">
+                <a:schemeClr val="accent1"/>
+              </a:lnRef>
+              <a:fillRef idx="3">
+                <a:schemeClr val="accent1"/>
+              </a:fillRef>
+              <a:effectRef idx="2">
+                <a:schemeClr val="accent1"/>
+              </a:effectRef>
+              <a:fontRef idx="minor">
+                <a:schemeClr val="lt1"/>
+              </a:fontRef>
+            </p:style>
+            <p:txBody>
+              <a:bodyPr rtlCol="0" anchor="ctr"/>
+              <a:lstStyle/>
+              <a:p>
+                <a:pPr algn="ctr"/>
+                <a:endParaRPr lang="en-US"/>
+              </a:p>
+            </p:txBody>
+          </p:sp>
+        </p:grpSp>
+        <p:grpSp>
+          <p:nvGrpSpPr>
+            <p:cNvPr id="12" name="Group 11"/>
+            <p:cNvGrpSpPr>
+              <a:grpSpLocks noChangeAspect="1"/>
+            </p:cNvGrpSpPr>
+            <p:nvPr/>
+          </p:nvGrpSpPr>
+          <p:grpSpPr>
+            <a:xfrm>
+              <a:off x="6101650" y="5903984"/>
+              <a:ext cx="1275480" cy="575999"/>
+              <a:chOff x="6191454" y="5891156"/>
+              <a:chExt cx="1002743" cy="452833"/>
+            </a:xfrm>
+          </p:grpSpPr>
+          <p:sp>
+            <p:nvSpPr>
+              <p:cNvPr id="13" name="Oval 12"/>
+              <p:cNvSpPr/>
+              <p:nvPr/>
+            </p:nvSpPr>
+            <p:spPr>
+              <a:xfrm>
+                <a:off x="6191454" y="5891156"/>
+                <a:ext cx="272134" cy="259160"/>
+              </a:xfrm>
+              <a:prstGeom prst="ellipse">
+                <a:avLst/>
+              </a:prstGeom>
+              <a:solidFill>
+                <a:schemeClr val="bg1"/>
+              </a:solidFill>
+              <a:ln w="38100" cmpd="sng">
+                <a:solidFill>
+                  <a:schemeClr val="tx1"/>
+                </a:solidFill>
+              </a:ln>
+            </p:spPr>
+            <p:style>
+              <a:lnRef idx="1">
+                <a:schemeClr val="accent1"/>
+              </a:lnRef>
+              <a:fillRef idx="3">
+                <a:schemeClr val="accent1"/>
+              </a:fillRef>
+              <a:effectRef idx="2">
+                <a:schemeClr val="accent1"/>
+              </a:effectRef>
+              <a:fontRef idx="minor">
+                <a:schemeClr val="lt1"/>
+              </a:fontRef>
+            </p:style>
+            <p:txBody>
+              <a:bodyPr rtlCol="0" anchor="ctr"/>
+              <a:lstStyle/>
+              <a:p>
+                <a:pPr algn="ctr"/>
+                <a:endParaRPr lang="en-US"/>
+              </a:p>
+            </p:txBody>
+          </p:sp>
+          <p:sp>
+            <p:nvSpPr>
+              <p:cNvPr id="14" name="Oval 13"/>
+              <p:cNvSpPr/>
+              <p:nvPr/>
+            </p:nvSpPr>
+            <p:spPr>
+              <a:xfrm>
+                <a:off x="6922063" y="6084829"/>
+                <a:ext cx="272134" cy="259160"/>
+              </a:xfrm>
+              <a:prstGeom prst="ellipse">
+                <a:avLst/>
+              </a:prstGeom>
+              <a:solidFill>
+                <a:schemeClr val="bg1"/>
+              </a:solidFill>
+              <a:ln w="38100" cmpd="sng">
+                <a:solidFill>
+                  <a:schemeClr val="tx1"/>
+                </a:solidFill>
+              </a:ln>
+            </p:spPr>
+            <p:style>
+              <a:lnRef idx="1">
+                <a:schemeClr val="accent1"/>
+              </a:lnRef>
+              <a:fillRef idx="3">
+                <a:schemeClr val="accent1"/>
+              </a:fillRef>
+              <a:effectRef idx="2">
+                <a:schemeClr val="accent1"/>
+              </a:effectRef>
+              <a:fontRef idx="minor">
+                <a:schemeClr val="lt1"/>
+              </a:fontRef>
+            </p:style>
+            <p:txBody>
+              <a:bodyPr rtlCol="0" anchor="ctr"/>
+              <a:lstStyle/>
+              <a:p>
+                <a:pPr algn="ctr"/>
+                <a:endParaRPr lang="en-US"/>
+              </a:p>
+            </p:txBody>
+          </p:sp>
+        </p:grpSp>
+        <p:sp>
+          <p:nvSpPr>
+            <p:cNvPr id="15" name="Rectangle 14"/>
+            <p:cNvSpPr/>
+            <p:nvPr/>
+          </p:nvSpPr>
+          <p:spPr>
+            <a:xfrm rot="16200000">
+              <a:off x="463967" y="2234162"/>
+              <a:ext cx="471629" cy="369332"/>
+            </a:xfrm>
+            <a:prstGeom prst="rect">
+              <a:avLst/>
+            </a:prstGeom>
+          </p:spPr>
+          <p:txBody>
+            <a:bodyPr wrap="none">
+              <a:spAutoFit/>
+            </a:bodyPr>
+            <a:lstStyle/>
+            <a:p>
+              <a:r>
+                <a:rPr lang="en-AU" dirty="0" smtClean="0">
+                  <a:latin typeface="Times New Roman"/>
+                  <a:cs typeface="Times New Roman"/>
+                </a:rPr>
+                <a:t>(</a:t>
+              </a:r>
+              <a:r>
+                <a:rPr lang="el-GR" dirty="0" smtClean="0">
+                  <a:latin typeface="Times New Roman"/>
+                  <a:cs typeface="Times New Roman"/>
+                </a:rPr>
+                <a:t>φ</a:t>
+              </a:r>
+              <a:r>
+                <a:rPr lang="en-AU" dirty="0" smtClean="0">
+                  <a:latin typeface="Times New Roman"/>
+                  <a:cs typeface="Times New Roman"/>
+                </a:rPr>
+                <a:t>)</a:t>
+              </a:r>
+              <a:endParaRPr lang="en-US" dirty="0">
+                <a:latin typeface="Times New Roman"/>
+                <a:cs typeface="Times New Roman"/>
+              </a:endParaRPr>
+            </a:p>
+          </p:txBody>
+        </p:sp>
+        <p:sp>
+          <p:nvSpPr>
+            <p:cNvPr id="4" name="TextBox 3"/>
+            <p:cNvSpPr txBox="1"/>
+            <p:nvPr/>
+          </p:nvSpPr>
+          <p:spPr>
+            <a:xfrm>
+              <a:off x="2027179" y="5406372"/>
+              <a:ext cx="1535697" cy="461665"/>
+            </a:xfrm>
+            <a:prstGeom prst="rect">
+              <a:avLst/>
+            </a:prstGeom>
+            <a:noFill/>
+          </p:spPr>
+          <p:txBody>
+            <a:bodyPr wrap="none" rtlCol="0">
+              <a:spAutoFit/>
+            </a:bodyPr>
+            <a:lstStyle/>
+            <a:p>
+              <a:r>
+                <a:rPr lang="en-US" sz="2400" dirty="0" smtClean="0"/>
+                <a:t>Connected</a:t>
+              </a:r>
+              <a:endParaRPr lang="en-US" sz="2400" dirty="0"/>
+            </a:p>
+          </p:txBody>
+        </p:sp>
+        <p:sp>
+          <p:nvSpPr>
+            <p:cNvPr id="11" name="TextBox 10"/>
+            <p:cNvSpPr txBox="1"/>
+            <p:nvPr/>
+          </p:nvSpPr>
+          <p:spPr>
+            <a:xfrm>
+              <a:off x="5807902" y="5419200"/>
+              <a:ext cx="1860906" cy="461665"/>
+            </a:xfrm>
+            <a:prstGeom prst="rect">
+              <a:avLst/>
+            </a:prstGeom>
+            <a:noFill/>
+          </p:spPr>
+          <p:txBody>
+            <a:bodyPr wrap="none" rtlCol="0">
+              <a:spAutoFit/>
+            </a:bodyPr>
+            <a:lstStyle/>
+            <a:p>
+              <a:r>
+                <a:rPr lang="en-US" sz="2400" dirty="0" smtClean="0"/>
+                <a:t>Unconnected</a:t>
+              </a:r>
+              <a:endParaRPr lang="en-US" sz="2400" dirty="0"/>
+            </a:p>
+          </p:txBody>
+        </p:sp>
+      </p:grpSp>
+    </p:spTree>
+    <p:extLst>
+      <p:ext uri="{BB962C8B-B14F-4D97-AF65-F5344CB8AC3E}">
+        <p14:creationId xmlns:p14="http://schemas.microsoft.com/office/powerpoint/2010/main" val="2474018868"/>
+      </p:ext>
+    </p:extLst>
+  </p:cSld>
+  <p:clrMapOvr>
+    <a:masterClrMapping/>
+  </p:clrMapOvr>
+</p:sld>
+</file>
+
+<file path=ppt/slides/slide7.xml><?xml version="1.0" encoding="utf-8"?>
+<p:sld xmlns:a="http://schemas.openxmlformats.org/drawingml/2006/main" xmlns:r="http://schemas.openxmlformats.org/officeDocument/2006/relationships" xmlns:p="http://schemas.openxmlformats.org/presentationml/2006/main">
+  <p:cSld>
+    <p:spTree>
+      <p:nvGrpSpPr>
+        <p:cNvPr id="1" name=""/>
+        <p:cNvGrpSpPr/>
+        <p:nvPr/>
+      </p:nvGrpSpPr>
+      <p:grpSpPr>
+        <a:xfrm>
+          <a:off x="0" y="0"/>
+          <a:ext cx="0" cy="0"/>
+          <a:chOff x="0" y="0"/>
+          <a:chExt cx="0" cy="0"/>
+        </a:xfrm>
+      </p:grpSpPr>
+      <p:grpSp>
+        <p:nvGrpSpPr>
+          <p:cNvPr id="36" name="Group 35"/>
+          <p:cNvGrpSpPr/>
+          <p:nvPr/>
+        </p:nvGrpSpPr>
+        <p:grpSpPr>
+          <a:xfrm>
+            <a:off x="0" y="355600"/>
+            <a:ext cx="9144000" cy="6200304"/>
+            <a:chOff x="0" y="355600"/>
+            <a:chExt cx="9144000" cy="6200304"/>
+          </a:xfrm>
+        </p:grpSpPr>
+        <p:grpSp>
+          <p:nvGrpSpPr>
+            <p:cNvPr id="26" name="Group 25"/>
+            <p:cNvGrpSpPr/>
+            <p:nvPr/>
+          </p:nvGrpSpPr>
+          <p:grpSpPr>
+            <a:xfrm>
+              <a:off x="0" y="355600"/>
+              <a:ext cx="9144000" cy="6200304"/>
+              <a:chOff x="0" y="355600"/>
+              <a:chExt cx="9144000" cy="6200304"/>
+            </a:xfrm>
+          </p:grpSpPr>
+          <p:pic>
+            <p:nvPicPr>
+              <p:cNvPr id="4" name="Picture 3" descr="RecUnidirUncon.png"/>
+              <p:cNvPicPr>
+                <a:picLocks noChangeAspect="1"/>
+              </p:cNvPicPr>
+              <p:nvPr/>
+            </p:nvPicPr>
+            <p:blipFill>
+              <a:blip r:embed="rId2">
+                <a:extLst>
+                  <a:ext uri="{28A0092B-C50C-407E-A947-70E740481C1C}">
+                    <a14:useLocalDpi xmlns:a14="http://schemas.microsoft.com/office/drawing/2010/main" val="0"/>
+                  </a:ext>
+                </a:extLst>
+              </a:blip>
+              <a:stretch>
+                <a:fillRect/>
+              </a:stretch>
+            </p:blipFill>
+            <p:spPr>
+              <a:xfrm>
+                <a:off x="0" y="355600"/>
+                <a:ext cx="9144000" cy="5685453"/>
+              </a:xfrm>
+              <a:prstGeom prst="rect">
+                <a:avLst/>
+              </a:prstGeom>
+            </p:spPr>
+          </p:pic>
+          <p:sp>
+            <p:nvSpPr>
+              <p:cNvPr id="5" name="Oval 4"/>
+              <p:cNvSpPr/>
+              <p:nvPr/>
+            </p:nvSpPr>
+            <p:spPr>
+              <a:xfrm>
+                <a:off x="1791759" y="6113165"/>
+                <a:ext cx="272134" cy="259160"/>
+              </a:xfrm>
+              <a:prstGeom prst="ellipse">
+                <a:avLst/>
+              </a:prstGeom>
+              <a:solidFill>
+                <a:schemeClr val="bg1"/>
+              </a:solidFill>
+              <a:ln w="38100" cmpd="sng">
+                <a:solidFill>
+                  <a:schemeClr val="tx1"/>
+                </a:solidFill>
+              </a:ln>
+            </p:spPr>
+            <p:style>
+              <a:lnRef idx="1">
+                <a:schemeClr val="accent1"/>
+              </a:lnRef>
+              <a:fillRef idx="3">
+                <a:schemeClr val="accent1"/>
+              </a:fillRef>
+              <a:effectRef idx="2">
+                <a:schemeClr val="accent1"/>
+              </a:effectRef>
+              <a:fontRef idx="minor">
+                <a:schemeClr val="lt1"/>
+              </a:fontRef>
+            </p:style>
+            <p:txBody>
+              <a:bodyPr rtlCol="0" anchor="ctr"/>
+              <a:lstStyle/>
+              <a:p>
+                <a:pPr algn="ctr"/>
+                <a:endParaRPr lang="en-US"/>
+              </a:p>
+            </p:txBody>
+          </p:sp>
+          <p:sp>
+            <p:nvSpPr>
+              <p:cNvPr id="6" name="Oval 5"/>
+              <p:cNvSpPr/>
+              <p:nvPr/>
+            </p:nvSpPr>
+            <p:spPr>
+              <a:xfrm>
+                <a:off x="1791759" y="5667258"/>
+                <a:ext cx="272134" cy="259160"/>
+              </a:xfrm>
+              <a:prstGeom prst="ellipse">
+                <a:avLst/>
+              </a:prstGeom>
+              <a:solidFill>
+                <a:schemeClr val="bg1"/>
+              </a:solidFill>
+              <a:ln w="38100" cmpd="sng">
+                <a:solidFill>
+                  <a:schemeClr val="tx1"/>
+                </a:solidFill>
+              </a:ln>
+            </p:spPr>
+            <p:style>
+              <a:lnRef idx="1">
+                <a:schemeClr val="accent1"/>
+              </a:lnRef>
+              <a:fillRef idx="3">
+                <a:schemeClr val="accent1"/>
+              </a:fillRef>
+              <a:effectRef idx="2">
+                <a:schemeClr val="accent1"/>
+              </a:effectRef>
+              <a:fontRef idx="minor">
+                <a:schemeClr val="lt1"/>
+              </a:fontRef>
+            </p:style>
+            <p:txBody>
+              <a:bodyPr rtlCol="0" anchor="ctr"/>
+              <a:lstStyle/>
+              <a:p>
+                <a:pPr algn="ctr"/>
+                <a:endParaRPr lang="en-US"/>
+              </a:p>
+            </p:txBody>
+          </p:sp>
+          <p:sp>
+            <p:nvSpPr>
+              <p:cNvPr id="7" name="TextBox 6"/>
+              <p:cNvSpPr txBox="1"/>
+              <p:nvPr/>
+            </p:nvSpPr>
+            <p:spPr>
+              <a:xfrm>
+                <a:off x="1715559" y="5441434"/>
+                <a:ext cx="1326004" cy="646331"/>
+              </a:xfrm>
+              <a:prstGeom prst="rect">
+                <a:avLst/>
+              </a:prstGeom>
+              <a:solidFill>
+                <a:schemeClr val="bg1"/>
+              </a:solidFill>
+            </p:spPr>
+            <p:txBody>
+              <a:bodyPr wrap="none" rtlCol="0">
+                <a:spAutoFit/>
+              </a:bodyPr>
+              <a:lstStyle/>
+              <a:p>
+                <a:pPr algn="ctr"/>
+                <a:r>
+                  <a:rPr lang="en-US" dirty="0" smtClean="0"/>
+                  <a:t>Reciprocal </a:t>
+                </a:r>
+              </a:p>
+              <a:p>
+                <a:pPr algn="ctr"/>
+                <a:r>
+                  <a:rPr lang="en-US" dirty="0" smtClean="0"/>
+                  <a:t>connections</a:t>
+                </a:r>
+                <a:endParaRPr lang="en-US" dirty="0"/>
+              </a:p>
+            </p:txBody>
+          </p:sp>
+          <p:sp>
+            <p:nvSpPr>
+              <p:cNvPr id="8" name="TextBox 7"/>
+              <p:cNvSpPr txBox="1"/>
+              <p:nvPr/>
+            </p:nvSpPr>
+            <p:spPr>
+              <a:xfrm>
+                <a:off x="4025900" y="5441434"/>
+                <a:ext cx="1509360" cy="646331"/>
+              </a:xfrm>
+              <a:prstGeom prst="rect">
+                <a:avLst/>
+              </a:prstGeom>
+              <a:solidFill>
+                <a:schemeClr val="bg1"/>
+              </a:solidFill>
+            </p:spPr>
+            <p:txBody>
+              <a:bodyPr wrap="none" rtlCol="0">
+                <a:spAutoFit/>
+              </a:bodyPr>
+              <a:lstStyle/>
+              <a:p>
+                <a:pPr algn="ctr"/>
+                <a:r>
+                  <a:rPr lang="en-US" dirty="0" smtClean="0"/>
+                  <a:t>Unidirectional </a:t>
+                </a:r>
+              </a:p>
+              <a:p>
+                <a:pPr algn="ctr"/>
+                <a:r>
+                  <a:rPr lang="en-US" dirty="0" smtClean="0"/>
+                  <a:t>connections</a:t>
+                </a:r>
+                <a:endParaRPr lang="en-US" dirty="0"/>
+              </a:p>
+            </p:txBody>
+          </p:sp>
+          <p:sp>
+            <p:nvSpPr>
+              <p:cNvPr id="9" name="TextBox 8"/>
+              <p:cNvSpPr txBox="1"/>
+              <p:nvPr/>
+            </p:nvSpPr>
+            <p:spPr>
+              <a:xfrm>
+                <a:off x="6375691" y="5426849"/>
+                <a:ext cx="1441846" cy="369332"/>
+              </a:xfrm>
+              <a:prstGeom prst="rect">
+                <a:avLst/>
+              </a:prstGeom>
+              <a:solidFill>
+                <a:schemeClr val="bg1"/>
+              </a:solidFill>
+            </p:spPr>
+            <p:txBody>
+              <a:bodyPr wrap="none" rtlCol="0">
+                <a:spAutoFit/>
+              </a:bodyPr>
+              <a:lstStyle/>
+              <a:p>
+                <a:pPr algn="ctr"/>
+                <a:r>
+                  <a:rPr lang="en-US" dirty="0" smtClean="0"/>
+                  <a:t>Unconnected</a:t>
+                </a:r>
+                <a:endParaRPr lang="en-US" dirty="0"/>
+              </a:p>
+            </p:txBody>
+          </p:sp>
+          <p:sp>
+            <p:nvSpPr>
+              <p:cNvPr id="10" name="Oval 9"/>
+              <p:cNvSpPr/>
+              <p:nvPr/>
+            </p:nvSpPr>
+            <p:spPr>
+              <a:xfrm>
+                <a:off x="2717058" y="6296744"/>
+                <a:ext cx="272134" cy="259160"/>
+              </a:xfrm>
+              <a:prstGeom prst="ellipse">
+                <a:avLst/>
+              </a:prstGeom>
+              <a:solidFill>
+                <a:schemeClr val="bg1"/>
+              </a:solidFill>
+              <a:ln w="38100" cmpd="sng">
+                <a:solidFill>
+                  <a:schemeClr val="tx1"/>
+                </a:solidFill>
+              </a:ln>
+            </p:spPr>
+            <p:style>
+              <a:lnRef idx="1">
+                <a:schemeClr val="accent1"/>
+              </a:lnRef>
+              <a:fillRef idx="3">
+                <a:schemeClr val="accent1"/>
+              </a:fillRef>
+              <a:effectRef idx="2">
+                <a:schemeClr val="accent1"/>
+              </a:effectRef>
+              <a:fontRef idx="minor">
+                <a:schemeClr val="lt1"/>
+              </a:fontRef>
+            </p:style>
+            <p:txBody>
+              <a:bodyPr rtlCol="0" anchor="ctr"/>
+              <a:lstStyle/>
+              <a:p>
+                <a:pPr algn="ctr"/>
+                <a:endParaRPr lang="en-US"/>
+              </a:p>
+            </p:txBody>
+          </p:sp>
+          <p:cxnSp>
+            <p:nvCxnSpPr>
+              <p:cNvPr id="14" name="Straight Arrow Connector 13"/>
+              <p:cNvCxnSpPr>
+                <a:stCxn id="5" idx="6"/>
+                <a:endCxn id="10" idx="2"/>
+              </p:cNvCxnSpPr>
+              <p:nvPr/>
+            </p:nvCxnSpPr>
+            <p:spPr>
+              <a:xfrm>
+                <a:off x="2063893" y="6242745"/>
+                <a:ext cx="653165" cy="183579"/>
+              </a:xfrm>
+              <a:prstGeom prst="straightConnector1">
+                <a:avLst/>
+              </a:prstGeom>
+              <a:ln>
+                <a:headEnd type="arrow"/>
+                <a:tailEnd type="arrow"/>
+              </a:ln>
+            </p:spPr>
+            <p:style>
+              <a:lnRef idx="2">
+                <a:schemeClr val="dk1"/>
+              </a:lnRef>
+              <a:fillRef idx="0">
+                <a:schemeClr val="dk1"/>
+              </a:fillRef>
+              <a:effectRef idx="1">
+                <a:schemeClr val="dk1"/>
+              </a:effectRef>
+              <a:fontRef idx="minor">
+                <a:schemeClr val="tx1"/>
+              </a:fontRef>
+            </p:style>
+          </p:cxnSp>
+          <p:sp>
+            <p:nvSpPr>
+              <p:cNvPr id="18" name="Oval 17"/>
+              <p:cNvSpPr/>
+              <p:nvPr/>
+            </p:nvSpPr>
+            <p:spPr>
+              <a:xfrm>
+                <a:off x="6566959" y="6037978"/>
+                <a:ext cx="272134" cy="259160"/>
+              </a:xfrm>
+              <a:prstGeom prst="ellipse">
+                <a:avLst/>
+              </a:prstGeom>
+              <a:solidFill>
+                <a:schemeClr val="bg1"/>
+              </a:solidFill>
+              <a:ln w="38100" cmpd="sng">
+                <a:solidFill>
+                  <a:schemeClr val="tx1"/>
+                </a:solidFill>
+              </a:ln>
+            </p:spPr>
+            <p:style>
+              <a:lnRef idx="1">
+                <a:schemeClr val="accent1"/>
+              </a:lnRef>
+              <a:fillRef idx="3">
+                <a:schemeClr val="accent1"/>
+              </a:fillRef>
+              <a:effectRef idx="2">
+                <a:schemeClr val="accent1"/>
+              </a:effectRef>
+              <a:fontRef idx="minor">
+                <a:schemeClr val="lt1"/>
+              </a:fontRef>
+            </p:style>
+            <p:txBody>
+              <a:bodyPr rtlCol="0" anchor="ctr"/>
+              <a:lstStyle/>
+              <a:p>
+                <a:pPr algn="ctr"/>
+                <a:endParaRPr lang="en-US"/>
+              </a:p>
+            </p:txBody>
+          </p:sp>
+          <p:sp>
+            <p:nvSpPr>
+              <p:cNvPr id="19" name="Oval 18"/>
+              <p:cNvSpPr/>
+              <p:nvPr/>
+            </p:nvSpPr>
+            <p:spPr>
+              <a:xfrm>
+                <a:off x="7492258" y="6221557"/>
+                <a:ext cx="272134" cy="259160"/>
+              </a:xfrm>
+              <a:prstGeom prst="ellipse">
+                <a:avLst/>
+              </a:prstGeom>
+              <a:solidFill>
+                <a:schemeClr val="bg1"/>
+              </a:solidFill>
+              <a:ln w="38100" cmpd="sng">
+                <a:solidFill>
+                  <a:schemeClr val="tx1"/>
+                </a:solidFill>
+              </a:ln>
+            </p:spPr>
+            <p:style>
+              <a:lnRef idx="1">
+                <a:schemeClr val="accent1"/>
+              </a:lnRef>
+              <a:fillRef idx="3">
+                <a:schemeClr val="accent1"/>
+              </a:fillRef>
+              <a:effectRef idx="2">
+                <a:schemeClr val="accent1"/>
+              </a:effectRef>
+              <a:fontRef idx="minor">
+                <a:schemeClr val="lt1"/>
+              </a:fontRef>
+            </p:style>
+            <p:txBody>
+              <a:bodyPr rtlCol="0" anchor="ctr"/>
+              <a:lstStyle/>
+              <a:p>
+                <a:pPr algn="ctr"/>
+                <a:endParaRPr lang="en-US"/>
+              </a:p>
+            </p:txBody>
+          </p:sp>
+          <p:sp>
+            <p:nvSpPr>
+              <p:cNvPr id="21" name="Oval 20"/>
+              <p:cNvSpPr/>
+              <p:nvPr/>
+            </p:nvSpPr>
+            <p:spPr>
+              <a:xfrm>
+                <a:off x="4204759" y="6091977"/>
+                <a:ext cx="272134" cy="259160"/>
+              </a:xfrm>
+              <a:prstGeom prst="ellipse">
+                <a:avLst/>
+              </a:prstGeom>
+              <a:solidFill>
+                <a:schemeClr val="bg1"/>
+              </a:solidFill>
+              <a:ln w="38100" cmpd="sng">
+                <a:solidFill>
+                  <a:schemeClr val="tx1"/>
+                </a:solidFill>
+              </a:ln>
+            </p:spPr>
+            <p:style>
+              <a:lnRef idx="1">
+                <a:schemeClr val="accent1"/>
+              </a:lnRef>
+              <a:fillRef idx="3">
+                <a:schemeClr val="accent1"/>
+              </a:fillRef>
+              <a:effectRef idx="2">
+                <a:schemeClr val="accent1"/>
+              </a:effectRef>
+              <a:fontRef idx="minor">
+                <a:schemeClr val="lt1"/>
+              </a:fontRef>
+            </p:style>
+            <p:txBody>
+              <a:bodyPr rtlCol="0" anchor="ctr"/>
+              <a:lstStyle/>
+              <a:p>
+                <a:pPr algn="ctr"/>
+                <a:endParaRPr lang="en-US"/>
+              </a:p>
+            </p:txBody>
+          </p:sp>
+          <p:sp>
+            <p:nvSpPr>
+              <p:cNvPr id="22" name="Oval 21"/>
+              <p:cNvSpPr/>
+              <p:nvPr/>
+            </p:nvSpPr>
+            <p:spPr>
+              <a:xfrm>
+                <a:off x="5130058" y="6275556"/>
+                <a:ext cx="272134" cy="259160"/>
+              </a:xfrm>
+              <a:prstGeom prst="ellipse">
+                <a:avLst/>
+              </a:prstGeom>
+              <a:solidFill>
+                <a:schemeClr val="bg1"/>
+              </a:solidFill>
+              <a:ln w="38100" cmpd="sng">
+                <a:solidFill>
+                  <a:schemeClr val="tx1"/>
+                </a:solidFill>
+              </a:ln>
+            </p:spPr>
+            <p:style>
+              <a:lnRef idx="1">
+                <a:schemeClr val="accent1"/>
+              </a:lnRef>
+              <a:fillRef idx="3">
+                <a:schemeClr val="accent1"/>
+              </a:fillRef>
+              <a:effectRef idx="2">
+                <a:schemeClr val="accent1"/>
+              </a:effectRef>
+              <a:fontRef idx="minor">
+                <a:schemeClr val="lt1"/>
+              </a:fontRef>
+            </p:style>
+            <p:txBody>
+              <a:bodyPr rtlCol="0" anchor="ctr"/>
+              <a:lstStyle/>
+              <a:p>
+                <a:pPr algn="ctr"/>
+                <a:endParaRPr lang="en-US"/>
+              </a:p>
+            </p:txBody>
+          </p:sp>
+          <p:cxnSp>
+            <p:nvCxnSpPr>
+              <p:cNvPr id="24" name="Straight Arrow Connector 23"/>
+              <p:cNvCxnSpPr>
+                <a:stCxn id="21" idx="6"/>
+                <a:endCxn id="22" idx="2"/>
+              </p:cNvCxnSpPr>
+              <p:nvPr/>
+            </p:nvCxnSpPr>
+            <p:spPr>
+              <a:xfrm>
+                <a:off x="4476893" y="6221557"/>
+                <a:ext cx="653165" cy="183579"/>
+              </a:xfrm>
+              <a:prstGeom prst="straightConnector1">
+                <a:avLst/>
+              </a:prstGeom>
+              <a:ln>
+                <a:tailEnd type="arrow"/>
+              </a:ln>
+            </p:spPr>
+            <p:style>
+              <a:lnRef idx="2">
+                <a:schemeClr val="dk1"/>
+              </a:lnRef>
+              <a:fillRef idx="0">
+                <a:schemeClr val="dk1"/>
+              </a:fillRef>
+              <a:effectRef idx="1">
+                <a:schemeClr val="dk1"/>
+              </a:effectRef>
+              <a:fontRef idx="minor">
+                <a:schemeClr val="tx1"/>
+              </a:fontRef>
+            </p:style>
+          </p:cxnSp>
+          <p:sp>
+            <p:nvSpPr>
+              <p:cNvPr id="25" name="TextBox 24"/>
+              <p:cNvSpPr txBox="1"/>
+              <p:nvPr/>
+            </p:nvSpPr>
+            <p:spPr>
+              <a:xfrm rot="16200000">
+                <a:off x="-156357" y="2785934"/>
+                <a:ext cx="1780543" cy="369332"/>
+              </a:xfrm>
+              <a:prstGeom prst="rect">
+                <a:avLst/>
+              </a:prstGeom>
+              <a:solidFill>
+                <a:schemeClr val="bg1"/>
+              </a:solidFill>
+            </p:spPr>
+            <p:txBody>
+              <a:bodyPr wrap="none" rtlCol="0">
+                <a:spAutoFit/>
+              </a:bodyPr>
+              <a:lstStyle/>
+              <a:p>
+                <a:pPr algn="ctr"/>
+                <a:r>
+                  <a:rPr lang="en-US" dirty="0" err="1" smtClean="0"/>
+                  <a:t>Coexpression</a:t>
+                </a:r>
+                <a:r>
+                  <a:rPr lang="en-US" dirty="0" smtClean="0"/>
+                  <a:t> (</a:t>
+                </a:r>
+                <a:r>
+                  <a:rPr lang="en-US" dirty="0" err="1" smtClean="0"/>
+                  <a:t>ϕ</a:t>
+                </a:r>
+                <a:r>
+                  <a:rPr lang="en-US" dirty="0" smtClean="0"/>
+                  <a:t>)</a:t>
+                </a:r>
+                <a:endParaRPr lang="en-US" dirty="0"/>
+              </a:p>
+            </p:txBody>
+          </p:sp>
+        </p:grpSp>
+        <p:cxnSp>
+          <p:nvCxnSpPr>
+            <p:cNvPr id="27" name="Straight Connector 26"/>
+            <p:cNvCxnSpPr/>
+            <p:nvPr/>
+          </p:nvCxnSpPr>
+          <p:spPr>
+            <a:xfrm>
+              <a:off x="2439597" y="1364683"/>
+              <a:ext cx="2211003" cy="0"/>
+            </a:xfrm>
+            <a:prstGeom prst="line">
+              <a:avLst/>
+            </a:prstGeom>
+          </p:spPr>
+          <p:style>
+            <a:lnRef idx="3">
+              <a:schemeClr val="dk1"/>
+            </a:lnRef>
+            <a:fillRef idx="0">
+              <a:schemeClr val="dk1"/>
+            </a:fillRef>
+            <a:effectRef idx="2">
+              <a:schemeClr val="dk1"/>
+            </a:effectRef>
+            <a:fontRef idx="minor">
+              <a:schemeClr val="tx1"/>
+            </a:fontRef>
+          </p:style>
+        </p:cxnSp>
+        <p:sp>
+          <p:nvSpPr>
+            <p:cNvPr id="28" name="TextBox 27"/>
+            <p:cNvSpPr txBox="1"/>
+            <p:nvPr/>
+          </p:nvSpPr>
+          <p:spPr>
+            <a:xfrm>
+              <a:off x="2971713" y="1164628"/>
+              <a:ext cx="1162873" cy="400110"/>
+            </a:xfrm>
+            <a:prstGeom prst="rect">
+              <a:avLst/>
+            </a:prstGeom>
+            <a:solidFill>
+              <a:schemeClr val="bg1"/>
+            </a:solidFill>
+          </p:spPr>
+          <p:txBody>
+            <a:bodyPr wrap="none" rtlCol="0">
+              <a:spAutoFit/>
+            </a:bodyPr>
+            <a:lstStyle/>
+            <a:p>
+              <a:r>
+                <a:rPr lang="en-US" sz="2000" dirty="0" smtClean="0">
+                  <a:latin typeface="Times New Roman"/>
+                  <a:cs typeface="Times New Roman"/>
+                </a:rPr>
+                <a:t>*p &lt; 0.05</a:t>
+              </a:r>
+              <a:endParaRPr lang="en-US" sz="2000" dirty="0">
+                <a:latin typeface="Times New Roman"/>
+                <a:cs typeface="Times New Roman"/>
+              </a:endParaRPr>
+            </a:p>
+          </p:txBody>
+        </p:sp>
+        <p:cxnSp>
+          <p:nvCxnSpPr>
+            <p:cNvPr id="30" name="Straight Connector 29"/>
+            <p:cNvCxnSpPr/>
+            <p:nvPr/>
+          </p:nvCxnSpPr>
+          <p:spPr>
+            <a:xfrm>
+              <a:off x="4833547" y="1354621"/>
+              <a:ext cx="2211003" cy="0"/>
+            </a:xfrm>
+            <a:prstGeom prst="line">
+              <a:avLst/>
+            </a:prstGeom>
+          </p:spPr>
+          <p:style>
+            <a:lnRef idx="3">
+              <a:schemeClr val="dk1"/>
+            </a:lnRef>
+            <a:fillRef idx="0">
+              <a:schemeClr val="dk1"/>
+            </a:fillRef>
+            <a:effectRef idx="2">
+              <a:schemeClr val="dk1"/>
+            </a:effectRef>
+            <a:fontRef idx="minor">
+              <a:schemeClr val="tx1"/>
+            </a:fontRef>
+          </p:style>
+        </p:cxnSp>
+        <p:sp>
+          <p:nvSpPr>
+            <p:cNvPr id="31" name="TextBox 30"/>
+            <p:cNvSpPr txBox="1"/>
+            <p:nvPr/>
+          </p:nvSpPr>
+          <p:spPr>
+            <a:xfrm>
+              <a:off x="5308513" y="1154566"/>
+              <a:ext cx="1326680" cy="400110"/>
+            </a:xfrm>
+            <a:prstGeom prst="rect">
+              <a:avLst/>
+            </a:prstGeom>
+            <a:solidFill>
+              <a:schemeClr val="bg1"/>
+            </a:solidFill>
+          </p:spPr>
+          <p:txBody>
+            <a:bodyPr wrap="none" rtlCol="0">
+              <a:spAutoFit/>
+            </a:bodyPr>
+            <a:lstStyle/>
+            <a:p>
+              <a:r>
+                <a:rPr lang="en-US" sz="2000" dirty="0" smtClean="0">
+                  <a:latin typeface="Times New Roman"/>
+                  <a:cs typeface="Times New Roman"/>
+                </a:rPr>
+                <a:t>**p &lt; 10</a:t>
+              </a:r>
+              <a:r>
+                <a:rPr lang="en-US" sz="2000" baseline="30000" dirty="0" smtClean="0">
+                  <a:latin typeface="Times New Roman"/>
+                  <a:cs typeface="Times New Roman"/>
+                </a:rPr>
+                <a:t>-18</a:t>
+              </a:r>
+              <a:endParaRPr lang="en-US" sz="2000" dirty="0">
+                <a:latin typeface="Times New Roman"/>
+                <a:cs typeface="Times New Roman"/>
+              </a:endParaRPr>
+            </a:p>
+          </p:txBody>
+        </p:sp>
+        <p:cxnSp>
+          <p:nvCxnSpPr>
+            <p:cNvPr id="33" name="Straight Connector 32"/>
+            <p:cNvCxnSpPr/>
+            <p:nvPr/>
+          </p:nvCxnSpPr>
+          <p:spPr>
+            <a:xfrm>
+              <a:off x="2403113" y="903771"/>
+              <a:ext cx="4641437" cy="0"/>
+            </a:xfrm>
+            <a:prstGeom prst="line">
+              <a:avLst/>
+            </a:prstGeom>
+          </p:spPr>
+          <p:style>
+            <a:lnRef idx="3">
+              <a:schemeClr val="dk1"/>
+            </a:lnRef>
+            <a:fillRef idx="0">
+              <a:schemeClr val="dk1"/>
+            </a:fillRef>
+            <a:effectRef idx="2">
+              <a:schemeClr val="dk1"/>
+            </a:effectRef>
+            <a:fontRef idx="minor">
+              <a:schemeClr val="tx1"/>
+            </a:fontRef>
+          </p:style>
+        </p:cxnSp>
+        <p:sp>
+          <p:nvSpPr>
+            <p:cNvPr id="34" name="TextBox 33"/>
+            <p:cNvSpPr txBox="1"/>
+            <p:nvPr/>
+          </p:nvSpPr>
+          <p:spPr>
+            <a:xfrm>
+              <a:off x="4030006" y="646566"/>
+              <a:ext cx="1241187" cy="400110"/>
+            </a:xfrm>
+            <a:prstGeom prst="rect">
+              <a:avLst/>
+            </a:prstGeom>
+            <a:solidFill>
+              <a:schemeClr val="bg1"/>
+            </a:solidFill>
+          </p:spPr>
+          <p:txBody>
+            <a:bodyPr wrap="none" rtlCol="0">
+              <a:spAutoFit/>
+            </a:bodyPr>
+            <a:lstStyle/>
+            <a:p>
+              <a:r>
+                <a:rPr lang="en-US" sz="2000" dirty="0" smtClean="0">
+                  <a:latin typeface="Times New Roman"/>
+                  <a:cs typeface="Times New Roman"/>
+                </a:rPr>
+                <a:t>**p &lt; 10</a:t>
+              </a:r>
+              <a:r>
+                <a:rPr lang="en-US" sz="2000" baseline="30000" dirty="0" smtClean="0">
+                  <a:latin typeface="Times New Roman"/>
+                  <a:cs typeface="Times New Roman"/>
+                </a:rPr>
+                <a:t>-5</a:t>
+              </a:r>
+              <a:endParaRPr lang="en-US" sz="2000" dirty="0">
+                <a:latin typeface="Times New Roman"/>
+                <a:cs typeface="Times New Roman"/>
+              </a:endParaRPr>
+            </a:p>
+          </p:txBody>
+        </p:sp>
+      </p:grpSp>
+    </p:spTree>
+    <p:extLst>
+      <p:ext uri="{BB962C8B-B14F-4D97-AF65-F5344CB8AC3E}">
+        <p14:creationId xmlns:p14="http://schemas.microsoft.com/office/powerpoint/2010/main" val="3445468281"/>
+      </p:ext>
+    </p:extLst>
+  </p:cSld>
+  <p:clrMapOvr>
+    <a:masterClrMapping/>
+  </p:clrMapOvr>
+  <p:timing>
+    <p:tnLst>
+      <p:par>
+        <p:cTn xmlns:p14="http://schemas.microsoft.com/office/powerpoint/2010/main" id="1" dur="indefinite" restart="never" nodeType="tmRoot"/>
+      </p:par>
+    </p:tnLst>
+  </p:timing>
+</p:sld>
+</file>
+
+<file path=ppt/slides/slide8.xml><?xml version="1.0" encoding="utf-8"?>
+<p:sld xmlns:a="http://schemas.openxmlformats.org/drawingml/2006/main" xmlns:r="http://schemas.openxmlformats.org/officeDocument/2006/relationships" xmlns:p="http://schemas.openxmlformats.org/presentationml/2006/main">
+  <p:cSld>
+    <p:spTree>
+      <p:nvGrpSpPr>
+        <p:cNvPr id="1" name=""/>
+        <p:cNvGrpSpPr/>
+        <p:nvPr/>
+      </p:nvGrpSpPr>
+      <p:grpSpPr>
+        <a:xfrm>
+          <a:off x="0" y="0"/>
+          <a:ext cx="0" cy="0"/>
+          <a:chOff x="0" y="0"/>
+          <a:chExt cx="0" cy="0"/>
+        </a:xfrm>
+      </p:grpSpPr>
+      <p:grpSp>
+        <p:nvGrpSpPr>
+          <p:cNvPr id="28" name="Group 27"/>
+          <p:cNvGrpSpPr/>
+          <p:nvPr/>
+        </p:nvGrpSpPr>
+        <p:grpSpPr>
+          <a:xfrm>
+            <a:off x="330200" y="57150"/>
+            <a:ext cx="8610600" cy="6051550"/>
+            <a:chOff x="330200" y="57150"/>
+            <a:chExt cx="8610600" cy="6051550"/>
+          </a:xfrm>
+        </p:grpSpPr>
+        <p:sp>
+          <p:nvSpPr>
+            <p:cNvPr id="3" name="Rectangle 2"/>
+            <p:cNvSpPr/>
+            <p:nvPr/>
+          </p:nvSpPr>
+          <p:spPr>
+            <a:xfrm>
+              <a:off x="330200" y="57150"/>
+              <a:ext cx="8610600" cy="6051550"/>
+            </a:xfrm>
+            <a:prstGeom prst="rect">
+              <a:avLst/>
+            </a:prstGeom>
+            <a:solidFill>
+              <a:srgbClr val="FFFFFF"/>
+            </a:solidFill>
+            <a:ln>
+              <a:noFill/>
+            </a:ln>
+          </p:spPr>
+          <p:style>
+            <a:lnRef idx="2">
+              <a:schemeClr val="accent1"/>
+            </a:lnRef>
+            <a:fillRef idx="1">
+              <a:schemeClr val="lt1"/>
+            </a:fillRef>
+            <a:effectRef idx="0">
+              <a:schemeClr val="accent1"/>
+            </a:effectRef>
+            <a:fontRef idx="minor">
+              <a:schemeClr val="dk1"/>
+            </a:fontRef>
+          </p:style>
+          <p:txBody>
+            <a:bodyPr rtlCol="0" anchor="ctr"/>
+            <a:lstStyle/>
+            <a:p>
+              <a:pPr algn="ctr"/>
+              <a:endParaRPr lang="en-US"/>
+            </a:p>
+          </p:txBody>
+        </p:sp>
+        <p:grpSp>
+          <p:nvGrpSpPr>
+            <p:cNvPr id="2" name="Group 1"/>
+            <p:cNvGrpSpPr>
+              <a:grpSpLocks noChangeAspect="1"/>
+            </p:cNvGrpSpPr>
+            <p:nvPr/>
+          </p:nvGrpSpPr>
+          <p:grpSpPr>
+            <a:xfrm>
+              <a:off x="571501" y="355600"/>
+              <a:ext cx="7963739" cy="5400597"/>
+              <a:chOff x="0" y="355600"/>
+              <a:chExt cx="9144000" cy="6200989"/>
+            </a:xfrm>
+          </p:grpSpPr>
+          <p:grpSp>
+            <p:nvGrpSpPr>
+              <p:cNvPr id="6" name="Group 5"/>
+              <p:cNvGrpSpPr/>
+              <p:nvPr/>
+            </p:nvGrpSpPr>
+            <p:grpSpPr>
+              <a:xfrm>
+                <a:off x="0" y="355600"/>
+                <a:ext cx="9144000" cy="6200989"/>
+                <a:chOff x="0" y="355600"/>
+                <a:chExt cx="9144000" cy="6200989"/>
+              </a:xfrm>
+            </p:grpSpPr>
+            <p:pic>
+              <p:nvPicPr>
+                <p:cNvPr id="13" name="Picture 12" descr="RecUnidirUncon.png"/>
+                <p:cNvPicPr>
+                  <a:picLocks noChangeAspect="1"/>
+                </p:cNvPicPr>
+                <p:nvPr/>
+              </p:nvPicPr>
+              <p:blipFill>
+                <a:blip r:embed="rId2">
+                  <a:extLst>
+                    <a:ext uri="{28A0092B-C50C-407E-A947-70E740481C1C}">
+                      <a14:useLocalDpi xmlns:a14="http://schemas.microsoft.com/office/drawing/2010/main" val="0"/>
+                    </a:ext>
+                  </a:extLst>
+                </a:blip>
+                <a:stretch>
+                  <a:fillRect/>
+                </a:stretch>
+              </p:blipFill>
+              <p:spPr>
+                <a:xfrm>
+                  <a:off x="0" y="355600"/>
+                  <a:ext cx="9144000" cy="5685453"/>
+                </a:xfrm>
+                <a:prstGeom prst="rect">
+                  <a:avLst/>
+                </a:prstGeom>
+              </p:spPr>
+            </p:pic>
+            <p:sp>
+              <p:nvSpPr>
+                <p:cNvPr id="14" name="Oval 13"/>
+                <p:cNvSpPr/>
+                <p:nvPr/>
+              </p:nvSpPr>
+              <p:spPr>
+                <a:xfrm>
+                  <a:off x="1791759" y="6113165"/>
+                  <a:ext cx="272134" cy="259160"/>
+                </a:xfrm>
+                <a:prstGeom prst="ellipse">
+                  <a:avLst/>
+                </a:prstGeom>
+                <a:solidFill>
+                  <a:schemeClr val="bg1"/>
+                </a:solidFill>
+                <a:ln w="38100" cmpd="sng">
+                  <a:solidFill>
+                    <a:schemeClr val="tx1"/>
+                  </a:solidFill>
+                </a:ln>
+              </p:spPr>
+              <p:style>
+                <a:lnRef idx="1">
+                  <a:schemeClr val="accent1"/>
+                </a:lnRef>
+                <a:fillRef idx="3">
+                  <a:schemeClr val="accent1"/>
+                </a:fillRef>
+                <a:effectRef idx="2">
+                  <a:schemeClr val="accent1"/>
+                </a:effectRef>
+                <a:fontRef idx="minor">
+                  <a:schemeClr val="lt1"/>
+                </a:fontRef>
+              </p:style>
+              <p:txBody>
+                <a:bodyPr rtlCol="0" anchor="ctr"/>
+                <a:lstStyle/>
+                <a:p>
+                  <a:pPr algn="ctr"/>
+                  <a:endParaRPr lang="en-US"/>
+                </a:p>
+              </p:txBody>
+            </p:sp>
+            <p:sp>
+              <p:nvSpPr>
+                <p:cNvPr id="15" name="Oval 14"/>
+                <p:cNvSpPr/>
+                <p:nvPr/>
+              </p:nvSpPr>
+              <p:spPr>
+                <a:xfrm>
+                  <a:off x="1791759" y="5667258"/>
+                  <a:ext cx="272134" cy="259160"/>
+                </a:xfrm>
+                <a:prstGeom prst="ellipse">
+                  <a:avLst/>
+                </a:prstGeom>
+                <a:solidFill>
+                  <a:schemeClr val="bg1"/>
+                </a:solidFill>
+                <a:ln w="38100" cmpd="sng">
+                  <a:solidFill>
+                    <a:schemeClr val="tx1"/>
+                  </a:solidFill>
+                </a:ln>
+              </p:spPr>
+              <p:style>
+                <a:lnRef idx="1">
+                  <a:schemeClr val="accent1"/>
+                </a:lnRef>
+                <a:fillRef idx="3">
+                  <a:schemeClr val="accent1"/>
+                </a:fillRef>
+                <a:effectRef idx="2">
+                  <a:schemeClr val="accent1"/>
+                </a:effectRef>
+                <a:fontRef idx="minor">
+                  <a:schemeClr val="lt1"/>
+                </a:fontRef>
+              </p:style>
+              <p:txBody>
+                <a:bodyPr rtlCol="0" anchor="ctr"/>
+                <a:lstStyle/>
+                <a:p>
+                  <a:pPr algn="ctr"/>
+                  <a:endParaRPr lang="en-US"/>
+                </a:p>
+              </p:txBody>
+            </p:sp>
+            <p:sp>
+              <p:nvSpPr>
+                <p:cNvPr id="16" name="TextBox 15"/>
+                <p:cNvSpPr txBox="1"/>
+                <p:nvPr/>
+              </p:nvSpPr>
+              <p:spPr>
+                <a:xfrm>
+                  <a:off x="1715559" y="5441434"/>
+                  <a:ext cx="1326004" cy="646331"/>
+                </a:xfrm>
+                <a:prstGeom prst="rect">
+                  <a:avLst/>
+                </a:prstGeom>
+                <a:solidFill>
+                  <a:schemeClr val="bg1"/>
+                </a:solidFill>
+              </p:spPr>
+              <p:txBody>
+                <a:bodyPr wrap="none" rtlCol="0">
+                  <a:spAutoFit/>
+                </a:bodyPr>
+                <a:lstStyle/>
+                <a:p>
+                  <a:pPr algn="ctr"/>
+                  <a:r>
+                    <a:rPr lang="en-US" dirty="0" smtClean="0"/>
+                    <a:t>Reciprocal </a:t>
+                  </a:r>
+                </a:p>
+                <a:p>
+                  <a:pPr algn="ctr"/>
+                  <a:r>
+                    <a:rPr lang="en-US" dirty="0" smtClean="0"/>
+                    <a:t>connections</a:t>
+                  </a:r>
+                  <a:endParaRPr lang="en-US" dirty="0"/>
+                </a:p>
+              </p:txBody>
+            </p:sp>
+            <p:sp>
+              <p:nvSpPr>
+                <p:cNvPr id="17" name="TextBox 16"/>
+                <p:cNvSpPr txBox="1"/>
+                <p:nvPr/>
+              </p:nvSpPr>
+              <p:spPr>
+                <a:xfrm>
+                  <a:off x="4025900" y="5441434"/>
+                  <a:ext cx="1509360" cy="646331"/>
+                </a:xfrm>
+                <a:prstGeom prst="rect">
+                  <a:avLst/>
+                </a:prstGeom>
+                <a:solidFill>
+                  <a:schemeClr val="bg1"/>
+                </a:solidFill>
+              </p:spPr>
+              <p:txBody>
+                <a:bodyPr wrap="none" rtlCol="0">
+                  <a:spAutoFit/>
+                </a:bodyPr>
+                <a:lstStyle/>
+                <a:p>
+                  <a:pPr algn="ctr"/>
+                  <a:r>
+                    <a:rPr lang="en-US" dirty="0" smtClean="0"/>
+                    <a:t>Unidirectional </a:t>
+                  </a:r>
+                </a:p>
+                <a:p>
+                  <a:pPr algn="ctr"/>
+                  <a:r>
+                    <a:rPr lang="en-US" dirty="0" smtClean="0"/>
+                    <a:t>connections</a:t>
+                  </a:r>
+                  <a:endParaRPr lang="en-US" dirty="0"/>
+                </a:p>
+              </p:txBody>
+            </p:sp>
+            <p:sp>
+              <p:nvSpPr>
+                <p:cNvPr id="18" name="TextBox 17"/>
+                <p:cNvSpPr txBox="1"/>
+                <p:nvPr/>
+              </p:nvSpPr>
+              <p:spPr>
+                <a:xfrm>
+                  <a:off x="6375691" y="5426849"/>
+                  <a:ext cx="1441846" cy="369332"/>
+                </a:xfrm>
+                <a:prstGeom prst="rect">
+                  <a:avLst/>
+                </a:prstGeom>
+                <a:solidFill>
+                  <a:schemeClr val="bg1"/>
+                </a:solidFill>
+              </p:spPr>
+              <p:txBody>
+                <a:bodyPr wrap="none" rtlCol="0">
+                  <a:spAutoFit/>
+                </a:bodyPr>
+                <a:lstStyle/>
+                <a:p>
+                  <a:pPr algn="ctr"/>
+                  <a:r>
+                    <a:rPr lang="en-US" dirty="0" smtClean="0"/>
+                    <a:t>Unconnected</a:t>
+                  </a:r>
+                  <a:endParaRPr lang="en-US" dirty="0"/>
+                </a:p>
+              </p:txBody>
+            </p:sp>
+            <p:sp>
+              <p:nvSpPr>
+                <p:cNvPr id="19" name="Oval 18"/>
+                <p:cNvSpPr/>
+                <p:nvPr/>
+              </p:nvSpPr>
+              <p:spPr>
+                <a:xfrm>
+                  <a:off x="2717058" y="6296744"/>
+                  <a:ext cx="272134" cy="259160"/>
+                </a:xfrm>
+                <a:prstGeom prst="ellipse">
+                  <a:avLst/>
+                </a:prstGeom>
+                <a:solidFill>
+                  <a:schemeClr val="bg1"/>
+                </a:solidFill>
+                <a:ln w="38100" cmpd="sng">
+                  <a:solidFill>
+                    <a:schemeClr val="tx1"/>
+                  </a:solidFill>
+                </a:ln>
+              </p:spPr>
+              <p:style>
+                <a:lnRef idx="1">
+                  <a:schemeClr val="accent1"/>
+                </a:lnRef>
+                <a:fillRef idx="3">
+                  <a:schemeClr val="accent1"/>
+                </a:fillRef>
+                <a:effectRef idx="2">
+                  <a:schemeClr val="accent1"/>
+                </a:effectRef>
+                <a:fontRef idx="minor">
+                  <a:schemeClr val="lt1"/>
+                </a:fontRef>
+              </p:style>
+              <p:txBody>
+                <a:bodyPr rtlCol="0" anchor="ctr"/>
+                <a:lstStyle/>
+                <a:p>
+                  <a:pPr algn="ctr"/>
+                  <a:endParaRPr lang="en-US"/>
+                </a:p>
+              </p:txBody>
+            </p:sp>
+            <p:cxnSp>
+              <p:nvCxnSpPr>
+                <p:cNvPr id="20" name="Straight Arrow Connector 19"/>
+                <p:cNvCxnSpPr>
+                  <a:stCxn id="14" idx="6"/>
+                  <a:endCxn id="19" idx="2"/>
+                </p:cNvCxnSpPr>
+                <p:nvPr/>
+              </p:nvCxnSpPr>
+              <p:spPr>
+                <a:xfrm>
+                  <a:off x="2063893" y="6242745"/>
+                  <a:ext cx="653165" cy="183579"/>
+                </a:xfrm>
+                <a:prstGeom prst="straightConnector1">
+                  <a:avLst/>
+                </a:prstGeom>
+                <a:ln>
+                  <a:headEnd type="arrow"/>
+                  <a:tailEnd type="arrow"/>
+                </a:ln>
+              </p:spPr>
+              <p:style>
+                <a:lnRef idx="2">
+                  <a:schemeClr val="dk1"/>
+                </a:lnRef>
+                <a:fillRef idx="0">
+                  <a:schemeClr val="dk1"/>
+                </a:fillRef>
+                <a:effectRef idx="1">
+                  <a:schemeClr val="dk1"/>
+                </a:effectRef>
+                <a:fontRef idx="minor">
+                  <a:schemeClr val="tx1"/>
+                </a:fontRef>
+              </p:style>
+            </p:cxnSp>
+            <p:sp>
+              <p:nvSpPr>
+                <p:cNvPr id="21" name="Oval 20"/>
+                <p:cNvSpPr/>
+                <p:nvPr/>
+              </p:nvSpPr>
+              <p:spPr>
+                <a:xfrm>
+                  <a:off x="6566959" y="6037978"/>
+                  <a:ext cx="272134" cy="259160"/>
+                </a:xfrm>
+                <a:prstGeom prst="ellipse">
+                  <a:avLst/>
+                </a:prstGeom>
+                <a:solidFill>
+                  <a:schemeClr val="bg1"/>
+                </a:solidFill>
+                <a:ln w="38100" cmpd="sng">
+                  <a:solidFill>
+                    <a:schemeClr val="tx1"/>
+                  </a:solidFill>
+                </a:ln>
+              </p:spPr>
+              <p:style>
+                <a:lnRef idx="1">
+                  <a:schemeClr val="accent1"/>
+                </a:lnRef>
+                <a:fillRef idx="3">
+                  <a:schemeClr val="accent1"/>
+                </a:fillRef>
+                <a:effectRef idx="2">
+                  <a:schemeClr val="accent1"/>
+                </a:effectRef>
+                <a:fontRef idx="minor">
+                  <a:schemeClr val="lt1"/>
+                </a:fontRef>
+              </p:style>
+              <p:txBody>
+                <a:bodyPr rtlCol="0" anchor="ctr"/>
+                <a:lstStyle/>
+                <a:p>
+                  <a:pPr algn="ctr"/>
+                  <a:endParaRPr lang="en-US"/>
+                </a:p>
+              </p:txBody>
+            </p:sp>
+            <p:sp>
+              <p:nvSpPr>
+                <p:cNvPr id="22" name="Oval 21"/>
+                <p:cNvSpPr/>
+                <p:nvPr/>
+              </p:nvSpPr>
+              <p:spPr>
+                <a:xfrm>
+                  <a:off x="7492258" y="6221557"/>
+                  <a:ext cx="272134" cy="259160"/>
+                </a:xfrm>
+                <a:prstGeom prst="ellipse">
+                  <a:avLst/>
+                </a:prstGeom>
+                <a:solidFill>
+                  <a:schemeClr val="bg1"/>
+                </a:solidFill>
+                <a:ln w="38100" cmpd="sng">
+                  <a:solidFill>
+                    <a:schemeClr val="tx1"/>
+                  </a:solidFill>
+                </a:ln>
+              </p:spPr>
+              <p:style>
+                <a:lnRef idx="1">
+                  <a:schemeClr val="accent1"/>
+                </a:lnRef>
+                <a:fillRef idx="3">
+                  <a:schemeClr val="accent1"/>
+                </a:fillRef>
+                <a:effectRef idx="2">
+                  <a:schemeClr val="accent1"/>
+                </a:effectRef>
+                <a:fontRef idx="minor">
+                  <a:schemeClr val="lt1"/>
+                </a:fontRef>
+              </p:style>
+              <p:txBody>
+                <a:bodyPr rtlCol="0" anchor="ctr"/>
+                <a:lstStyle/>
+                <a:p>
+                  <a:pPr algn="ctr"/>
+                  <a:endParaRPr lang="en-US"/>
+                </a:p>
+              </p:txBody>
+            </p:sp>
+            <p:sp>
+              <p:nvSpPr>
+                <p:cNvPr id="23" name="Oval 22"/>
+                <p:cNvSpPr/>
+                <p:nvPr/>
+              </p:nvSpPr>
+              <p:spPr>
+                <a:xfrm>
+                  <a:off x="4204759" y="6113851"/>
+                  <a:ext cx="272134" cy="259160"/>
+                </a:xfrm>
+                <a:prstGeom prst="ellipse">
+                  <a:avLst/>
+                </a:prstGeom>
+                <a:solidFill>
+                  <a:schemeClr val="bg1"/>
+                </a:solidFill>
+                <a:ln w="38100" cmpd="sng">
+                  <a:solidFill>
+                    <a:schemeClr val="tx1"/>
+                  </a:solidFill>
+                </a:ln>
+              </p:spPr>
+              <p:style>
+                <a:lnRef idx="1">
+                  <a:schemeClr val="accent1"/>
+                </a:lnRef>
+                <a:fillRef idx="3">
+                  <a:schemeClr val="accent1"/>
+                </a:fillRef>
+                <a:effectRef idx="2">
+                  <a:schemeClr val="accent1"/>
+                </a:effectRef>
+                <a:fontRef idx="minor">
+                  <a:schemeClr val="lt1"/>
+                </a:fontRef>
+              </p:style>
+              <p:txBody>
+                <a:bodyPr rtlCol="0" anchor="ctr"/>
+                <a:lstStyle/>
+                <a:p>
+                  <a:pPr algn="ctr"/>
+                  <a:endParaRPr lang="en-US"/>
+                </a:p>
+              </p:txBody>
+            </p:sp>
+            <p:sp>
+              <p:nvSpPr>
+                <p:cNvPr id="24" name="Oval 23"/>
+                <p:cNvSpPr/>
+                <p:nvPr/>
+              </p:nvSpPr>
+              <p:spPr>
+                <a:xfrm>
+                  <a:off x="5130058" y="6297429"/>
+                  <a:ext cx="272134" cy="259160"/>
+                </a:xfrm>
+                <a:prstGeom prst="ellipse">
+                  <a:avLst/>
+                </a:prstGeom>
+                <a:solidFill>
+                  <a:schemeClr val="bg1"/>
+                </a:solidFill>
+                <a:ln w="38100" cmpd="sng">
+                  <a:solidFill>
+                    <a:schemeClr val="tx1"/>
+                  </a:solidFill>
+                </a:ln>
+              </p:spPr>
+              <p:style>
+                <a:lnRef idx="1">
+                  <a:schemeClr val="accent1"/>
+                </a:lnRef>
+                <a:fillRef idx="3">
+                  <a:schemeClr val="accent1"/>
+                </a:fillRef>
+                <a:effectRef idx="2">
+                  <a:schemeClr val="accent1"/>
+                </a:effectRef>
+                <a:fontRef idx="minor">
+                  <a:schemeClr val="lt1"/>
+                </a:fontRef>
+              </p:style>
+              <p:txBody>
+                <a:bodyPr rtlCol="0" anchor="ctr"/>
+                <a:lstStyle/>
+                <a:p>
+                  <a:pPr algn="ctr"/>
+                  <a:endParaRPr lang="en-US"/>
+                </a:p>
+              </p:txBody>
+            </p:sp>
+            <p:cxnSp>
+              <p:nvCxnSpPr>
+                <p:cNvPr id="25" name="Straight Arrow Connector 24"/>
+                <p:cNvCxnSpPr>
+                  <a:stCxn id="23" idx="6"/>
+                  <a:endCxn id="24" idx="2"/>
+                </p:cNvCxnSpPr>
+                <p:nvPr/>
+              </p:nvCxnSpPr>
+              <p:spPr>
+                <a:xfrm>
+                  <a:off x="4476893" y="6243430"/>
+                  <a:ext cx="653165" cy="183580"/>
+                </a:xfrm>
+                <a:prstGeom prst="straightConnector1">
+                  <a:avLst/>
+                </a:prstGeom>
+                <a:ln>
+                  <a:tailEnd type="arrow"/>
+                </a:ln>
+              </p:spPr>
+              <p:style>
+                <a:lnRef idx="2">
+                  <a:schemeClr val="dk1"/>
+                </a:lnRef>
+                <a:fillRef idx="0">
+                  <a:schemeClr val="dk1"/>
+                </a:fillRef>
+                <a:effectRef idx="1">
+                  <a:schemeClr val="dk1"/>
+                </a:effectRef>
+                <a:fontRef idx="minor">
+                  <a:schemeClr val="tx1"/>
+                </a:fontRef>
+              </p:style>
+            </p:cxnSp>
+            <p:sp>
+              <p:nvSpPr>
+                <p:cNvPr id="26" name="TextBox 25"/>
+                <p:cNvSpPr txBox="1"/>
+                <p:nvPr/>
+              </p:nvSpPr>
+              <p:spPr>
+                <a:xfrm rot="16200000">
+                  <a:off x="-156357" y="2785934"/>
+                  <a:ext cx="1780543" cy="369332"/>
+                </a:xfrm>
+                <a:prstGeom prst="rect">
+                  <a:avLst/>
+                </a:prstGeom>
+                <a:solidFill>
+                  <a:schemeClr val="bg1"/>
+                </a:solidFill>
+              </p:spPr>
+              <p:txBody>
+                <a:bodyPr wrap="none" rtlCol="0">
+                  <a:spAutoFit/>
+                </a:bodyPr>
+                <a:lstStyle/>
+                <a:p>
+                  <a:pPr algn="ctr"/>
+                  <a:r>
+                    <a:rPr lang="en-US" dirty="0" err="1" smtClean="0"/>
+                    <a:t>Coexpression</a:t>
+                  </a:r>
+                  <a:r>
+                    <a:rPr lang="en-US" dirty="0" smtClean="0"/>
+                    <a:t> (</a:t>
+                  </a:r>
+                  <a:r>
+                    <a:rPr lang="en-US" dirty="0" err="1" smtClean="0"/>
+                    <a:t>ϕ</a:t>
+                  </a:r>
+                  <a:r>
+                    <a:rPr lang="en-US" dirty="0" smtClean="0"/>
+                    <a:t>)</a:t>
+                  </a:r>
+                  <a:endParaRPr lang="en-US" dirty="0"/>
+                </a:p>
+              </p:txBody>
+            </p:sp>
+          </p:grpSp>
+          <p:cxnSp>
+            <p:nvCxnSpPr>
+              <p:cNvPr id="7" name="Straight Connector 6"/>
+              <p:cNvCxnSpPr/>
+              <p:nvPr/>
+            </p:nvCxnSpPr>
+            <p:spPr>
+              <a:xfrm>
+                <a:off x="2439597" y="1364683"/>
+                <a:ext cx="2211003" cy="0"/>
+              </a:xfrm>
+              <a:prstGeom prst="line">
+                <a:avLst/>
+              </a:prstGeom>
+            </p:spPr>
+            <p:style>
+              <a:lnRef idx="3">
+                <a:schemeClr val="dk1"/>
+              </a:lnRef>
+              <a:fillRef idx="0">
+                <a:schemeClr val="dk1"/>
+              </a:fillRef>
+              <a:effectRef idx="2">
+                <a:schemeClr val="dk1"/>
+              </a:effectRef>
+              <a:fontRef idx="minor">
+                <a:schemeClr val="tx1"/>
+              </a:fontRef>
+            </p:style>
+          </p:cxnSp>
+          <p:sp>
+            <p:nvSpPr>
+              <p:cNvPr id="8" name="TextBox 7"/>
+              <p:cNvSpPr txBox="1"/>
+              <p:nvPr/>
+            </p:nvSpPr>
+            <p:spPr>
+              <a:xfrm>
+                <a:off x="2971713" y="1164628"/>
+                <a:ext cx="1110580" cy="388729"/>
+              </a:xfrm>
+              <a:prstGeom prst="rect">
+                <a:avLst/>
+              </a:prstGeom>
+              <a:solidFill>
+                <a:schemeClr val="bg1"/>
+              </a:solidFill>
+            </p:spPr>
+            <p:txBody>
+              <a:bodyPr wrap="none" rtlCol="0">
+                <a:spAutoFit/>
+              </a:bodyPr>
+              <a:lstStyle/>
+              <a:p>
+                <a:r>
+                  <a:rPr lang="en-US" sz="1600" dirty="0" smtClean="0">
+                    <a:latin typeface="Times New Roman"/>
+                    <a:cs typeface="Times New Roman"/>
+                  </a:rPr>
+                  <a:t>*p &lt; 0.05</a:t>
+                </a:r>
+                <a:endParaRPr lang="en-US" sz="1600" dirty="0">
+                  <a:latin typeface="Times New Roman"/>
+                  <a:cs typeface="Times New Roman"/>
+                </a:endParaRPr>
+              </a:p>
+            </p:txBody>
+          </p:sp>
+          <p:cxnSp>
+            <p:nvCxnSpPr>
+              <p:cNvPr id="9" name="Straight Connector 8"/>
+              <p:cNvCxnSpPr/>
+              <p:nvPr/>
+            </p:nvCxnSpPr>
+            <p:spPr>
+              <a:xfrm>
+                <a:off x="4833547" y="1354621"/>
+                <a:ext cx="2211003" cy="0"/>
+              </a:xfrm>
+              <a:prstGeom prst="line">
+                <a:avLst/>
+              </a:prstGeom>
+            </p:spPr>
+            <p:style>
+              <a:lnRef idx="3">
+                <a:schemeClr val="dk1"/>
+              </a:lnRef>
+              <a:fillRef idx="0">
+                <a:schemeClr val="dk1"/>
+              </a:fillRef>
+              <a:effectRef idx="2">
+                <a:schemeClr val="dk1"/>
+              </a:effectRef>
+              <a:fontRef idx="minor">
+                <a:schemeClr val="tx1"/>
+              </a:fontRef>
+            </p:style>
+          </p:cxnSp>
+          <p:sp>
+            <p:nvSpPr>
+              <p:cNvPr id="10" name="TextBox 9"/>
+              <p:cNvSpPr txBox="1"/>
+              <p:nvPr/>
+            </p:nvSpPr>
+            <p:spPr>
+              <a:xfrm>
+                <a:off x="5308513" y="1154565"/>
+                <a:ext cx="1261046" cy="388729"/>
+              </a:xfrm>
+              <a:prstGeom prst="rect">
+                <a:avLst/>
+              </a:prstGeom>
+              <a:solidFill>
+                <a:schemeClr val="bg1"/>
+              </a:solidFill>
+            </p:spPr>
+            <p:txBody>
+              <a:bodyPr wrap="none" rtlCol="0">
+                <a:spAutoFit/>
+              </a:bodyPr>
+              <a:lstStyle/>
+              <a:p>
+                <a:r>
+                  <a:rPr lang="en-US" sz="1600" dirty="0" smtClean="0">
+                    <a:latin typeface="Times New Roman"/>
+                    <a:cs typeface="Times New Roman"/>
+                  </a:rPr>
+                  <a:t>**p &lt; 10</a:t>
+                </a:r>
+                <a:r>
+                  <a:rPr lang="en-US" sz="1600" baseline="30000" dirty="0" smtClean="0">
+                    <a:latin typeface="Times New Roman"/>
+                    <a:cs typeface="Times New Roman"/>
+                  </a:rPr>
+                  <a:t>-18</a:t>
+                </a:r>
+                <a:endParaRPr lang="en-US" sz="1600" dirty="0">
+                  <a:latin typeface="Times New Roman"/>
+                  <a:cs typeface="Times New Roman"/>
+                </a:endParaRPr>
+              </a:p>
+            </p:txBody>
+          </p:sp>
+          <p:cxnSp>
+            <p:nvCxnSpPr>
+              <p:cNvPr id="11" name="Straight Connector 10"/>
+              <p:cNvCxnSpPr/>
+              <p:nvPr/>
+            </p:nvCxnSpPr>
+            <p:spPr>
+              <a:xfrm>
+                <a:off x="2403113" y="903771"/>
+                <a:ext cx="4641437" cy="0"/>
+              </a:xfrm>
+              <a:prstGeom prst="line">
+                <a:avLst/>
+              </a:prstGeom>
+            </p:spPr>
+            <p:style>
+              <a:lnRef idx="3">
+                <a:schemeClr val="dk1"/>
+              </a:lnRef>
+              <a:fillRef idx="0">
+                <a:schemeClr val="dk1"/>
+              </a:fillRef>
+              <a:effectRef idx="2">
+                <a:schemeClr val="dk1"/>
+              </a:effectRef>
+              <a:fontRef idx="minor">
+                <a:schemeClr val="tx1"/>
+              </a:fontRef>
+            </p:style>
+          </p:cxnSp>
+          <p:sp>
+            <p:nvSpPr>
+              <p:cNvPr id="12" name="TextBox 11"/>
+              <p:cNvSpPr txBox="1"/>
+              <p:nvPr/>
+            </p:nvSpPr>
+            <p:spPr>
+              <a:xfrm>
+                <a:off x="4030006" y="646566"/>
+                <a:ext cx="1183857" cy="388729"/>
+              </a:xfrm>
+              <a:prstGeom prst="rect">
+                <a:avLst/>
+              </a:prstGeom>
+              <a:solidFill>
+                <a:schemeClr val="bg1"/>
+              </a:solidFill>
+            </p:spPr>
+            <p:txBody>
+              <a:bodyPr wrap="none" rtlCol="0">
+                <a:spAutoFit/>
+              </a:bodyPr>
+              <a:lstStyle/>
+              <a:p>
+                <a:r>
+                  <a:rPr lang="en-US" sz="1600" dirty="0" smtClean="0">
+                    <a:latin typeface="Times New Roman"/>
+                    <a:cs typeface="Times New Roman"/>
+                  </a:rPr>
+                  <a:t>**p &lt; 10</a:t>
+                </a:r>
+                <a:r>
+                  <a:rPr lang="en-US" sz="1600" baseline="30000" dirty="0" smtClean="0">
+                    <a:latin typeface="Times New Roman"/>
+                    <a:cs typeface="Times New Roman"/>
+                  </a:rPr>
+                  <a:t>-5</a:t>
+                </a:r>
+                <a:endParaRPr lang="en-US" sz="1600" dirty="0">
+                  <a:latin typeface="Times New Roman"/>
+                  <a:cs typeface="Times New Roman"/>
+                </a:endParaRPr>
+              </a:p>
+            </p:txBody>
+          </p:sp>
+        </p:grpSp>
+      </p:grpSp>
+    </p:spTree>
+    <p:extLst>
+      <p:ext uri="{BB962C8B-B14F-4D97-AF65-F5344CB8AC3E}">
+        <p14:creationId xmlns:p14="http://schemas.microsoft.com/office/powerpoint/2010/main" val="781745859"/>
+      </p:ext>
+    </p:extLst>
+  </p:cSld>
+  <p:clrMapOvr>
+    <a:masterClrMapping/>
+  </p:clrMapOvr>
+</p:sld>
+</file>
+
+<file path=ppt/slides/slide9.xml><?xml version="1.0" encoding="utf-8"?>
+<p:sld xmlns:a="http://schemas.openxmlformats.org/drawingml/2006/main" xmlns:r="http://schemas.openxmlformats.org/officeDocument/2006/relationships" xmlns:p="http://schemas.openxmlformats.org/presentationml/2006/main">
+  <p:cSld>
+    <p:spTree>
+      <p:nvGrpSpPr>
+        <p:cNvPr id="1" name=""/>
+        <p:cNvGrpSpPr/>
+        <p:nvPr/>
+      </p:nvGrpSpPr>
+      <p:grpSpPr>
+        <a:xfrm>
+          <a:off x="0" y="0"/>
+          <a:ext cx="0" cy="0"/>
+          <a:chOff x="0" y="0"/>
+          <a:chExt cx="0" cy="0"/>
+        </a:xfrm>
+      </p:grpSpPr>
+      <p:grpSp>
+        <p:nvGrpSpPr>
+          <p:cNvPr id="28" name="Group 27"/>
+          <p:cNvGrpSpPr/>
+          <p:nvPr/>
+        </p:nvGrpSpPr>
+        <p:grpSpPr>
+          <a:xfrm>
+            <a:off x="330200" y="57150"/>
+            <a:ext cx="8610600" cy="6051550"/>
+            <a:chOff x="330200" y="57150"/>
+            <a:chExt cx="8610600" cy="6051550"/>
+          </a:xfrm>
+        </p:grpSpPr>
+        <p:sp>
+          <p:nvSpPr>
+            <p:cNvPr id="3" name="Rectangle 2"/>
+            <p:cNvSpPr/>
+            <p:nvPr/>
+          </p:nvSpPr>
+          <p:spPr>
+            <a:xfrm>
+              <a:off x="330200" y="57150"/>
+              <a:ext cx="8610600" cy="6051550"/>
+            </a:xfrm>
+            <a:prstGeom prst="rect">
+              <a:avLst/>
+            </a:prstGeom>
+            <a:solidFill>
+              <a:srgbClr val="FFFFFF"/>
+            </a:solidFill>
+            <a:ln>
+              <a:noFill/>
+            </a:ln>
+          </p:spPr>
+          <p:style>
+            <a:lnRef idx="2">
+              <a:schemeClr val="accent1"/>
+            </a:lnRef>
+            <a:fillRef idx="1">
+              <a:schemeClr val="lt1"/>
+            </a:fillRef>
+            <a:effectRef idx="0">
+              <a:schemeClr val="accent1"/>
+            </a:effectRef>
+            <a:fontRef idx="minor">
+              <a:schemeClr val="dk1"/>
+            </a:fontRef>
+          </p:style>
+          <p:txBody>
+            <a:bodyPr rtlCol="0" anchor="ctr"/>
+            <a:lstStyle/>
+            <a:p>
+              <a:pPr algn="ctr"/>
+              <a:endParaRPr lang="en-US"/>
+            </a:p>
+          </p:txBody>
+        </p:sp>
+        <p:grpSp>
+          <p:nvGrpSpPr>
+            <p:cNvPr id="2" name="Group 1"/>
+            <p:cNvGrpSpPr>
+              <a:grpSpLocks noChangeAspect="1"/>
+            </p:cNvGrpSpPr>
+            <p:nvPr/>
+          </p:nvGrpSpPr>
+          <p:grpSpPr>
+            <a:xfrm>
+              <a:off x="571501" y="355600"/>
+              <a:ext cx="7963739" cy="5400597"/>
+              <a:chOff x="0" y="355600"/>
+              <a:chExt cx="9144000" cy="6200989"/>
+            </a:xfrm>
+          </p:grpSpPr>
+          <p:grpSp>
+            <p:nvGrpSpPr>
+              <p:cNvPr id="6" name="Group 5"/>
+              <p:cNvGrpSpPr/>
+              <p:nvPr/>
+            </p:nvGrpSpPr>
+            <p:grpSpPr>
+              <a:xfrm>
+                <a:off x="0" y="355600"/>
+                <a:ext cx="9144000" cy="6200989"/>
+                <a:chOff x="0" y="355600"/>
+                <a:chExt cx="9144000" cy="6200989"/>
+              </a:xfrm>
+            </p:grpSpPr>
+            <p:pic>
+              <p:nvPicPr>
+                <p:cNvPr id="13" name="Picture 12" descr="RecUnidirUncon.png"/>
+                <p:cNvPicPr>
+                  <a:picLocks noChangeAspect="1"/>
+                </p:cNvPicPr>
+                <p:nvPr/>
+              </p:nvPicPr>
+              <p:blipFill>
+                <a:blip r:embed="rId2">
+                  <a:extLst>
+                    <a:ext uri="{28A0092B-C50C-407E-A947-70E740481C1C}">
+                      <a14:useLocalDpi xmlns:a14="http://schemas.microsoft.com/office/drawing/2010/main" val="0"/>
+                    </a:ext>
+                  </a:extLst>
+                </a:blip>
+                <a:stretch>
+                  <a:fillRect/>
+                </a:stretch>
+              </p:blipFill>
+              <p:spPr>
+                <a:xfrm>
+                  <a:off x="0" y="355600"/>
+                  <a:ext cx="9144000" cy="5685453"/>
+                </a:xfrm>
+                <a:prstGeom prst="rect">
+                  <a:avLst/>
+                </a:prstGeom>
+              </p:spPr>
+            </p:pic>
+            <p:sp>
+              <p:nvSpPr>
+                <p:cNvPr id="14" name="Oval 13"/>
+                <p:cNvSpPr/>
+                <p:nvPr/>
+              </p:nvSpPr>
+              <p:spPr>
+                <a:xfrm>
+                  <a:off x="1791759" y="6113165"/>
+                  <a:ext cx="272134" cy="259160"/>
+                </a:xfrm>
+                <a:prstGeom prst="ellipse">
+                  <a:avLst/>
+                </a:prstGeom>
+                <a:solidFill>
+                  <a:schemeClr val="bg1"/>
+                </a:solidFill>
+                <a:ln w="38100" cmpd="sng">
+                  <a:solidFill>
+                    <a:schemeClr val="tx1"/>
+                  </a:solidFill>
+                </a:ln>
+              </p:spPr>
+              <p:style>
+                <a:lnRef idx="1">
+                  <a:schemeClr val="accent1"/>
+                </a:lnRef>
+                <a:fillRef idx="3">
+                  <a:schemeClr val="accent1"/>
+                </a:fillRef>
+                <a:effectRef idx="2">
+                  <a:schemeClr val="accent1"/>
+                </a:effectRef>
+                <a:fontRef idx="minor">
+                  <a:schemeClr val="lt1"/>
+                </a:fontRef>
+              </p:style>
+              <p:txBody>
+                <a:bodyPr rtlCol="0" anchor="ctr"/>
+                <a:lstStyle/>
+                <a:p>
+                  <a:pPr algn="ctr"/>
+                  <a:endParaRPr lang="en-US"/>
+                </a:p>
+              </p:txBody>
+            </p:sp>
+            <p:sp>
+              <p:nvSpPr>
+                <p:cNvPr id="15" name="Oval 14"/>
+                <p:cNvSpPr/>
+                <p:nvPr/>
+              </p:nvSpPr>
+              <p:spPr>
+                <a:xfrm>
+                  <a:off x="1791759" y="5667258"/>
+                  <a:ext cx="272134" cy="259160"/>
+                </a:xfrm>
+                <a:prstGeom prst="ellipse">
+                  <a:avLst/>
+                </a:prstGeom>
+                <a:solidFill>
+                  <a:schemeClr val="bg1"/>
+                </a:solidFill>
+                <a:ln w="38100" cmpd="sng">
+                  <a:solidFill>
+                    <a:schemeClr val="tx1"/>
+                  </a:solidFill>
+                </a:ln>
+              </p:spPr>
+              <p:style>
+                <a:lnRef idx="1">
+                  <a:schemeClr val="accent1"/>
+                </a:lnRef>
+                <a:fillRef idx="3">
+                  <a:schemeClr val="accent1"/>
+                </a:fillRef>
+                <a:effectRef idx="2">
+                  <a:schemeClr val="accent1"/>
+                </a:effectRef>
+                <a:fontRef idx="minor">
+                  <a:schemeClr val="lt1"/>
+                </a:fontRef>
+              </p:style>
+              <p:txBody>
+                <a:bodyPr rtlCol="0" anchor="ctr"/>
+                <a:lstStyle/>
+                <a:p>
+                  <a:pPr algn="ctr"/>
+                  <a:endParaRPr lang="en-US"/>
+                </a:p>
+              </p:txBody>
+            </p:sp>
+            <p:sp>
+              <p:nvSpPr>
+                <p:cNvPr id="16" name="TextBox 15"/>
+                <p:cNvSpPr txBox="1"/>
+                <p:nvPr/>
+              </p:nvSpPr>
+              <p:spPr>
+                <a:xfrm>
+                  <a:off x="1715559" y="5441434"/>
+                  <a:ext cx="1326004" cy="646331"/>
+                </a:xfrm>
+                <a:prstGeom prst="rect">
+                  <a:avLst/>
+                </a:prstGeom>
+                <a:solidFill>
+                  <a:schemeClr val="bg1"/>
+                </a:solidFill>
+              </p:spPr>
+              <p:txBody>
+                <a:bodyPr wrap="none" rtlCol="0">
+                  <a:spAutoFit/>
+                </a:bodyPr>
+                <a:lstStyle/>
+                <a:p>
+                  <a:pPr algn="ctr"/>
+                  <a:r>
+                    <a:rPr lang="en-US" dirty="0" smtClean="0"/>
+                    <a:t>Reciprocal </a:t>
+                  </a:r>
+                </a:p>
+                <a:p>
+                  <a:pPr algn="ctr"/>
+                  <a:r>
+                    <a:rPr lang="en-US" dirty="0" smtClean="0"/>
+                    <a:t>connections</a:t>
+                  </a:r>
+                  <a:endParaRPr lang="en-US" dirty="0"/>
+                </a:p>
+              </p:txBody>
+            </p:sp>
+            <p:sp>
+              <p:nvSpPr>
+                <p:cNvPr id="17" name="TextBox 16"/>
+                <p:cNvSpPr txBox="1"/>
+                <p:nvPr/>
+              </p:nvSpPr>
+              <p:spPr>
+                <a:xfrm>
+                  <a:off x="4025900" y="5441434"/>
+                  <a:ext cx="1509360" cy="646331"/>
+                </a:xfrm>
+                <a:prstGeom prst="rect">
+                  <a:avLst/>
+                </a:prstGeom>
+                <a:solidFill>
+                  <a:schemeClr val="bg1"/>
+                </a:solidFill>
+              </p:spPr>
+              <p:txBody>
+                <a:bodyPr wrap="none" rtlCol="0">
+                  <a:spAutoFit/>
+                </a:bodyPr>
+                <a:lstStyle/>
+                <a:p>
+                  <a:pPr algn="ctr"/>
+                  <a:r>
+                    <a:rPr lang="en-US" dirty="0" smtClean="0"/>
+                    <a:t>Unidirectional </a:t>
+                  </a:r>
+                </a:p>
+                <a:p>
+                  <a:pPr algn="ctr"/>
+                  <a:r>
+                    <a:rPr lang="en-US" dirty="0" smtClean="0"/>
+                    <a:t>connections</a:t>
+                  </a:r>
+                  <a:endParaRPr lang="en-US" dirty="0"/>
+                </a:p>
+              </p:txBody>
+            </p:sp>
+            <p:sp>
+              <p:nvSpPr>
+                <p:cNvPr id="18" name="TextBox 17"/>
+                <p:cNvSpPr txBox="1"/>
+                <p:nvPr/>
+              </p:nvSpPr>
+              <p:spPr>
+                <a:xfrm>
+                  <a:off x="6375691" y="5426849"/>
+                  <a:ext cx="1441846" cy="369332"/>
+                </a:xfrm>
+                <a:prstGeom prst="rect">
+                  <a:avLst/>
+                </a:prstGeom>
+                <a:solidFill>
+                  <a:schemeClr val="bg1"/>
+                </a:solidFill>
+              </p:spPr>
+              <p:txBody>
+                <a:bodyPr wrap="none" rtlCol="0">
+                  <a:spAutoFit/>
+                </a:bodyPr>
+                <a:lstStyle/>
+                <a:p>
+                  <a:pPr algn="ctr"/>
+                  <a:r>
+                    <a:rPr lang="en-US" dirty="0" smtClean="0"/>
+                    <a:t>Unconnected</a:t>
+                  </a:r>
+                  <a:endParaRPr lang="en-US" dirty="0"/>
+                </a:p>
+              </p:txBody>
+            </p:sp>
+            <p:sp>
+              <p:nvSpPr>
+                <p:cNvPr id="19" name="Oval 18"/>
+                <p:cNvSpPr/>
+                <p:nvPr/>
+              </p:nvSpPr>
+              <p:spPr>
+                <a:xfrm>
+                  <a:off x="2717058" y="6296744"/>
+                  <a:ext cx="272134" cy="259160"/>
+                </a:xfrm>
+                <a:prstGeom prst="ellipse">
+                  <a:avLst/>
+                </a:prstGeom>
+                <a:solidFill>
+                  <a:schemeClr val="bg1"/>
+                </a:solidFill>
+                <a:ln w="38100" cmpd="sng">
+                  <a:solidFill>
+                    <a:schemeClr val="tx1"/>
+                  </a:solidFill>
+                </a:ln>
+              </p:spPr>
+              <p:style>
+                <a:lnRef idx="1">
+                  <a:schemeClr val="accent1"/>
+                </a:lnRef>
+                <a:fillRef idx="3">
+                  <a:schemeClr val="accent1"/>
+                </a:fillRef>
+                <a:effectRef idx="2">
+                  <a:schemeClr val="accent1"/>
+                </a:effectRef>
+                <a:fontRef idx="minor">
+                  <a:schemeClr val="lt1"/>
+                </a:fontRef>
+              </p:style>
+              <p:txBody>
+                <a:bodyPr rtlCol="0" anchor="ctr"/>
+                <a:lstStyle/>
+                <a:p>
+                  <a:pPr algn="ctr"/>
+                  <a:endParaRPr lang="en-US"/>
+                </a:p>
+              </p:txBody>
+            </p:sp>
+            <p:cxnSp>
+              <p:nvCxnSpPr>
+                <p:cNvPr id="20" name="Straight Arrow Connector 19"/>
+                <p:cNvCxnSpPr>
+                  <a:stCxn id="14" idx="6"/>
+                  <a:endCxn id="19" idx="2"/>
+                </p:cNvCxnSpPr>
+                <p:nvPr/>
+              </p:nvCxnSpPr>
+              <p:spPr>
+                <a:xfrm>
+                  <a:off x="2063893" y="6242745"/>
+                  <a:ext cx="653165" cy="183579"/>
+                </a:xfrm>
+                <a:prstGeom prst="straightConnector1">
+                  <a:avLst/>
+                </a:prstGeom>
+                <a:ln>
+                  <a:headEnd type="arrow"/>
+                  <a:tailEnd type="arrow"/>
+                </a:ln>
+              </p:spPr>
+              <p:style>
+                <a:lnRef idx="2">
+                  <a:schemeClr val="dk1"/>
+                </a:lnRef>
+                <a:fillRef idx="0">
+                  <a:schemeClr val="dk1"/>
+                </a:fillRef>
+                <a:effectRef idx="1">
+                  <a:schemeClr val="dk1"/>
+                </a:effectRef>
+                <a:fontRef idx="minor">
+                  <a:schemeClr val="tx1"/>
+                </a:fontRef>
+              </p:style>
+            </p:cxnSp>
+            <p:sp>
+              <p:nvSpPr>
+                <p:cNvPr id="21" name="Oval 20"/>
+                <p:cNvSpPr/>
+                <p:nvPr/>
+              </p:nvSpPr>
+              <p:spPr>
+                <a:xfrm>
+                  <a:off x="6566959" y="6037978"/>
+                  <a:ext cx="272134" cy="259160"/>
+                </a:xfrm>
+                <a:prstGeom prst="ellipse">
+                  <a:avLst/>
+                </a:prstGeom>
+                <a:solidFill>
+                  <a:schemeClr val="bg1"/>
+                </a:solidFill>
+                <a:ln w="38100" cmpd="sng">
+                  <a:solidFill>
+                    <a:schemeClr val="tx1"/>
+                  </a:solidFill>
+                </a:ln>
+              </p:spPr>
+              <p:style>
+                <a:lnRef idx="1">
+                  <a:schemeClr val="accent1"/>
+                </a:lnRef>
+                <a:fillRef idx="3">
+                  <a:schemeClr val="accent1"/>
+                </a:fillRef>
+                <a:effectRef idx="2">
+                  <a:schemeClr val="accent1"/>
+                </a:effectRef>
+                <a:fontRef idx="minor">
+                  <a:schemeClr val="lt1"/>
+                </a:fontRef>
+              </p:style>
+              <p:txBody>
+                <a:bodyPr rtlCol="0" anchor="ctr"/>
+                <a:lstStyle/>
+                <a:p>
+                  <a:pPr algn="ctr"/>
+                  <a:endParaRPr lang="en-US"/>
+                </a:p>
+              </p:txBody>
+            </p:sp>
+            <p:sp>
+              <p:nvSpPr>
+                <p:cNvPr id="22" name="Oval 21"/>
+                <p:cNvSpPr/>
+                <p:nvPr/>
+              </p:nvSpPr>
+              <p:spPr>
+                <a:xfrm>
+                  <a:off x="7492258" y="6221557"/>
+                  <a:ext cx="272134" cy="259160"/>
+                </a:xfrm>
+                <a:prstGeom prst="ellipse">
+                  <a:avLst/>
+                </a:prstGeom>
+                <a:solidFill>
+                  <a:schemeClr val="bg1"/>
+                </a:solidFill>
+                <a:ln w="38100" cmpd="sng">
+                  <a:solidFill>
+                    <a:schemeClr val="tx1"/>
+                  </a:solidFill>
+                </a:ln>
+              </p:spPr>
+              <p:style>
+                <a:lnRef idx="1">
+                  <a:schemeClr val="accent1"/>
+                </a:lnRef>
+                <a:fillRef idx="3">
+                  <a:schemeClr val="accent1"/>
+                </a:fillRef>
+                <a:effectRef idx="2">
+                  <a:schemeClr val="accent1"/>
+                </a:effectRef>
+                <a:fontRef idx="minor">
+                  <a:schemeClr val="lt1"/>
+                </a:fontRef>
+              </p:style>
+              <p:txBody>
+                <a:bodyPr rtlCol="0" anchor="ctr"/>
+                <a:lstStyle/>
+                <a:p>
+                  <a:pPr algn="ctr"/>
+                  <a:endParaRPr lang="en-US"/>
+                </a:p>
+              </p:txBody>
+            </p:sp>
+            <p:sp>
+              <p:nvSpPr>
+                <p:cNvPr id="23" name="Oval 22"/>
+                <p:cNvSpPr/>
+                <p:nvPr/>
+              </p:nvSpPr>
+              <p:spPr>
+                <a:xfrm>
+                  <a:off x="4204759" y="6113851"/>
+                  <a:ext cx="272134" cy="259160"/>
+                </a:xfrm>
+                <a:prstGeom prst="ellipse">
+                  <a:avLst/>
+                </a:prstGeom>
+                <a:solidFill>
+                  <a:schemeClr val="bg1"/>
+                </a:solidFill>
+                <a:ln w="38100" cmpd="sng">
+                  <a:solidFill>
+                    <a:schemeClr val="tx1"/>
+                  </a:solidFill>
+                </a:ln>
+              </p:spPr>
+              <p:style>
+                <a:lnRef idx="1">
+                  <a:schemeClr val="accent1"/>
+                </a:lnRef>
+                <a:fillRef idx="3">
+                  <a:schemeClr val="accent1"/>
+                </a:fillRef>
+                <a:effectRef idx="2">
+                  <a:schemeClr val="accent1"/>
+                </a:effectRef>
+                <a:fontRef idx="minor">
+                  <a:schemeClr val="lt1"/>
+                </a:fontRef>
+              </p:style>
+              <p:txBody>
+                <a:bodyPr rtlCol="0" anchor="ctr"/>
+                <a:lstStyle/>
+                <a:p>
+                  <a:pPr algn="ctr"/>
+                  <a:endParaRPr lang="en-US"/>
+                </a:p>
+              </p:txBody>
+            </p:sp>
+            <p:sp>
+              <p:nvSpPr>
+                <p:cNvPr id="24" name="Oval 23"/>
+                <p:cNvSpPr/>
+                <p:nvPr/>
+              </p:nvSpPr>
+              <p:spPr>
+                <a:xfrm>
+                  <a:off x="5130058" y="6297429"/>
+                  <a:ext cx="272134" cy="259160"/>
+                </a:xfrm>
+                <a:prstGeom prst="ellipse">
+                  <a:avLst/>
+                </a:prstGeom>
+                <a:solidFill>
+                  <a:schemeClr val="bg1"/>
+                </a:solidFill>
+                <a:ln w="38100" cmpd="sng">
+                  <a:solidFill>
+                    <a:schemeClr val="tx1"/>
+                  </a:solidFill>
+                </a:ln>
+              </p:spPr>
+              <p:style>
+                <a:lnRef idx="1">
+                  <a:schemeClr val="accent1"/>
+                </a:lnRef>
+                <a:fillRef idx="3">
+                  <a:schemeClr val="accent1"/>
+                </a:fillRef>
+                <a:effectRef idx="2">
+                  <a:schemeClr val="accent1"/>
+                </a:effectRef>
+                <a:fontRef idx="minor">
+                  <a:schemeClr val="lt1"/>
+                </a:fontRef>
+              </p:style>
+              <p:txBody>
+                <a:bodyPr rtlCol="0" anchor="ctr"/>
+                <a:lstStyle/>
+                <a:p>
+                  <a:pPr algn="ctr"/>
+                  <a:endParaRPr lang="en-US"/>
+                </a:p>
+              </p:txBody>
+            </p:sp>
+            <p:cxnSp>
+              <p:nvCxnSpPr>
+                <p:cNvPr id="25" name="Straight Arrow Connector 24"/>
+                <p:cNvCxnSpPr>
+                  <a:stCxn id="23" idx="6"/>
+                  <a:endCxn id="24" idx="2"/>
+                </p:cNvCxnSpPr>
+                <p:nvPr/>
+              </p:nvCxnSpPr>
+              <p:spPr>
+                <a:xfrm>
+                  <a:off x="4476893" y="6243430"/>
+                  <a:ext cx="653165" cy="183580"/>
+                </a:xfrm>
+                <a:prstGeom prst="straightConnector1">
+                  <a:avLst/>
+                </a:prstGeom>
+                <a:ln>
+                  <a:tailEnd type="arrow"/>
+                </a:ln>
+              </p:spPr>
+              <p:style>
+                <a:lnRef idx="2">
+                  <a:schemeClr val="dk1"/>
+                </a:lnRef>
+                <a:fillRef idx="0">
+                  <a:schemeClr val="dk1"/>
+                </a:fillRef>
+                <a:effectRef idx="1">
+                  <a:schemeClr val="dk1"/>
+                </a:effectRef>
+                <a:fontRef idx="minor">
+                  <a:schemeClr val="tx1"/>
+                </a:fontRef>
+              </p:style>
+            </p:cxnSp>
+            <p:sp>
+              <p:nvSpPr>
+                <p:cNvPr id="26" name="TextBox 25"/>
+                <p:cNvSpPr txBox="1"/>
+                <p:nvPr/>
+              </p:nvSpPr>
+              <p:spPr>
+                <a:xfrm rot="16200000">
+                  <a:off x="-156357" y="2785934"/>
+                  <a:ext cx="1780543" cy="369332"/>
+                </a:xfrm>
+                <a:prstGeom prst="rect">
+                  <a:avLst/>
+                </a:prstGeom>
+                <a:solidFill>
+                  <a:schemeClr val="bg1"/>
+                </a:solidFill>
+              </p:spPr>
+              <p:txBody>
+                <a:bodyPr wrap="none" rtlCol="0">
+                  <a:spAutoFit/>
+                </a:bodyPr>
+                <a:lstStyle/>
+                <a:p>
+                  <a:pPr algn="ctr"/>
+                  <a:r>
+                    <a:rPr lang="en-US" dirty="0" err="1" smtClean="0"/>
+                    <a:t>Coexpression</a:t>
+                  </a:r>
+                  <a:r>
+                    <a:rPr lang="en-US" dirty="0" smtClean="0"/>
+                    <a:t> (</a:t>
+                  </a:r>
+                  <a:r>
+                    <a:rPr lang="en-US" dirty="0" err="1" smtClean="0"/>
+                    <a:t>ϕ</a:t>
+                  </a:r>
+                  <a:r>
+                    <a:rPr lang="en-US" dirty="0" smtClean="0"/>
+                    <a:t>)</a:t>
+                  </a:r>
+                  <a:endParaRPr lang="en-US" dirty="0"/>
+                </a:p>
+              </p:txBody>
+            </p:sp>
+          </p:grpSp>
+          <p:cxnSp>
+            <p:nvCxnSpPr>
+              <p:cNvPr id="7" name="Straight Connector 6"/>
+              <p:cNvCxnSpPr/>
+              <p:nvPr/>
+            </p:nvCxnSpPr>
+            <p:spPr>
+              <a:xfrm>
+                <a:off x="2439597" y="1364683"/>
+                <a:ext cx="2211003" cy="0"/>
+              </a:xfrm>
+              <a:prstGeom prst="line">
+                <a:avLst/>
+              </a:prstGeom>
+            </p:spPr>
+            <p:style>
+              <a:lnRef idx="3">
+                <a:schemeClr val="dk1"/>
+              </a:lnRef>
+              <a:fillRef idx="0">
+                <a:schemeClr val="dk1"/>
+              </a:fillRef>
+              <a:effectRef idx="2">
+                <a:schemeClr val="dk1"/>
+              </a:effectRef>
+              <a:fontRef idx="minor">
+                <a:schemeClr val="tx1"/>
+              </a:fontRef>
+            </p:style>
+          </p:cxnSp>
+          <p:sp>
+            <p:nvSpPr>
+              <p:cNvPr id="8" name="TextBox 7"/>
+              <p:cNvSpPr txBox="1"/>
+              <p:nvPr/>
+            </p:nvSpPr>
+            <p:spPr>
+              <a:xfrm>
+                <a:off x="2971713" y="1164628"/>
+                <a:ext cx="1110580" cy="388729"/>
+              </a:xfrm>
+              <a:prstGeom prst="rect">
+                <a:avLst/>
+              </a:prstGeom>
+              <a:solidFill>
+                <a:schemeClr val="bg1"/>
+              </a:solidFill>
+            </p:spPr>
+            <p:txBody>
+              <a:bodyPr wrap="none" rtlCol="0">
+                <a:spAutoFit/>
+              </a:bodyPr>
+              <a:lstStyle/>
+              <a:p>
+                <a:r>
+                  <a:rPr lang="en-US" sz="1600" dirty="0" smtClean="0">
+                    <a:latin typeface="Times New Roman"/>
+                    <a:cs typeface="Times New Roman"/>
+                  </a:rPr>
+                  <a:t>*p &lt; 0.05</a:t>
+                </a:r>
+                <a:endParaRPr lang="en-US" sz="1600" dirty="0">
+                  <a:latin typeface="Times New Roman"/>
+                  <a:cs typeface="Times New Roman"/>
+                </a:endParaRPr>
+              </a:p>
+            </p:txBody>
+          </p:sp>
+          <p:cxnSp>
+            <p:nvCxnSpPr>
+              <p:cNvPr id="9" name="Straight Connector 8"/>
+              <p:cNvCxnSpPr/>
+              <p:nvPr/>
+            </p:nvCxnSpPr>
+            <p:spPr>
+              <a:xfrm>
+                <a:off x="4833547" y="1354621"/>
+                <a:ext cx="2211003" cy="0"/>
+              </a:xfrm>
+              <a:prstGeom prst="line">
+                <a:avLst/>
+              </a:prstGeom>
+            </p:spPr>
+            <p:style>
+              <a:lnRef idx="3">
+                <a:schemeClr val="dk1"/>
+              </a:lnRef>
+              <a:fillRef idx="0">
+                <a:schemeClr val="dk1"/>
+              </a:fillRef>
+              <a:effectRef idx="2">
+                <a:schemeClr val="dk1"/>
+              </a:effectRef>
+              <a:fontRef idx="minor">
+                <a:schemeClr val="tx1"/>
+              </a:fontRef>
+            </p:style>
+          </p:cxnSp>
+          <p:sp>
+            <p:nvSpPr>
+              <p:cNvPr id="10" name="TextBox 9"/>
+              <p:cNvSpPr txBox="1"/>
+              <p:nvPr/>
+            </p:nvSpPr>
+            <p:spPr>
+              <a:xfrm>
+                <a:off x="5308513" y="1154565"/>
+                <a:ext cx="1261046" cy="388729"/>
+              </a:xfrm>
+              <a:prstGeom prst="rect">
+                <a:avLst/>
+              </a:prstGeom>
+              <a:solidFill>
+                <a:schemeClr val="bg1"/>
+              </a:solidFill>
+            </p:spPr>
+            <p:txBody>
+              <a:bodyPr wrap="none" rtlCol="0">
+                <a:spAutoFit/>
+              </a:bodyPr>
+              <a:lstStyle/>
+              <a:p>
+                <a:r>
+                  <a:rPr lang="en-US" sz="1600" dirty="0" smtClean="0">
+                    <a:latin typeface="Times New Roman"/>
+                    <a:cs typeface="Times New Roman"/>
+                  </a:rPr>
+                  <a:t>**p &lt; 10</a:t>
+                </a:r>
+                <a:r>
+                  <a:rPr lang="en-US" sz="1600" baseline="30000" dirty="0" smtClean="0">
+                    <a:latin typeface="Times New Roman"/>
+                    <a:cs typeface="Times New Roman"/>
+                  </a:rPr>
+                  <a:t>-18</a:t>
+                </a:r>
+                <a:endParaRPr lang="en-US" sz="1600" dirty="0">
+                  <a:latin typeface="Times New Roman"/>
+                  <a:cs typeface="Times New Roman"/>
+                </a:endParaRPr>
+              </a:p>
+            </p:txBody>
+          </p:sp>
+          <p:cxnSp>
+            <p:nvCxnSpPr>
+              <p:cNvPr id="11" name="Straight Connector 10"/>
+              <p:cNvCxnSpPr/>
+              <p:nvPr/>
+            </p:nvCxnSpPr>
+            <p:spPr>
+              <a:xfrm>
+                <a:off x="2403113" y="903771"/>
+                <a:ext cx="4641437" cy="0"/>
+              </a:xfrm>
+              <a:prstGeom prst="line">
+                <a:avLst/>
+              </a:prstGeom>
+            </p:spPr>
+            <p:style>
+              <a:lnRef idx="3">
+                <a:schemeClr val="dk1"/>
+              </a:lnRef>
+              <a:fillRef idx="0">
+                <a:schemeClr val="dk1"/>
+              </a:fillRef>
+              <a:effectRef idx="2">
+                <a:schemeClr val="dk1"/>
+              </a:effectRef>
+              <a:fontRef idx="minor">
+                <a:schemeClr val="tx1"/>
+              </a:fontRef>
+            </p:style>
+          </p:cxnSp>
+          <p:sp>
+            <p:nvSpPr>
+              <p:cNvPr id="12" name="TextBox 11"/>
+              <p:cNvSpPr txBox="1"/>
+              <p:nvPr/>
+            </p:nvSpPr>
+            <p:spPr>
+              <a:xfrm>
+                <a:off x="4030006" y="646566"/>
+                <a:ext cx="1183857" cy="388729"/>
+              </a:xfrm>
+              <a:prstGeom prst="rect">
+                <a:avLst/>
+              </a:prstGeom>
+              <a:solidFill>
+                <a:schemeClr val="bg1"/>
+              </a:solidFill>
+            </p:spPr>
+            <p:txBody>
+              <a:bodyPr wrap="none" rtlCol="0">
+                <a:spAutoFit/>
+              </a:bodyPr>
+              <a:lstStyle/>
+              <a:p>
+                <a:r>
+                  <a:rPr lang="en-US" sz="1600" dirty="0" smtClean="0">
+                    <a:latin typeface="Times New Roman"/>
+                    <a:cs typeface="Times New Roman"/>
+                  </a:rPr>
+                  <a:t>**p &lt; 10</a:t>
+                </a:r>
+                <a:r>
+                  <a:rPr lang="en-US" sz="1600" baseline="30000" dirty="0" smtClean="0">
+                    <a:latin typeface="Times New Roman"/>
+                    <a:cs typeface="Times New Roman"/>
+                  </a:rPr>
+                  <a:t>-5</a:t>
+                </a:r>
+                <a:endParaRPr lang="en-US" sz="1600" dirty="0">
+                  <a:latin typeface="Times New Roman"/>
+                  <a:cs typeface="Times New Roman"/>
+                </a:endParaRPr>
+              </a:p>
+            </p:txBody>
+          </p:sp>
+        </p:grpSp>
+      </p:grpSp>
+    </p:spTree>
+    <p:extLst>
+      <p:ext uri="{BB962C8B-B14F-4D97-AF65-F5344CB8AC3E}">
+        <p14:creationId xmlns:p14="http://schemas.microsoft.com/office/powerpoint/2010/main" val="939806356"/>
+      </p:ext>
+    </p:extLst>
+  </p:cSld>
+  <p:clrMapOvr>
+    <a:masterClrMapping/>
+  </p:clrMapOvr>
+</p:sld>
+</file>
+
 <file path=ppt/theme/theme1.xml><?xml version="1.0" encoding="utf-8"?>
 <a:theme xmlns:a="http://schemas.openxmlformats.org/drawingml/2006/main" name="Office Theme">
   <a:themeElements>

--- a/figs/PlotsSummary.pptx
+++ b/figs/PlotsSummary.pptx
@@ -5,7 +5,7 @@
     <p:sldMasterId id="2147483648" r:id="rId1"/>
   </p:sldMasterIdLst>
   <p:notesMasterIdLst>
-    <p:notesMasterId r:id="rId18"/>
+    <p:notesMasterId r:id="rId19"/>
   </p:notesMasterIdLst>
   <p:sldIdLst>
     <p:sldId id="259" r:id="rId2"/>
@@ -24,6 +24,7 @@
     <p:sldId id="262" r:id="rId15"/>
     <p:sldId id="264" r:id="rId16"/>
     <p:sldId id="270" r:id="rId17"/>
+    <p:sldId id="272" r:id="rId18"/>
   </p:sldIdLst>
   <p:sldSz cx="9144000" cy="6858000" type="screen4x3"/>
   <p:notesSz cx="6858000" cy="9144000"/>
@@ -207,7 +208,7 @@
           <a:p>
             <a:fld id="{6F0E7BF9-6E9D-264C-830A-688C30E84BBB}" type="datetimeFigureOut">
               <a:rPr lang="en-US" smtClean="0"/>
-              <a:t>9/03/17</a:t>
+              <a:t>15/03/17</a:t>
             </a:fld>
             <a:endParaRPr lang="en-US"/>
           </a:p>
@@ -745,7 +746,7 @@
           <a:p>
             <a:fld id="{16770D3E-4084-5B4D-93C2-D9EBD03FAF6A}" type="datetimeFigureOut">
               <a:rPr lang="en-US" smtClean="0"/>
-              <a:t>9/03/17</a:t>
+              <a:t>15/03/17</a:t>
             </a:fld>
             <a:endParaRPr lang="en-US"/>
           </a:p>
@@ -915,7 +916,7 @@
           <a:p>
             <a:fld id="{16770D3E-4084-5B4D-93C2-D9EBD03FAF6A}" type="datetimeFigureOut">
               <a:rPr lang="en-US" smtClean="0"/>
-              <a:t>9/03/17</a:t>
+              <a:t>15/03/17</a:t>
             </a:fld>
             <a:endParaRPr lang="en-US"/>
           </a:p>
@@ -1095,7 +1096,7 @@
           <a:p>
             <a:fld id="{16770D3E-4084-5B4D-93C2-D9EBD03FAF6A}" type="datetimeFigureOut">
               <a:rPr lang="en-US" smtClean="0"/>
-              <a:t>9/03/17</a:t>
+              <a:t>15/03/17</a:t>
             </a:fld>
             <a:endParaRPr lang="en-US"/>
           </a:p>
@@ -1265,7 +1266,7 @@
           <a:p>
             <a:fld id="{16770D3E-4084-5B4D-93C2-D9EBD03FAF6A}" type="datetimeFigureOut">
               <a:rPr lang="en-US" smtClean="0"/>
-              <a:t>9/03/17</a:t>
+              <a:t>15/03/17</a:t>
             </a:fld>
             <a:endParaRPr lang="en-US"/>
           </a:p>
@@ -1511,7 +1512,7 @@
           <a:p>
             <a:fld id="{16770D3E-4084-5B4D-93C2-D9EBD03FAF6A}" type="datetimeFigureOut">
               <a:rPr lang="en-US" smtClean="0"/>
-              <a:t>9/03/17</a:t>
+              <a:t>15/03/17</a:t>
             </a:fld>
             <a:endParaRPr lang="en-US"/>
           </a:p>
@@ -1799,7 +1800,7 @@
           <a:p>
             <a:fld id="{16770D3E-4084-5B4D-93C2-D9EBD03FAF6A}" type="datetimeFigureOut">
               <a:rPr lang="en-US" smtClean="0"/>
-              <a:t>9/03/17</a:t>
+              <a:t>15/03/17</a:t>
             </a:fld>
             <a:endParaRPr lang="en-US"/>
           </a:p>
@@ -2221,7 +2222,7 @@
           <a:p>
             <a:fld id="{16770D3E-4084-5B4D-93C2-D9EBD03FAF6A}" type="datetimeFigureOut">
               <a:rPr lang="en-US" smtClean="0"/>
-              <a:t>9/03/17</a:t>
+              <a:t>15/03/17</a:t>
             </a:fld>
             <a:endParaRPr lang="en-US"/>
           </a:p>
@@ -2339,7 +2340,7 @@
           <a:p>
             <a:fld id="{16770D3E-4084-5B4D-93C2-D9EBD03FAF6A}" type="datetimeFigureOut">
               <a:rPr lang="en-US" smtClean="0"/>
-              <a:t>9/03/17</a:t>
+              <a:t>15/03/17</a:t>
             </a:fld>
             <a:endParaRPr lang="en-US"/>
           </a:p>
@@ -2434,7 +2435,7 @@
           <a:p>
             <a:fld id="{16770D3E-4084-5B4D-93C2-D9EBD03FAF6A}" type="datetimeFigureOut">
               <a:rPr lang="en-US" smtClean="0"/>
-              <a:t>9/03/17</a:t>
+              <a:t>15/03/17</a:t>
             </a:fld>
             <a:endParaRPr lang="en-US"/>
           </a:p>
@@ -2711,7 +2712,7 @@
           <a:p>
             <a:fld id="{16770D3E-4084-5B4D-93C2-D9EBD03FAF6A}" type="datetimeFigureOut">
               <a:rPr lang="en-US" smtClean="0"/>
-              <a:t>9/03/17</a:t>
+              <a:t>15/03/17</a:t>
             </a:fld>
             <a:endParaRPr lang="en-US"/>
           </a:p>
@@ -2964,7 +2965,7 @@
           <a:p>
             <a:fld id="{16770D3E-4084-5B4D-93C2-D9EBD03FAF6A}" type="datetimeFigureOut">
               <a:rPr lang="en-US" smtClean="0"/>
-              <a:t>9/03/17</a:t>
+              <a:t>15/03/17</a:t>
             </a:fld>
             <a:endParaRPr lang="en-US"/>
           </a:p>
@@ -3177,7 +3178,7 @@
           <a:p>
             <a:fld id="{16770D3E-4084-5B4D-93C2-D9EBD03FAF6A}" type="datetimeFigureOut">
               <a:rPr lang="en-US" smtClean="0"/>
-              <a:t>9/03/17</a:t>
+              <a:t>15/03/17</a:t>
             </a:fld>
             <a:endParaRPr lang="en-US"/>
           </a:p>
@@ -5737,6 +5738,60 @@
 </p:sld>
 </file>
 
+<file path=ppt/slides/slide17.xml><?xml version="1.0" encoding="utf-8"?>
+<p:sld xmlns:a="http://schemas.openxmlformats.org/drawingml/2006/main" xmlns:r="http://schemas.openxmlformats.org/officeDocument/2006/relationships" xmlns:p="http://schemas.openxmlformats.org/presentationml/2006/main">
+  <p:cSld>
+    <p:spTree>
+      <p:nvGrpSpPr>
+        <p:cNvPr id="1" name=""/>
+        <p:cNvGrpSpPr/>
+        <p:nvPr/>
+      </p:nvGrpSpPr>
+      <p:grpSpPr>
+        <a:xfrm>
+          <a:off x="0" y="0"/>
+          <a:ext cx="0" cy="0"/>
+          <a:chOff x="0" y="0"/>
+          <a:chExt cx="0" cy="0"/>
+        </a:xfrm>
+      </p:grpSpPr>
+      <p:pic>
+        <p:nvPicPr>
+          <p:cNvPr id="4" name="Picture 3"/>
+          <p:cNvPicPr>
+            <a:picLocks noChangeAspect="1"/>
+          </p:cNvPicPr>
+          <p:nvPr/>
+        </p:nvPicPr>
+        <p:blipFill>
+          <a:blip r:embed="rId2"/>
+          <a:stretch>
+            <a:fillRect/>
+          </a:stretch>
+        </p:blipFill>
+        <p:spPr>
+          <a:xfrm>
+            <a:off x="0" y="2222500"/>
+            <a:ext cx="9144000" cy="2402519"/>
+          </a:xfrm>
+          <a:prstGeom prst="rect">
+            <a:avLst/>
+          </a:prstGeom>
+        </p:spPr>
+      </p:pic>
+    </p:spTree>
+    <p:extLst>
+      <p:ext uri="{BB962C8B-B14F-4D97-AF65-F5344CB8AC3E}">
+        <p14:creationId xmlns:p14="http://schemas.microsoft.com/office/powerpoint/2010/main" val="1975900374"/>
+      </p:ext>
+    </p:extLst>
+  </p:cSld>
+  <p:clrMapOvr>
+    <a:masterClrMapping/>
+  </p:clrMapOvr>
+</p:sld>
+</file>
+
 <file path=ppt/slides/slide2.xml><?xml version="1.0" encoding="utf-8"?>
 <p:sld xmlns:a="http://schemas.openxmlformats.org/drawingml/2006/main" xmlns:r="http://schemas.openxmlformats.org/officeDocument/2006/relationships" xmlns:p="http://schemas.openxmlformats.org/presentationml/2006/main">
   <p:cSld>
@@ -7258,14 +7313,7 @@
                   <a:latin typeface="Times New Roman"/>
                   <a:cs typeface="Times New Roman"/>
                 </a:rPr>
-                <a:t>-</a:t>
-              </a:r>
-              <a:r>
-                <a:rPr lang="en-US" sz="2000" baseline="30000" dirty="0" smtClean="0">
-                  <a:latin typeface="Times New Roman"/>
-                  <a:cs typeface="Times New Roman"/>
-                </a:rPr>
-                <a:t>50</a:t>
+                <a:t>-50</a:t>
               </a:r>
               <a:endParaRPr lang="en-US" sz="2000" dirty="0">
                 <a:latin typeface="Times New Roman"/>

--- a/figs/PlotsSummary.pptx
+++ b/figs/PlotsSummary.pptx
@@ -5,7 +5,7 @@
     <p:sldMasterId id="2147483648" r:id="rId1"/>
   </p:sldMasterIdLst>
   <p:notesMasterIdLst>
-    <p:notesMasterId r:id="rId19"/>
+    <p:notesMasterId r:id="rId23"/>
   </p:notesMasterIdLst>
   <p:sldIdLst>
     <p:sldId id="259" r:id="rId2"/>
@@ -25,6 +25,10 @@
     <p:sldId id="264" r:id="rId16"/>
     <p:sldId id="270" r:id="rId17"/>
     <p:sldId id="272" r:id="rId18"/>
+    <p:sldId id="273" r:id="rId19"/>
+    <p:sldId id="274" r:id="rId20"/>
+    <p:sldId id="275" r:id="rId21"/>
+    <p:sldId id="276" r:id="rId22"/>
   </p:sldIdLst>
   <p:sldSz cx="9144000" cy="6858000" type="screen4x3"/>
   <p:notesSz cx="6858000" cy="9144000"/>
@@ -208,7 +212,7 @@
           <a:p>
             <a:fld id="{6F0E7BF9-6E9D-264C-830A-688C30E84BBB}" type="datetimeFigureOut">
               <a:rPr lang="en-US" smtClean="0"/>
-              <a:t>15/03/17</a:t>
+              <a:t>24/03/17</a:t>
             </a:fld>
             <a:endParaRPr lang="en-US"/>
           </a:p>
@@ -746,7 +750,7 @@
           <a:p>
             <a:fld id="{16770D3E-4084-5B4D-93C2-D9EBD03FAF6A}" type="datetimeFigureOut">
               <a:rPr lang="en-US" smtClean="0"/>
-              <a:t>15/03/17</a:t>
+              <a:t>24/03/17</a:t>
             </a:fld>
             <a:endParaRPr lang="en-US"/>
           </a:p>
@@ -916,7 +920,7 @@
           <a:p>
             <a:fld id="{16770D3E-4084-5B4D-93C2-D9EBD03FAF6A}" type="datetimeFigureOut">
               <a:rPr lang="en-US" smtClean="0"/>
-              <a:t>15/03/17</a:t>
+              <a:t>24/03/17</a:t>
             </a:fld>
             <a:endParaRPr lang="en-US"/>
           </a:p>
@@ -1096,7 +1100,7 @@
           <a:p>
             <a:fld id="{16770D3E-4084-5B4D-93C2-D9EBD03FAF6A}" type="datetimeFigureOut">
               <a:rPr lang="en-US" smtClean="0"/>
-              <a:t>15/03/17</a:t>
+              <a:t>24/03/17</a:t>
             </a:fld>
             <a:endParaRPr lang="en-US"/>
           </a:p>
@@ -1266,7 +1270,7 @@
           <a:p>
             <a:fld id="{16770D3E-4084-5B4D-93C2-D9EBD03FAF6A}" type="datetimeFigureOut">
               <a:rPr lang="en-US" smtClean="0"/>
-              <a:t>15/03/17</a:t>
+              <a:t>24/03/17</a:t>
             </a:fld>
             <a:endParaRPr lang="en-US"/>
           </a:p>
@@ -1512,7 +1516,7 @@
           <a:p>
             <a:fld id="{16770D3E-4084-5B4D-93C2-D9EBD03FAF6A}" type="datetimeFigureOut">
               <a:rPr lang="en-US" smtClean="0"/>
-              <a:t>15/03/17</a:t>
+              <a:t>24/03/17</a:t>
             </a:fld>
             <a:endParaRPr lang="en-US"/>
           </a:p>
@@ -1800,7 +1804,7 @@
           <a:p>
             <a:fld id="{16770D3E-4084-5B4D-93C2-D9EBD03FAF6A}" type="datetimeFigureOut">
               <a:rPr lang="en-US" smtClean="0"/>
-              <a:t>15/03/17</a:t>
+              <a:t>24/03/17</a:t>
             </a:fld>
             <a:endParaRPr lang="en-US"/>
           </a:p>
@@ -2222,7 +2226,7 @@
           <a:p>
             <a:fld id="{16770D3E-4084-5B4D-93C2-D9EBD03FAF6A}" type="datetimeFigureOut">
               <a:rPr lang="en-US" smtClean="0"/>
-              <a:t>15/03/17</a:t>
+              <a:t>24/03/17</a:t>
             </a:fld>
             <a:endParaRPr lang="en-US"/>
           </a:p>
@@ -2340,7 +2344,7 @@
           <a:p>
             <a:fld id="{16770D3E-4084-5B4D-93C2-D9EBD03FAF6A}" type="datetimeFigureOut">
               <a:rPr lang="en-US" smtClean="0"/>
-              <a:t>15/03/17</a:t>
+              <a:t>24/03/17</a:t>
             </a:fld>
             <a:endParaRPr lang="en-US"/>
           </a:p>
@@ -2435,7 +2439,7 @@
           <a:p>
             <a:fld id="{16770D3E-4084-5B4D-93C2-D9EBD03FAF6A}" type="datetimeFigureOut">
               <a:rPr lang="en-US" smtClean="0"/>
-              <a:t>15/03/17</a:t>
+              <a:t>24/03/17</a:t>
             </a:fld>
             <a:endParaRPr lang="en-US"/>
           </a:p>
@@ -2712,7 +2716,7 @@
           <a:p>
             <a:fld id="{16770D3E-4084-5B4D-93C2-D9EBD03FAF6A}" type="datetimeFigureOut">
               <a:rPr lang="en-US" smtClean="0"/>
-              <a:t>15/03/17</a:t>
+              <a:t>24/03/17</a:t>
             </a:fld>
             <a:endParaRPr lang="en-US"/>
           </a:p>
@@ -2965,7 +2969,7 @@
           <a:p>
             <a:fld id="{16770D3E-4084-5B4D-93C2-D9EBD03FAF6A}" type="datetimeFigureOut">
               <a:rPr lang="en-US" smtClean="0"/>
-              <a:t>15/03/17</a:t>
+              <a:t>24/03/17</a:t>
             </a:fld>
             <a:endParaRPr lang="en-US"/>
           </a:p>
@@ -3178,7 +3182,7 @@
           <a:p>
             <a:fld id="{16770D3E-4084-5B4D-93C2-D9EBD03FAF6A}" type="datetimeFigureOut">
               <a:rPr lang="en-US" smtClean="0"/>
-              <a:t>15/03/17</a:t>
+              <a:t>24/03/17</a:t>
             </a:fld>
             <a:endParaRPr lang="en-US"/>
           </a:p>
@@ -5792,6 +5796,261 @@
 </p:sld>
 </file>
 
+<file path=ppt/slides/slide18.xml><?xml version="1.0" encoding="utf-8"?>
+<p:sld xmlns:a="http://schemas.openxmlformats.org/drawingml/2006/main" xmlns:r="http://schemas.openxmlformats.org/officeDocument/2006/relationships" xmlns:p="http://schemas.openxmlformats.org/presentationml/2006/main">
+  <p:cSld>
+    <p:spTree>
+      <p:nvGrpSpPr>
+        <p:cNvPr id="1" name=""/>
+        <p:cNvGrpSpPr/>
+        <p:nvPr/>
+      </p:nvGrpSpPr>
+      <p:grpSpPr>
+        <a:xfrm>
+          <a:off x="0" y="0"/>
+          <a:ext cx="0" cy="0"/>
+          <a:chOff x="0" y="0"/>
+          <a:chExt cx="0" cy="0"/>
+        </a:xfrm>
+      </p:grpSpPr>
+      <p:grpSp>
+        <p:nvGrpSpPr>
+          <p:cNvPr id="10" name="Group 9"/>
+          <p:cNvGrpSpPr/>
+          <p:nvPr/>
+        </p:nvGrpSpPr>
+        <p:grpSpPr>
+          <a:xfrm>
+            <a:off x="0" y="1460500"/>
+            <a:ext cx="9144000" cy="3926437"/>
+            <a:chOff x="0" y="1460500"/>
+            <a:chExt cx="9144000" cy="3926437"/>
+          </a:xfrm>
+        </p:grpSpPr>
+        <p:pic>
+          <p:nvPicPr>
+            <p:cNvPr id="5" name="Picture 4"/>
+            <p:cNvPicPr>
+              <a:picLocks noChangeAspect="1"/>
+            </p:cNvPicPr>
+            <p:nvPr/>
+          </p:nvPicPr>
+          <p:blipFill>
+            <a:blip r:embed="rId2"/>
+            <a:stretch>
+              <a:fillRect/>
+            </a:stretch>
+          </p:blipFill>
+          <p:spPr>
+            <a:xfrm>
+              <a:off x="0" y="1460500"/>
+              <a:ext cx="9144000" cy="3926437"/>
+            </a:xfrm>
+            <a:prstGeom prst="rect">
+              <a:avLst/>
+            </a:prstGeom>
+          </p:spPr>
+        </p:pic>
+        <p:pic>
+          <p:nvPicPr>
+            <p:cNvPr id="6" name="Picture 5"/>
+            <p:cNvPicPr>
+              <a:picLocks noChangeAspect="1"/>
+            </p:cNvPicPr>
+            <p:nvPr/>
+          </p:nvPicPr>
+          <p:blipFill>
+            <a:blip r:embed="rId3">
+              <a:extLst>
+                <a:ext uri="{BEBA8EAE-BF5A-486C-A8C5-ECC9F3942E4B}">
+                  <a14:imgProps xmlns:a14="http://schemas.microsoft.com/office/drawing/2010/main">
+                    <a14:imgLayer r:embed="rId4">
+                      <a14:imgEffect>
+                        <a14:backgroundRemoval t="0" b="98311" l="0" r="100000"/>
+                      </a14:imgEffect>
+                    </a14:imgLayer>
+                  </a14:imgProps>
+                </a:ext>
+              </a:extLst>
+            </a:blip>
+            <a:stretch>
+              <a:fillRect/>
+            </a:stretch>
+          </p:blipFill>
+          <p:spPr>
+            <a:xfrm>
+              <a:off x="0" y="1460500"/>
+              <a:ext cx="9144000" cy="3926437"/>
+            </a:xfrm>
+            <a:prstGeom prst="rect">
+              <a:avLst/>
+            </a:prstGeom>
+          </p:spPr>
+        </p:pic>
+        <p:sp>
+          <p:nvSpPr>
+            <p:cNvPr id="8" name="Rectangle 7"/>
+            <p:cNvSpPr/>
+            <p:nvPr/>
+          </p:nvSpPr>
+          <p:spPr>
+            <a:xfrm>
+              <a:off x="6773808" y="1460500"/>
+              <a:ext cx="2370192" cy="975228"/>
+            </a:xfrm>
+            <a:prstGeom prst="rect">
+              <a:avLst/>
+            </a:prstGeom>
+            <a:solidFill>
+              <a:srgbClr val="FFFFFF"/>
+            </a:solidFill>
+            <a:ln>
+              <a:solidFill>
+                <a:srgbClr val="FFFFFF"/>
+              </a:solidFill>
+            </a:ln>
+          </p:spPr>
+          <p:style>
+            <a:lnRef idx="2">
+              <a:schemeClr val="accent1">
+                <a:shade val="50000"/>
+              </a:schemeClr>
+            </a:lnRef>
+            <a:fillRef idx="1">
+              <a:schemeClr val="accent1"/>
+            </a:fillRef>
+            <a:effectRef idx="0">
+              <a:schemeClr val="accent1"/>
+            </a:effectRef>
+            <a:fontRef idx="minor">
+              <a:schemeClr val="lt1"/>
+            </a:fontRef>
+          </p:style>
+          <p:txBody>
+            <a:bodyPr rtlCol="0" anchor="ctr"/>
+            <a:lstStyle/>
+            <a:p>
+              <a:pPr algn="ctr"/>
+              <a:endParaRPr lang="en-US"/>
+            </a:p>
+          </p:txBody>
+        </p:sp>
+        <p:sp>
+          <p:nvSpPr>
+            <p:cNvPr id="9" name="Rectangle 8"/>
+            <p:cNvSpPr/>
+            <p:nvPr/>
+          </p:nvSpPr>
+          <p:spPr>
+            <a:xfrm>
+              <a:off x="6773808" y="4255726"/>
+              <a:ext cx="2370192" cy="1131211"/>
+            </a:xfrm>
+            <a:prstGeom prst="rect">
+              <a:avLst/>
+            </a:prstGeom>
+            <a:solidFill>
+              <a:srgbClr val="FFFFFF"/>
+            </a:solidFill>
+            <a:ln>
+              <a:solidFill>
+                <a:srgbClr val="FFFFFF"/>
+              </a:solidFill>
+            </a:ln>
+          </p:spPr>
+          <p:style>
+            <a:lnRef idx="2">
+              <a:schemeClr val="accent1">
+                <a:shade val="50000"/>
+              </a:schemeClr>
+            </a:lnRef>
+            <a:fillRef idx="1">
+              <a:schemeClr val="accent1"/>
+            </a:fillRef>
+            <a:effectRef idx="0">
+              <a:schemeClr val="accent1"/>
+            </a:effectRef>
+            <a:fontRef idx="minor">
+              <a:schemeClr val="lt1"/>
+            </a:fontRef>
+          </p:style>
+          <p:txBody>
+            <a:bodyPr rtlCol="0" anchor="ctr"/>
+            <a:lstStyle/>
+            <a:p>
+              <a:pPr algn="ctr"/>
+              <a:endParaRPr lang="en-US"/>
+            </a:p>
+          </p:txBody>
+        </p:sp>
+      </p:grpSp>
+    </p:spTree>
+    <p:extLst>
+      <p:ext uri="{BB962C8B-B14F-4D97-AF65-F5344CB8AC3E}">
+        <p14:creationId xmlns:p14="http://schemas.microsoft.com/office/powerpoint/2010/main" val="1802677301"/>
+      </p:ext>
+    </p:extLst>
+  </p:cSld>
+  <p:clrMapOvr>
+    <a:masterClrMapping/>
+  </p:clrMapOvr>
+</p:sld>
+</file>
+
+<file path=ppt/slides/slide19.xml><?xml version="1.0" encoding="utf-8"?>
+<p:sld xmlns:a="http://schemas.openxmlformats.org/drawingml/2006/main" xmlns:r="http://schemas.openxmlformats.org/officeDocument/2006/relationships" xmlns:p="http://schemas.openxmlformats.org/presentationml/2006/main">
+  <p:cSld>
+    <p:spTree>
+      <p:nvGrpSpPr>
+        <p:cNvPr id="1" name=""/>
+        <p:cNvGrpSpPr/>
+        <p:nvPr/>
+      </p:nvGrpSpPr>
+      <p:grpSpPr>
+        <a:xfrm>
+          <a:off x="0" y="0"/>
+          <a:ext cx="0" cy="0"/>
+          <a:chOff x="0" y="0"/>
+          <a:chExt cx="0" cy="0"/>
+        </a:xfrm>
+      </p:grpSpPr>
+      <p:pic>
+        <p:nvPicPr>
+          <p:cNvPr id="5" name="Picture 4"/>
+          <p:cNvPicPr>
+            <a:picLocks noChangeAspect="1"/>
+          </p:cNvPicPr>
+          <p:nvPr/>
+        </p:nvPicPr>
+        <p:blipFill>
+          <a:blip r:embed="rId2"/>
+          <a:stretch>
+            <a:fillRect/>
+          </a:stretch>
+        </p:blipFill>
+        <p:spPr>
+          <a:xfrm>
+            <a:off x="266700" y="304800"/>
+            <a:ext cx="8610600" cy="6248400"/>
+          </a:xfrm>
+          <a:prstGeom prst="rect">
+            <a:avLst/>
+          </a:prstGeom>
+        </p:spPr>
+      </p:pic>
+    </p:spTree>
+    <p:extLst>
+      <p:ext uri="{BB962C8B-B14F-4D97-AF65-F5344CB8AC3E}">
+        <p14:creationId xmlns:p14="http://schemas.microsoft.com/office/powerpoint/2010/main" val="3589284386"/>
+      </p:ext>
+    </p:extLst>
+  </p:cSld>
+  <p:clrMapOvr>
+    <a:masterClrMapping/>
+  </p:clrMapOvr>
+</p:sld>
+</file>
+
 <file path=ppt/slides/slide2.xml><?xml version="1.0" encoding="utf-8"?>
 <p:sld xmlns:a="http://schemas.openxmlformats.org/drawingml/2006/main" xmlns:r="http://schemas.openxmlformats.org/officeDocument/2006/relationships" xmlns:p="http://schemas.openxmlformats.org/presentationml/2006/main">
   <p:cSld>
@@ -6107,6 +6366,114 @@
     <p:extLst>
       <p:ext uri="{BB962C8B-B14F-4D97-AF65-F5344CB8AC3E}">
         <p14:creationId xmlns:p14="http://schemas.microsoft.com/office/powerpoint/2010/main" val="3755518549"/>
+      </p:ext>
+    </p:extLst>
+  </p:cSld>
+  <p:clrMapOvr>
+    <a:masterClrMapping/>
+  </p:clrMapOvr>
+</p:sld>
+</file>
+
+<file path=ppt/slides/slide20.xml><?xml version="1.0" encoding="utf-8"?>
+<p:sld xmlns:a="http://schemas.openxmlformats.org/drawingml/2006/main" xmlns:r="http://schemas.openxmlformats.org/officeDocument/2006/relationships" xmlns:p="http://schemas.openxmlformats.org/presentationml/2006/main">
+  <p:cSld>
+    <p:spTree>
+      <p:nvGrpSpPr>
+        <p:cNvPr id="1" name=""/>
+        <p:cNvGrpSpPr/>
+        <p:nvPr/>
+      </p:nvGrpSpPr>
+      <p:grpSpPr>
+        <a:xfrm>
+          <a:off x="0" y="0"/>
+          <a:ext cx="0" cy="0"/>
+          <a:chOff x="0" y="0"/>
+          <a:chExt cx="0" cy="0"/>
+        </a:xfrm>
+      </p:grpSpPr>
+      <p:pic>
+        <p:nvPicPr>
+          <p:cNvPr id="4" name="Picture 3"/>
+          <p:cNvPicPr>
+            <a:picLocks noChangeAspect="1"/>
+          </p:cNvPicPr>
+          <p:nvPr/>
+        </p:nvPicPr>
+        <p:blipFill>
+          <a:blip r:embed="rId2"/>
+          <a:stretch>
+            <a:fillRect/>
+          </a:stretch>
+        </p:blipFill>
+        <p:spPr>
+          <a:xfrm>
+            <a:off x="254000" y="228600"/>
+            <a:ext cx="8636000" cy="6388100"/>
+          </a:xfrm>
+          <a:prstGeom prst="rect">
+            <a:avLst/>
+          </a:prstGeom>
+        </p:spPr>
+      </p:pic>
+    </p:spTree>
+    <p:extLst>
+      <p:ext uri="{BB962C8B-B14F-4D97-AF65-F5344CB8AC3E}">
+        <p14:creationId xmlns:p14="http://schemas.microsoft.com/office/powerpoint/2010/main" val="499056011"/>
+      </p:ext>
+    </p:extLst>
+  </p:cSld>
+  <p:clrMapOvr>
+    <a:masterClrMapping/>
+  </p:clrMapOvr>
+</p:sld>
+</file>
+
+<file path=ppt/slides/slide21.xml><?xml version="1.0" encoding="utf-8"?>
+<p:sld xmlns:a="http://schemas.openxmlformats.org/drawingml/2006/main" xmlns:r="http://schemas.openxmlformats.org/officeDocument/2006/relationships" xmlns:p="http://schemas.openxmlformats.org/presentationml/2006/main">
+  <p:cSld>
+    <p:spTree>
+      <p:nvGrpSpPr>
+        <p:cNvPr id="1" name=""/>
+        <p:cNvGrpSpPr/>
+        <p:nvPr/>
+      </p:nvGrpSpPr>
+      <p:grpSpPr>
+        <a:xfrm>
+          <a:off x="0" y="0"/>
+          <a:ext cx="0" cy="0"/>
+          <a:chOff x="0" y="0"/>
+          <a:chExt cx="0" cy="0"/>
+        </a:xfrm>
+      </p:grpSpPr>
+      <p:pic>
+        <p:nvPicPr>
+          <p:cNvPr id="4" name="Picture 3"/>
+          <p:cNvPicPr>
+            <a:picLocks noChangeAspect="1"/>
+          </p:cNvPicPr>
+          <p:nvPr/>
+        </p:nvPicPr>
+        <p:blipFill>
+          <a:blip r:embed="rId2"/>
+          <a:stretch>
+            <a:fillRect/>
+          </a:stretch>
+        </p:blipFill>
+        <p:spPr>
+          <a:xfrm>
+            <a:off x="0" y="1651000"/>
+            <a:ext cx="9144000" cy="3538755"/>
+          </a:xfrm>
+          <a:prstGeom prst="rect">
+            <a:avLst/>
+          </a:prstGeom>
+        </p:spPr>
+      </p:pic>
+    </p:spTree>
+    <p:extLst>
+      <p:ext uri="{BB962C8B-B14F-4D97-AF65-F5344CB8AC3E}">
+        <p14:creationId xmlns:p14="http://schemas.microsoft.com/office/powerpoint/2010/main" val="3139956114"/>
       </p:ext>
     </p:extLst>
   </p:cSld>

--- a/figs/PlotsSummary.pptx
+++ b/figs/PlotsSummary.pptx
@@ -5,7 +5,7 @@
     <p:sldMasterId id="2147483648" r:id="rId1"/>
   </p:sldMasterIdLst>
   <p:notesMasterIdLst>
-    <p:notesMasterId r:id="rId23"/>
+    <p:notesMasterId r:id="rId28"/>
   </p:notesMasterIdLst>
   <p:sldIdLst>
     <p:sldId id="259" r:id="rId2"/>
@@ -25,10 +25,15 @@
     <p:sldId id="264" r:id="rId16"/>
     <p:sldId id="270" r:id="rId17"/>
     <p:sldId id="272" r:id="rId18"/>
-    <p:sldId id="273" r:id="rId19"/>
-    <p:sldId id="274" r:id="rId20"/>
-    <p:sldId id="275" r:id="rId21"/>
-    <p:sldId id="276" r:id="rId22"/>
+    <p:sldId id="281" r:id="rId19"/>
+    <p:sldId id="273" r:id="rId20"/>
+    <p:sldId id="274" r:id="rId21"/>
+    <p:sldId id="277" r:id="rId22"/>
+    <p:sldId id="275" r:id="rId23"/>
+    <p:sldId id="276" r:id="rId24"/>
+    <p:sldId id="278" r:id="rId25"/>
+    <p:sldId id="279" r:id="rId26"/>
+    <p:sldId id="280" r:id="rId27"/>
   </p:sldIdLst>
   <p:sldSz cx="9144000" cy="6858000" type="screen4x3"/>
   <p:notesSz cx="6858000" cy="9144000"/>
@@ -212,7 +217,7 @@
           <a:p>
             <a:fld id="{6F0E7BF9-6E9D-264C-830A-688C30E84BBB}" type="datetimeFigureOut">
               <a:rPr lang="en-US" smtClean="0"/>
-              <a:t>24/03/17</a:t>
+              <a:t>26/03/17</a:t>
             </a:fld>
             <a:endParaRPr lang="en-US"/>
           </a:p>
@@ -750,7 +755,7 @@
           <a:p>
             <a:fld id="{16770D3E-4084-5B4D-93C2-D9EBD03FAF6A}" type="datetimeFigureOut">
               <a:rPr lang="en-US" smtClean="0"/>
-              <a:t>24/03/17</a:t>
+              <a:t>26/03/17</a:t>
             </a:fld>
             <a:endParaRPr lang="en-US"/>
           </a:p>
@@ -920,7 +925,7 @@
           <a:p>
             <a:fld id="{16770D3E-4084-5B4D-93C2-D9EBD03FAF6A}" type="datetimeFigureOut">
               <a:rPr lang="en-US" smtClean="0"/>
-              <a:t>24/03/17</a:t>
+              <a:t>26/03/17</a:t>
             </a:fld>
             <a:endParaRPr lang="en-US"/>
           </a:p>
@@ -1100,7 +1105,7 @@
           <a:p>
             <a:fld id="{16770D3E-4084-5B4D-93C2-D9EBD03FAF6A}" type="datetimeFigureOut">
               <a:rPr lang="en-US" smtClean="0"/>
-              <a:t>24/03/17</a:t>
+              <a:t>26/03/17</a:t>
             </a:fld>
             <a:endParaRPr lang="en-US"/>
           </a:p>
@@ -1270,7 +1275,7 @@
           <a:p>
             <a:fld id="{16770D3E-4084-5B4D-93C2-D9EBD03FAF6A}" type="datetimeFigureOut">
               <a:rPr lang="en-US" smtClean="0"/>
-              <a:t>24/03/17</a:t>
+              <a:t>26/03/17</a:t>
             </a:fld>
             <a:endParaRPr lang="en-US"/>
           </a:p>
@@ -1516,7 +1521,7 @@
           <a:p>
             <a:fld id="{16770D3E-4084-5B4D-93C2-D9EBD03FAF6A}" type="datetimeFigureOut">
               <a:rPr lang="en-US" smtClean="0"/>
-              <a:t>24/03/17</a:t>
+              <a:t>26/03/17</a:t>
             </a:fld>
             <a:endParaRPr lang="en-US"/>
           </a:p>
@@ -1804,7 +1809,7 @@
           <a:p>
             <a:fld id="{16770D3E-4084-5B4D-93C2-D9EBD03FAF6A}" type="datetimeFigureOut">
               <a:rPr lang="en-US" smtClean="0"/>
-              <a:t>24/03/17</a:t>
+              <a:t>26/03/17</a:t>
             </a:fld>
             <a:endParaRPr lang="en-US"/>
           </a:p>
@@ -2226,7 +2231,7 @@
           <a:p>
             <a:fld id="{16770D3E-4084-5B4D-93C2-D9EBD03FAF6A}" type="datetimeFigureOut">
               <a:rPr lang="en-US" smtClean="0"/>
-              <a:t>24/03/17</a:t>
+              <a:t>26/03/17</a:t>
             </a:fld>
             <a:endParaRPr lang="en-US"/>
           </a:p>
@@ -2344,7 +2349,7 @@
           <a:p>
             <a:fld id="{16770D3E-4084-5B4D-93C2-D9EBD03FAF6A}" type="datetimeFigureOut">
               <a:rPr lang="en-US" smtClean="0"/>
-              <a:t>24/03/17</a:t>
+              <a:t>26/03/17</a:t>
             </a:fld>
             <a:endParaRPr lang="en-US"/>
           </a:p>
@@ -2439,7 +2444,7 @@
           <a:p>
             <a:fld id="{16770D3E-4084-5B4D-93C2-D9EBD03FAF6A}" type="datetimeFigureOut">
               <a:rPr lang="en-US" smtClean="0"/>
-              <a:t>24/03/17</a:t>
+              <a:t>26/03/17</a:t>
             </a:fld>
             <a:endParaRPr lang="en-US"/>
           </a:p>
@@ -2716,7 +2721,7 @@
           <a:p>
             <a:fld id="{16770D3E-4084-5B4D-93C2-D9EBD03FAF6A}" type="datetimeFigureOut">
               <a:rPr lang="en-US" smtClean="0"/>
-              <a:t>24/03/17</a:t>
+              <a:t>26/03/17</a:t>
             </a:fld>
             <a:endParaRPr lang="en-US"/>
           </a:p>
@@ -2969,7 +2974,7 @@
           <a:p>
             <a:fld id="{16770D3E-4084-5B4D-93C2-D9EBD03FAF6A}" type="datetimeFigureOut">
               <a:rPr lang="en-US" smtClean="0"/>
-              <a:t>24/03/17</a:t>
+              <a:t>26/03/17</a:t>
             </a:fld>
             <a:endParaRPr lang="en-US"/>
           </a:p>
@@ -3182,7 +3187,7 @@
           <a:p>
             <a:fld id="{16770D3E-4084-5B4D-93C2-D9EBD03FAF6A}" type="datetimeFigureOut">
               <a:rPr lang="en-US" smtClean="0"/>
-              <a:t>24/03/17</a:t>
+              <a:t>26/03/17</a:t>
             </a:fld>
             <a:endParaRPr lang="en-US"/>
           </a:p>
@@ -5767,16 +5772,15 @@
           </p:cNvPicPr>
           <p:nvPr/>
         </p:nvPicPr>
-        <p:blipFill>
+        <p:blipFill rotWithShape="1">
           <a:blip r:embed="rId2"/>
-          <a:stretch>
-            <a:fillRect/>
-          </a:stretch>
+          <a:srcRect r="67167"/>
+          <a:stretch/>
         </p:blipFill>
         <p:spPr>
           <a:xfrm>
-            <a:off x="0" y="2222500"/>
-            <a:ext cx="9144000" cy="2402519"/>
+            <a:off x="1039254" y="674723"/>
+            <a:ext cx="6437607" cy="5151555"/>
           </a:xfrm>
           <a:prstGeom prst="rect">
             <a:avLst/>
@@ -5797,6 +5801,59 @@
 </file>
 
 <file path=ppt/slides/slide18.xml><?xml version="1.0" encoding="utf-8"?>
+<p:sld xmlns:a="http://schemas.openxmlformats.org/drawingml/2006/main" xmlns:r="http://schemas.openxmlformats.org/officeDocument/2006/relationships" xmlns:p="http://schemas.openxmlformats.org/presentationml/2006/main">
+  <p:cSld>
+    <p:spTree>
+      <p:nvGrpSpPr>
+        <p:cNvPr id="1" name=""/>
+        <p:cNvGrpSpPr/>
+        <p:nvPr/>
+      </p:nvGrpSpPr>
+      <p:grpSpPr>
+        <a:xfrm>
+          <a:off x="0" y="0"/>
+          <a:ext cx="0" cy="0"/>
+          <a:chOff x="0" y="0"/>
+          <a:chExt cx="0" cy="0"/>
+        </a:xfrm>
+      </p:grpSpPr>
+      <p:pic>
+        <p:nvPicPr>
+          <p:cNvPr id="4" name="Picture 3"/>
+          <p:cNvPicPr>
+            <a:picLocks noChangeAspect="1"/>
+          </p:cNvPicPr>
+          <p:nvPr/>
+        </p:nvPicPr>
+        <p:blipFill rotWithShape="1">
+          <a:blip r:embed="rId2"/>
+          <a:srcRect l="34096"/>
+          <a:stretch/>
+        </p:blipFill>
+        <p:spPr>
+          <a:xfrm>
+            <a:off x="663968" y="1818218"/>
+            <a:ext cx="8243636" cy="3286545"/>
+          </a:xfrm>
+          <a:prstGeom prst="rect">
+            <a:avLst/>
+          </a:prstGeom>
+        </p:spPr>
+      </p:pic>
+    </p:spTree>
+    <p:extLst>
+      <p:ext uri="{BB962C8B-B14F-4D97-AF65-F5344CB8AC3E}">
+        <p14:creationId xmlns:p14="http://schemas.microsoft.com/office/powerpoint/2010/main" val="2615911092"/>
+      </p:ext>
+    </p:extLst>
+  </p:cSld>
+  <p:clrMapOvr>
+    <a:masterClrMapping/>
+  </p:clrMapOvr>
+</p:sld>
+</file>
+
+<file path=ppt/slides/slide19.xml><?xml version="1.0" encoding="utf-8"?>
 <p:sld xmlns:a="http://schemas.openxmlformats.org/drawingml/2006/main" xmlns:r="http://schemas.openxmlformats.org/officeDocument/2006/relationships" xmlns:p="http://schemas.openxmlformats.org/presentationml/2006/main">
   <p:cSld>
     <p:spTree>
@@ -5988,60 +6045,6 @@
     <p:extLst>
       <p:ext uri="{BB962C8B-B14F-4D97-AF65-F5344CB8AC3E}">
         <p14:creationId xmlns:p14="http://schemas.microsoft.com/office/powerpoint/2010/main" val="1802677301"/>
-      </p:ext>
-    </p:extLst>
-  </p:cSld>
-  <p:clrMapOvr>
-    <a:masterClrMapping/>
-  </p:clrMapOvr>
-</p:sld>
-</file>
-
-<file path=ppt/slides/slide19.xml><?xml version="1.0" encoding="utf-8"?>
-<p:sld xmlns:a="http://schemas.openxmlformats.org/drawingml/2006/main" xmlns:r="http://schemas.openxmlformats.org/officeDocument/2006/relationships" xmlns:p="http://schemas.openxmlformats.org/presentationml/2006/main">
-  <p:cSld>
-    <p:spTree>
-      <p:nvGrpSpPr>
-        <p:cNvPr id="1" name=""/>
-        <p:cNvGrpSpPr/>
-        <p:nvPr/>
-      </p:nvGrpSpPr>
-      <p:grpSpPr>
-        <a:xfrm>
-          <a:off x="0" y="0"/>
-          <a:ext cx="0" cy="0"/>
-          <a:chOff x="0" y="0"/>
-          <a:chExt cx="0" cy="0"/>
-        </a:xfrm>
-      </p:grpSpPr>
-      <p:pic>
-        <p:nvPicPr>
-          <p:cNvPr id="5" name="Picture 4"/>
-          <p:cNvPicPr>
-            <a:picLocks noChangeAspect="1"/>
-          </p:cNvPicPr>
-          <p:nvPr/>
-        </p:nvPicPr>
-        <p:blipFill>
-          <a:blip r:embed="rId2"/>
-          <a:stretch>
-            <a:fillRect/>
-          </a:stretch>
-        </p:blipFill>
-        <p:spPr>
-          <a:xfrm>
-            <a:off x="266700" y="304800"/>
-            <a:ext cx="8610600" cy="6248400"/>
-          </a:xfrm>
-          <a:prstGeom prst="rect">
-            <a:avLst/>
-          </a:prstGeom>
-        </p:spPr>
-      </p:pic>
-    </p:spTree>
-    <p:extLst>
-      <p:ext uri="{BB962C8B-B14F-4D97-AF65-F5344CB8AC3E}">
-        <p14:creationId xmlns:p14="http://schemas.microsoft.com/office/powerpoint/2010/main" val="3589284386"/>
       </p:ext>
     </p:extLst>
   </p:cSld>
@@ -6394,6 +6397,114 @@
       </p:grpSpPr>
       <p:pic>
         <p:nvPicPr>
+          <p:cNvPr id="5" name="Picture 4"/>
+          <p:cNvPicPr>
+            <a:picLocks noChangeAspect="1"/>
+          </p:cNvPicPr>
+          <p:nvPr/>
+        </p:nvPicPr>
+        <p:blipFill>
+          <a:blip r:embed="rId2"/>
+          <a:stretch>
+            <a:fillRect/>
+          </a:stretch>
+        </p:blipFill>
+        <p:spPr>
+          <a:xfrm>
+            <a:off x="266700" y="304800"/>
+            <a:ext cx="8610600" cy="6248400"/>
+          </a:xfrm>
+          <a:prstGeom prst="rect">
+            <a:avLst/>
+          </a:prstGeom>
+        </p:spPr>
+      </p:pic>
+    </p:spTree>
+    <p:extLst>
+      <p:ext uri="{BB962C8B-B14F-4D97-AF65-F5344CB8AC3E}">
+        <p14:creationId xmlns:p14="http://schemas.microsoft.com/office/powerpoint/2010/main" val="3589284386"/>
+      </p:ext>
+    </p:extLst>
+  </p:cSld>
+  <p:clrMapOvr>
+    <a:masterClrMapping/>
+  </p:clrMapOvr>
+</p:sld>
+</file>
+
+<file path=ppt/slides/slide21.xml><?xml version="1.0" encoding="utf-8"?>
+<p:sld xmlns:a="http://schemas.openxmlformats.org/drawingml/2006/main" xmlns:r="http://schemas.openxmlformats.org/officeDocument/2006/relationships" xmlns:p="http://schemas.openxmlformats.org/presentationml/2006/main">
+  <p:cSld>
+    <p:spTree>
+      <p:nvGrpSpPr>
+        <p:cNvPr id="1" name=""/>
+        <p:cNvGrpSpPr/>
+        <p:nvPr/>
+      </p:nvGrpSpPr>
+      <p:grpSpPr>
+        <a:xfrm>
+          <a:off x="0" y="0"/>
+          <a:ext cx="0" cy="0"/>
+          <a:chOff x="0" y="0"/>
+          <a:chExt cx="0" cy="0"/>
+        </a:xfrm>
+      </p:grpSpPr>
+      <p:pic>
+        <p:nvPicPr>
+          <p:cNvPr id="4" name="Picture 3"/>
+          <p:cNvPicPr>
+            <a:picLocks noChangeAspect="1"/>
+          </p:cNvPicPr>
+          <p:nvPr/>
+        </p:nvPicPr>
+        <p:blipFill>
+          <a:blip r:embed="rId2"/>
+          <a:stretch>
+            <a:fillRect/>
+          </a:stretch>
+        </p:blipFill>
+        <p:spPr>
+          <a:xfrm>
+            <a:off x="0" y="558800"/>
+            <a:ext cx="9144000" cy="5730949"/>
+          </a:xfrm>
+          <a:prstGeom prst="rect">
+            <a:avLst/>
+          </a:prstGeom>
+        </p:spPr>
+      </p:pic>
+    </p:spTree>
+    <p:extLst>
+      <p:ext uri="{BB962C8B-B14F-4D97-AF65-F5344CB8AC3E}">
+        <p14:creationId xmlns:p14="http://schemas.microsoft.com/office/powerpoint/2010/main" val="306034353"/>
+      </p:ext>
+    </p:extLst>
+  </p:cSld>
+  <p:clrMapOvr>
+    <a:masterClrMapping/>
+  </p:clrMapOvr>
+</p:sld>
+</file>
+
+<file path=ppt/slides/slide22.xml><?xml version="1.0" encoding="utf-8"?>
+<p:sld xmlns:a="http://schemas.openxmlformats.org/drawingml/2006/main" xmlns:r="http://schemas.openxmlformats.org/officeDocument/2006/relationships" xmlns:p="http://schemas.openxmlformats.org/presentationml/2006/main">
+  <p:cSld>
+    <p:spTree>
+      <p:nvGrpSpPr>
+        <p:cNvPr id="1" name=""/>
+        <p:cNvGrpSpPr/>
+        <p:nvPr/>
+      </p:nvGrpSpPr>
+      <p:grpSpPr>
+        <a:xfrm>
+          <a:off x="0" y="0"/>
+          <a:ext cx="0" cy="0"/>
+          <a:chOff x="0" y="0"/>
+          <a:chExt cx="0" cy="0"/>
+        </a:xfrm>
+      </p:grpSpPr>
+      <p:pic>
+        <p:nvPicPr>
           <p:cNvPr id="4" name="Picture 3"/>
           <p:cNvPicPr>
             <a:picLocks noChangeAspect="1"/>
@@ -6429,7 +6540,7 @@
 </p:sld>
 </file>
 
-<file path=ppt/slides/slide21.xml><?xml version="1.0" encoding="utf-8"?>
+<file path=ppt/slides/slide23.xml><?xml version="1.0" encoding="utf-8"?>
 <p:sld xmlns:a="http://schemas.openxmlformats.org/drawingml/2006/main" xmlns:r="http://schemas.openxmlformats.org/officeDocument/2006/relationships" xmlns:p="http://schemas.openxmlformats.org/presentationml/2006/main">
   <p:cSld>
     <p:spTree>
@@ -6474,6 +6585,168 @@
     <p:extLst>
       <p:ext uri="{BB962C8B-B14F-4D97-AF65-F5344CB8AC3E}">
         <p14:creationId xmlns:p14="http://schemas.microsoft.com/office/powerpoint/2010/main" val="3139956114"/>
+      </p:ext>
+    </p:extLst>
+  </p:cSld>
+  <p:clrMapOvr>
+    <a:masterClrMapping/>
+  </p:clrMapOvr>
+</p:sld>
+</file>
+
+<file path=ppt/slides/slide24.xml><?xml version="1.0" encoding="utf-8"?>
+<p:sld xmlns:a="http://schemas.openxmlformats.org/drawingml/2006/main" xmlns:r="http://schemas.openxmlformats.org/officeDocument/2006/relationships" xmlns:p="http://schemas.openxmlformats.org/presentationml/2006/main">
+  <p:cSld>
+    <p:spTree>
+      <p:nvGrpSpPr>
+        <p:cNvPr id="1" name=""/>
+        <p:cNvGrpSpPr/>
+        <p:nvPr/>
+      </p:nvGrpSpPr>
+      <p:grpSpPr>
+        <a:xfrm>
+          <a:off x="0" y="0"/>
+          <a:ext cx="0" cy="0"/>
+          <a:chOff x="0" y="0"/>
+          <a:chExt cx="0" cy="0"/>
+        </a:xfrm>
+      </p:grpSpPr>
+      <p:pic>
+        <p:nvPicPr>
+          <p:cNvPr id="5" name="Picture 4"/>
+          <p:cNvPicPr>
+            <a:picLocks noChangeAspect="1"/>
+          </p:cNvPicPr>
+          <p:nvPr/>
+        </p:nvPicPr>
+        <p:blipFill>
+          <a:blip r:embed="rId2"/>
+          <a:stretch>
+            <a:fillRect/>
+          </a:stretch>
+        </p:blipFill>
+        <p:spPr>
+          <a:xfrm>
+            <a:off x="604222" y="0"/>
+            <a:ext cx="7793741" cy="6858000"/>
+          </a:xfrm>
+          <a:prstGeom prst="rect">
+            <a:avLst/>
+          </a:prstGeom>
+        </p:spPr>
+      </p:pic>
+    </p:spTree>
+    <p:extLst>
+      <p:ext uri="{BB962C8B-B14F-4D97-AF65-F5344CB8AC3E}">
+        <p14:creationId xmlns:p14="http://schemas.microsoft.com/office/powerpoint/2010/main" val="2611738583"/>
+      </p:ext>
+    </p:extLst>
+  </p:cSld>
+  <p:clrMapOvr>
+    <a:masterClrMapping/>
+  </p:clrMapOvr>
+</p:sld>
+</file>
+
+<file path=ppt/slides/slide25.xml><?xml version="1.0" encoding="utf-8"?>
+<p:sld xmlns:a="http://schemas.openxmlformats.org/drawingml/2006/main" xmlns:r="http://schemas.openxmlformats.org/officeDocument/2006/relationships" xmlns:p="http://schemas.openxmlformats.org/presentationml/2006/main">
+  <p:cSld>
+    <p:spTree>
+      <p:nvGrpSpPr>
+        <p:cNvPr id="1" name=""/>
+        <p:cNvGrpSpPr/>
+        <p:nvPr/>
+      </p:nvGrpSpPr>
+      <p:grpSpPr>
+        <a:xfrm>
+          <a:off x="0" y="0"/>
+          <a:ext cx="0" cy="0"/>
+          <a:chOff x="0" y="0"/>
+          <a:chExt cx="0" cy="0"/>
+        </a:xfrm>
+      </p:grpSpPr>
+      <p:pic>
+        <p:nvPicPr>
+          <p:cNvPr id="4" name="Picture 3"/>
+          <p:cNvPicPr>
+            <a:picLocks noChangeAspect="1"/>
+          </p:cNvPicPr>
+          <p:nvPr/>
+        </p:nvPicPr>
+        <p:blipFill>
+          <a:blip r:embed="rId2"/>
+          <a:stretch>
+            <a:fillRect/>
+          </a:stretch>
+        </p:blipFill>
+        <p:spPr>
+          <a:xfrm>
+            <a:off x="0" y="1612900"/>
+            <a:ext cx="9144000" cy="3615966"/>
+          </a:xfrm>
+          <a:prstGeom prst="rect">
+            <a:avLst/>
+          </a:prstGeom>
+        </p:spPr>
+      </p:pic>
+    </p:spTree>
+    <p:extLst>
+      <p:ext uri="{BB962C8B-B14F-4D97-AF65-F5344CB8AC3E}">
+        <p14:creationId xmlns:p14="http://schemas.microsoft.com/office/powerpoint/2010/main" val="2859602324"/>
+      </p:ext>
+    </p:extLst>
+  </p:cSld>
+  <p:clrMapOvr>
+    <a:masterClrMapping/>
+  </p:clrMapOvr>
+</p:sld>
+</file>
+
+<file path=ppt/slides/slide26.xml><?xml version="1.0" encoding="utf-8"?>
+<p:sld xmlns:a="http://schemas.openxmlformats.org/drawingml/2006/main" xmlns:r="http://schemas.openxmlformats.org/officeDocument/2006/relationships" xmlns:p="http://schemas.openxmlformats.org/presentationml/2006/main">
+  <p:cSld>
+    <p:spTree>
+      <p:nvGrpSpPr>
+        <p:cNvPr id="1" name=""/>
+        <p:cNvGrpSpPr/>
+        <p:nvPr/>
+      </p:nvGrpSpPr>
+      <p:grpSpPr>
+        <a:xfrm>
+          <a:off x="0" y="0"/>
+          <a:ext cx="0" cy="0"/>
+          <a:chOff x="0" y="0"/>
+          <a:chExt cx="0" cy="0"/>
+        </a:xfrm>
+      </p:grpSpPr>
+      <p:pic>
+        <p:nvPicPr>
+          <p:cNvPr id="4" name="Picture 3"/>
+          <p:cNvPicPr>
+            <a:picLocks noChangeAspect="1"/>
+          </p:cNvPicPr>
+          <p:nvPr/>
+        </p:nvPicPr>
+        <p:blipFill>
+          <a:blip r:embed="rId2"/>
+          <a:stretch>
+            <a:fillRect/>
+          </a:stretch>
+        </p:blipFill>
+        <p:spPr>
+          <a:xfrm>
+            <a:off x="1447800" y="914400"/>
+            <a:ext cx="6235700" cy="5029200"/>
+          </a:xfrm>
+          <a:prstGeom prst="rect">
+            <a:avLst/>
+          </a:prstGeom>
+        </p:spPr>
+      </p:pic>
+    </p:spTree>
+    <p:extLst>
+      <p:ext uri="{BB962C8B-B14F-4D97-AF65-F5344CB8AC3E}">
+        <p14:creationId xmlns:p14="http://schemas.microsoft.com/office/powerpoint/2010/main" val="262699612"/>
       </p:ext>
     </p:extLst>
   </p:cSld>

--- a/figs/PlotsSummary.pptx
+++ b/figs/PlotsSummary.pptx
@@ -5,7 +5,7 @@
     <p:sldMasterId id="2147483648" r:id="rId1"/>
   </p:sldMasterIdLst>
   <p:notesMasterIdLst>
-    <p:notesMasterId r:id="rId28"/>
+    <p:notesMasterId r:id="rId29"/>
   </p:notesMasterIdLst>
   <p:sldIdLst>
     <p:sldId id="259" r:id="rId2"/>
@@ -34,6 +34,7 @@
     <p:sldId id="278" r:id="rId25"/>
     <p:sldId id="279" r:id="rId26"/>
     <p:sldId id="280" r:id="rId27"/>
+    <p:sldId id="282" r:id="rId28"/>
   </p:sldIdLst>
   <p:sldSz cx="9144000" cy="6858000" type="screen4x3"/>
   <p:notesSz cx="6858000" cy="9144000"/>
@@ -217,7 +218,7 @@
           <a:p>
             <a:fld id="{6F0E7BF9-6E9D-264C-830A-688C30E84BBB}" type="datetimeFigureOut">
               <a:rPr lang="en-US" smtClean="0"/>
-              <a:t>26/03/17</a:t>
+              <a:t>27/03/17</a:t>
             </a:fld>
             <a:endParaRPr lang="en-US"/>
           </a:p>
@@ -755,7 +756,7 @@
           <a:p>
             <a:fld id="{16770D3E-4084-5B4D-93C2-D9EBD03FAF6A}" type="datetimeFigureOut">
               <a:rPr lang="en-US" smtClean="0"/>
-              <a:t>26/03/17</a:t>
+              <a:t>27/03/17</a:t>
             </a:fld>
             <a:endParaRPr lang="en-US"/>
           </a:p>
@@ -925,7 +926,7 @@
           <a:p>
             <a:fld id="{16770D3E-4084-5B4D-93C2-D9EBD03FAF6A}" type="datetimeFigureOut">
               <a:rPr lang="en-US" smtClean="0"/>
-              <a:t>26/03/17</a:t>
+              <a:t>27/03/17</a:t>
             </a:fld>
             <a:endParaRPr lang="en-US"/>
           </a:p>
@@ -1105,7 +1106,7 @@
           <a:p>
             <a:fld id="{16770D3E-4084-5B4D-93C2-D9EBD03FAF6A}" type="datetimeFigureOut">
               <a:rPr lang="en-US" smtClean="0"/>
-              <a:t>26/03/17</a:t>
+              <a:t>27/03/17</a:t>
             </a:fld>
             <a:endParaRPr lang="en-US"/>
           </a:p>
@@ -1275,7 +1276,7 @@
           <a:p>
             <a:fld id="{16770D3E-4084-5B4D-93C2-D9EBD03FAF6A}" type="datetimeFigureOut">
               <a:rPr lang="en-US" smtClean="0"/>
-              <a:t>26/03/17</a:t>
+              <a:t>27/03/17</a:t>
             </a:fld>
             <a:endParaRPr lang="en-US"/>
           </a:p>
@@ -1521,7 +1522,7 @@
           <a:p>
             <a:fld id="{16770D3E-4084-5B4D-93C2-D9EBD03FAF6A}" type="datetimeFigureOut">
               <a:rPr lang="en-US" smtClean="0"/>
-              <a:t>26/03/17</a:t>
+              <a:t>27/03/17</a:t>
             </a:fld>
             <a:endParaRPr lang="en-US"/>
           </a:p>
@@ -1809,7 +1810,7 @@
           <a:p>
             <a:fld id="{16770D3E-4084-5B4D-93C2-D9EBD03FAF6A}" type="datetimeFigureOut">
               <a:rPr lang="en-US" smtClean="0"/>
-              <a:t>26/03/17</a:t>
+              <a:t>27/03/17</a:t>
             </a:fld>
             <a:endParaRPr lang="en-US"/>
           </a:p>
@@ -2231,7 +2232,7 @@
           <a:p>
             <a:fld id="{16770D3E-4084-5B4D-93C2-D9EBD03FAF6A}" type="datetimeFigureOut">
               <a:rPr lang="en-US" smtClean="0"/>
-              <a:t>26/03/17</a:t>
+              <a:t>27/03/17</a:t>
             </a:fld>
             <a:endParaRPr lang="en-US"/>
           </a:p>
@@ -2349,7 +2350,7 @@
           <a:p>
             <a:fld id="{16770D3E-4084-5B4D-93C2-D9EBD03FAF6A}" type="datetimeFigureOut">
               <a:rPr lang="en-US" smtClean="0"/>
-              <a:t>26/03/17</a:t>
+              <a:t>27/03/17</a:t>
             </a:fld>
             <a:endParaRPr lang="en-US"/>
           </a:p>
@@ -2444,7 +2445,7 @@
           <a:p>
             <a:fld id="{16770D3E-4084-5B4D-93C2-D9EBD03FAF6A}" type="datetimeFigureOut">
               <a:rPr lang="en-US" smtClean="0"/>
-              <a:t>26/03/17</a:t>
+              <a:t>27/03/17</a:t>
             </a:fld>
             <a:endParaRPr lang="en-US"/>
           </a:p>
@@ -2721,7 +2722,7 @@
           <a:p>
             <a:fld id="{16770D3E-4084-5B4D-93C2-D9EBD03FAF6A}" type="datetimeFigureOut">
               <a:rPr lang="en-US" smtClean="0"/>
-              <a:t>26/03/17</a:t>
+              <a:t>27/03/17</a:t>
             </a:fld>
             <a:endParaRPr lang="en-US"/>
           </a:p>
@@ -2974,7 +2975,7 @@
           <a:p>
             <a:fld id="{16770D3E-4084-5B4D-93C2-D9EBD03FAF6A}" type="datetimeFigureOut">
               <a:rPr lang="en-US" smtClean="0"/>
-              <a:t>26/03/17</a:t>
+              <a:t>27/03/17</a:t>
             </a:fld>
             <a:endParaRPr lang="en-US"/>
           </a:p>
@@ -3187,7 +3188,7 @@
           <a:p>
             <a:fld id="{16770D3E-4084-5B4D-93C2-D9EBD03FAF6A}" type="datetimeFigureOut">
               <a:rPr lang="en-US" smtClean="0"/>
-              <a:t>26/03/17</a:t>
+              <a:t>27/03/17</a:t>
             </a:fld>
             <a:endParaRPr lang="en-US"/>
           </a:p>
@@ -6747,6 +6748,352 @@
     <p:extLst>
       <p:ext uri="{BB962C8B-B14F-4D97-AF65-F5344CB8AC3E}">
         <p14:creationId xmlns:p14="http://schemas.microsoft.com/office/powerpoint/2010/main" val="262699612"/>
+      </p:ext>
+    </p:extLst>
+  </p:cSld>
+  <p:clrMapOvr>
+    <a:masterClrMapping/>
+  </p:clrMapOvr>
+</p:sld>
+</file>
+
+<file path=ppt/slides/slide27.xml><?xml version="1.0" encoding="utf-8"?>
+<p:sld xmlns:a="http://schemas.openxmlformats.org/drawingml/2006/main" xmlns:r="http://schemas.openxmlformats.org/officeDocument/2006/relationships" xmlns:p="http://schemas.openxmlformats.org/presentationml/2006/main">
+  <p:cSld>
+    <p:spTree>
+      <p:nvGrpSpPr>
+        <p:cNvPr id="1" name=""/>
+        <p:cNvGrpSpPr/>
+        <p:nvPr/>
+      </p:nvGrpSpPr>
+      <p:grpSpPr>
+        <a:xfrm>
+          <a:off x="0" y="0"/>
+          <a:ext cx="0" cy="0"/>
+          <a:chOff x="0" y="0"/>
+          <a:chExt cx="0" cy="0"/>
+        </a:xfrm>
+      </p:grpSpPr>
+      <p:sp>
+        <p:nvSpPr>
+          <p:cNvPr id="9" name="Rectangle 8"/>
+          <p:cNvSpPr/>
+          <p:nvPr/>
+        </p:nvSpPr>
+        <p:spPr>
+          <a:xfrm>
+            <a:off x="3036516" y="7058901"/>
+            <a:ext cx="1504845" cy="685070"/>
+          </a:xfrm>
+          <a:prstGeom prst="rect">
+            <a:avLst/>
+          </a:prstGeom>
+          <a:solidFill>
+            <a:srgbClr val="FFFFFF"/>
+          </a:solidFill>
+          <a:ln>
+            <a:solidFill>
+              <a:srgbClr val="FFFFFF"/>
+            </a:solidFill>
+          </a:ln>
+        </p:spPr>
+        <p:style>
+          <a:lnRef idx="2">
+            <a:schemeClr val="accent1">
+              <a:shade val="50000"/>
+            </a:schemeClr>
+          </a:lnRef>
+          <a:fillRef idx="1">
+            <a:schemeClr val="accent1"/>
+          </a:fillRef>
+          <a:effectRef idx="0">
+            <a:schemeClr val="accent1"/>
+          </a:effectRef>
+          <a:fontRef idx="minor">
+            <a:schemeClr val="lt1"/>
+          </a:fontRef>
+        </p:style>
+        <p:txBody>
+          <a:bodyPr rtlCol="0" anchor="ctr"/>
+          <a:lstStyle/>
+          <a:p>
+            <a:pPr algn="ctr"/>
+            <a:endParaRPr lang="en-US"/>
+          </a:p>
+        </p:txBody>
+      </p:sp>
+      <p:grpSp>
+        <p:nvGrpSpPr>
+          <p:cNvPr id="24" name="Group 23"/>
+          <p:cNvGrpSpPr/>
+          <p:nvPr/>
+        </p:nvGrpSpPr>
+        <p:grpSpPr>
+          <a:xfrm>
+            <a:off x="123036" y="273667"/>
+            <a:ext cx="9020964" cy="4999331"/>
+            <a:chOff x="123036" y="273667"/>
+            <a:chExt cx="9020964" cy="4999331"/>
+          </a:xfrm>
+        </p:grpSpPr>
+        <p:pic>
+          <p:nvPicPr>
+            <p:cNvPr id="4" name="Picture 3"/>
+            <p:cNvPicPr>
+              <a:picLocks noChangeAspect="1"/>
+            </p:cNvPicPr>
+            <p:nvPr/>
+          </p:nvPicPr>
+          <p:blipFill>
+            <a:blip r:embed="rId2"/>
+            <a:stretch>
+              <a:fillRect/>
+            </a:stretch>
+          </p:blipFill>
+          <p:spPr>
+            <a:xfrm>
+              <a:off x="123036" y="276341"/>
+              <a:ext cx="3111608" cy="2301675"/>
+            </a:xfrm>
+            <a:prstGeom prst="rect">
+              <a:avLst/>
+            </a:prstGeom>
+          </p:spPr>
+        </p:pic>
+        <p:pic>
+          <p:nvPicPr>
+            <p:cNvPr id="11" name="Picture 10"/>
+            <p:cNvPicPr>
+              <a:picLocks noChangeAspect="1"/>
+            </p:cNvPicPr>
+            <p:nvPr/>
+          </p:nvPicPr>
+          <p:blipFill>
+            <a:blip r:embed="rId3"/>
+            <a:stretch>
+              <a:fillRect/>
+            </a:stretch>
+          </p:blipFill>
+          <p:spPr>
+            <a:xfrm>
+              <a:off x="123036" y="2578016"/>
+              <a:ext cx="3062699" cy="2694982"/>
+            </a:xfrm>
+            <a:prstGeom prst="rect">
+              <a:avLst/>
+            </a:prstGeom>
+          </p:spPr>
+        </p:pic>
+        <p:grpSp>
+          <p:nvGrpSpPr>
+            <p:cNvPr id="17" name="Group 16"/>
+            <p:cNvGrpSpPr/>
+            <p:nvPr/>
+          </p:nvGrpSpPr>
+          <p:grpSpPr>
+            <a:xfrm>
+              <a:off x="3322567" y="703893"/>
+              <a:ext cx="5821433" cy="1709108"/>
+              <a:chOff x="425875" y="2968789"/>
+              <a:chExt cx="4038664" cy="1067380"/>
+            </a:xfrm>
+          </p:grpSpPr>
+          <p:pic>
+            <p:nvPicPr>
+              <p:cNvPr id="6" name="Picture 5"/>
+              <p:cNvPicPr>
+                <a:picLocks noChangeAspect="1"/>
+              </p:cNvPicPr>
+              <p:nvPr/>
+            </p:nvPicPr>
+            <p:blipFill rotWithShape="1">
+              <a:blip r:embed="rId4"/>
+              <a:srcRect l="26151" r="25921" b="56157"/>
+              <a:stretch/>
+            </p:blipFill>
+            <p:spPr>
+              <a:xfrm>
+                <a:off x="425875" y="2968789"/>
+                <a:ext cx="2782517" cy="1042523"/>
+              </a:xfrm>
+              <a:prstGeom prst="rect">
+                <a:avLst/>
+              </a:prstGeom>
+            </p:spPr>
+          </p:pic>
+          <p:pic>
+            <p:nvPicPr>
+              <p:cNvPr id="13" name="Picture 12"/>
+              <p:cNvPicPr>
+                <a:picLocks noChangeAspect="1"/>
+              </p:cNvPicPr>
+              <p:nvPr/>
+            </p:nvPicPr>
+            <p:blipFill rotWithShape="1">
+              <a:blip r:embed="rId4"/>
+              <a:srcRect l="50701" t="55630" r="27244"/>
+              <a:stretch/>
+            </p:blipFill>
+            <p:spPr>
+              <a:xfrm>
+                <a:off x="3184121" y="2981092"/>
+                <a:ext cx="1280418" cy="1055077"/>
+              </a:xfrm>
+              <a:prstGeom prst="rect">
+                <a:avLst/>
+              </a:prstGeom>
+            </p:spPr>
+          </p:pic>
+        </p:grpSp>
+        <p:pic>
+          <p:nvPicPr>
+            <p:cNvPr id="18" name="Picture 17"/>
+            <p:cNvPicPr>
+              <a:picLocks noChangeAspect="1"/>
+            </p:cNvPicPr>
+            <p:nvPr/>
+          </p:nvPicPr>
+          <p:blipFill>
+            <a:blip r:embed="rId5"/>
+            <a:stretch>
+              <a:fillRect/>
+            </a:stretch>
+          </p:blipFill>
+          <p:spPr>
+            <a:xfrm>
+              <a:off x="3518742" y="3007685"/>
+              <a:ext cx="5625258" cy="2176991"/>
+            </a:xfrm>
+            <a:prstGeom prst="rect">
+              <a:avLst/>
+            </a:prstGeom>
+          </p:spPr>
+        </p:pic>
+        <p:sp>
+          <p:nvSpPr>
+            <p:cNvPr id="20" name="TextBox 19"/>
+            <p:cNvSpPr txBox="1"/>
+            <p:nvPr/>
+          </p:nvSpPr>
+          <p:spPr>
+            <a:xfrm>
+              <a:off x="2861894" y="276341"/>
+              <a:ext cx="318229" cy="369332"/>
+            </a:xfrm>
+            <a:prstGeom prst="rect">
+              <a:avLst/>
+            </a:prstGeom>
+            <a:noFill/>
+          </p:spPr>
+          <p:txBody>
+            <a:bodyPr wrap="none" rtlCol="0">
+              <a:spAutoFit/>
+            </a:bodyPr>
+            <a:lstStyle/>
+            <a:p>
+              <a:r>
+                <a:rPr lang="en-US" dirty="0" smtClean="0"/>
+                <a:t>A</a:t>
+              </a:r>
+              <a:endParaRPr lang="en-US" dirty="0"/>
+            </a:p>
+          </p:txBody>
+        </p:sp>
+        <p:sp>
+          <p:nvSpPr>
+            <p:cNvPr id="21" name="TextBox 20"/>
+            <p:cNvSpPr txBox="1"/>
+            <p:nvPr/>
+          </p:nvSpPr>
+          <p:spPr>
+            <a:xfrm flipH="1">
+              <a:off x="6439496" y="273667"/>
+              <a:ext cx="315120" cy="369332"/>
+            </a:xfrm>
+            <a:prstGeom prst="rect">
+              <a:avLst/>
+            </a:prstGeom>
+            <a:noFill/>
+          </p:spPr>
+          <p:txBody>
+            <a:bodyPr wrap="square" rtlCol="0">
+              <a:spAutoFit/>
+            </a:bodyPr>
+            <a:lstStyle/>
+            <a:p>
+              <a:r>
+                <a:rPr lang="en-US" dirty="0"/>
+                <a:t>B</a:t>
+              </a:r>
+              <a:endParaRPr lang="en-US" dirty="0"/>
+            </a:p>
+          </p:txBody>
+        </p:sp>
+        <p:sp>
+          <p:nvSpPr>
+            <p:cNvPr id="22" name="TextBox 21"/>
+            <p:cNvSpPr txBox="1"/>
+            <p:nvPr/>
+          </p:nvSpPr>
+          <p:spPr>
+            <a:xfrm>
+              <a:off x="2861894" y="2585122"/>
+              <a:ext cx="312906" cy="369332"/>
+            </a:xfrm>
+            <a:prstGeom prst="rect">
+              <a:avLst/>
+            </a:prstGeom>
+            <a:noFill/>
+          </p:spPr>
+          <p:txBody>
+            <a:bodyPr wrap="none" rtlCol="0">
+              <a:spAutoFit/>
+            </a:bodyPr>
+            <a:lstStyle/>
+            <a:p>
+              <a:r>
+                <a:rPr lang="en-US" dirty="0" smtClean="0"/>
+                <a:t>C</a:t>
+              </a:r>
+              <a:endParaRPr lang="en-US" dirty="0"/>
+            </a:p>
+          </p:txBody>
+        </p:sp>
+        <p:sp>
+          <p:nvSpPr>
+            <p:cNvPr id="23" name="TextBox 22"/>
+            <p:cNvSpPr txBox="1"/>
+            <p:nvPr/>
+          </p:nvSpPr>
+          <p:spPr>
+            <a:xfrm>
+              <a:off x="6270374" y="2638353"/>
+              <a:ext cx="326682" cy="369332"/>
+            </a:xfrm>
+            <a:prstGeom prst="rect">
+              <a:avLst/>
+            </a:prstGeom>
+            <a:noFill/>
+          </p:spPr>
+          <p:txBody>
+            <a:bodyPr wrap="none" rtlCol="0">
+              <a:spAutoFit/>
+            </a:bodyPr>
+            <a:lstStyle/>
+            <a:p>
+              <a:r>
+                <a:rPr lang="en-US" dirty="0"/>
+                <a:t>D</a:t>
+              </a:r>
+              <a:endParaRPr lang="en-US" dirty="0"/>
+            </a:p>
+          </p:txBody>
+        </p:sp>
+      </p:grpSp>
+    </p:spTree>
+    <p:extLst>
+      <p:ext uri="{BB962C8B-B14F-4D97-AF65-F5344CB8AC3E}">
+        <p14:creationId xmlns:p14="http://schemas.microsoft.com/office/powerpoint/2010/main" val="3684056961"/>
       </p:ext>
     </p:extLst>
   </p:cSld>
